--- a/docs/debug/ppt/ftrace.pptx
+++ b/docs/debug/ppt/ftrace.pptx
@@ -6,6 +6,10 @@
   </p:sldMasterIdLst>
   <p:sldIdLst>
     <p:sldId id="256" r:id="rId2"/>
+    <p:sldId id="257" r:id="rId3"/>
+    <p:sldId id="258" r:id="rId4"/>
+    <p:sldId id="259" r:id="rId5"/>
+    <p:sldId id="260" r:id="rId6"/>
   </p:sldIdLst>
   <p:sldSz cx="12192000" cy="6858000"/>
   <p:notesSz cx="6858000" cy="9144000"/>
@@ -259,7 +263,7 @@
           <a:p>
             <a:fld id="{71A4CEBD-FD65-417A-8C73-57E0D4C9DD57}" type="datetimeFigureOut">
               <a:rPr lang="zh-CN" altLang="en-US" smtClean="0"/>
-              <a:t>2024/11/4</a:t>
+              <a:t>2024/11/18</a:t>
             </a:fld>
             <a:endParaRPr lang="zh-CN" altLang="en-US"/>
           </a:p>
@@ -457,7 +461,7 @@
           <a:p>
             <a:fld id="{71A4CEBD-FD65-417A-8C73-57E0D4C9DD57}" type="datetimeFigureOut">
               <a:rPr lang="zh-CN" altLang="en-US" smtClean="0"/>
-              <a:t>2024/11/4</a:t>
+              <a:t>2024/11/18</a:t>
             </a:fld>
             <a:endParaRPr lang="zh-CN" altLang="en-US"/>
           </a:p>
@@ -665,7 +669,7 @@
           <a:p>
             <a:fld id="{71A4CEBD-FD65-417A-8C73-57E0D4C9DD57}" type="datetimeFigureOut">
               <a:rPr lang="zh-CN" altLang="en-US" smtClean="0"/>
-              <a:t>2024/11/4</a:t>
+              <a:t>2024/11/18</a:t>
             </a:fld>
             <a:endParaRPr lang="zh-CN" altLang="en-US"/>
           </a:p>
@@ -863,7 +867,7 @@
           <a:p>
             <a:fld id="{71A4CEBD-FD65-417A-8C73-57E0D4C9DD57}" type="datetimeFigureOut">
               <a:rPr lang="zh-CN" altLang="en-US" smtClean="0"/>
-              <a:t>2024/11/4</a:t>
+              <a:t>2024/11/18</a:t>
             </a:fld>
             <a:endParaRPr lang="zh-CN" altLang="en-US"/>
           </a:p>
@@ -1138,7 +1142,7 @@
           <a:p>
             <a:fld id="{71A4CEBD-FD65-417A-8C73-57E0D4C9DD57}" type="datetimeFigureOut">
               <a:rPr lang="zh-CN" altLang="en-US" smtClean="0"/>
-              <a:t>2024/11/4</a:t>
+              <a:t>2024/11/18</a:t>
             </a:fld>
             <a:endParaRPr lang="zh-CN" altLang="en-US"/>
           </a:p>
@@ -1403,7 +1407,7 @@
           <a:p>
             <a:fld id="{71A4CEBD-FD65-417A-8C73-57E0D4C9DD57}" type="datetimeFigureOut">
               <a:rPr lang="zh-CN" altLang="en-US" smtClean="0"/>
-              <a:t>2024/11/4</a:t>
+              <a:t>2024/11/18</a:t>
             </a:fld>
             <a:endParaRPr lang="zh-CN" altLang="en-US"/>
           </a:p>
@@ -1815,7 +1819,7 @@
           <a:p>
             <a:fld id="{71A4CEBD-FD65-417A-8C73-57E0D4C9DD57}" type="datetimeFigureOut">
               <a:rPr lang="zh-CN" altLang="en-US" smtClean="0"/>
-              <a:t>2024/11/4</a:t>
+              <a:t>2024/11/18</a:t>
             </a:fld>
             <a:endParaRPr lang="zh-CN" altLang="en-US"/>
           </a:p>
@@ -1956,7 +1960,7 @@
           <a:p>
             <a:fld id="{71A4CEBD-FD65-417A-8C73-57E0D4C9DD57}" type="datetimeFigureOut">
               <a:rPr lang="zh-CN" altLang="en-US" smtClean="0"/>
-              <a:t>2024/11/4</a:t>
+              <a:t>2024/11/18</a:t>
             </a:fld>
             <a:endParaRPr lang="zh-CN" altLang="en-US"/>
           </a:p>
@@ -2069,7 +2073,7 @@
           <a:p>
             <a:fld id="{71A4CEBD-FD65-417A-8C73-57E0D4C9DD57}" type="datetimeFigureOut">
               <a:rPr lang="zh-CN" altLang="en-US" smtClean="0"/>
-              <a:t>2024/11/4</a:t>
+              <a:t>2024/11/18</a:t>
             </a:fld>
             <a:endParaRPr lang="zh-CN" altLang="en-US"/>
           </a:p>
@@ -2380,7 +2384,7 @@
           <a:p>
             <a:fld id="{71A4CEBD-FD65-417A-8C73-57E0D4C9DD57}" type="datetimeFigureOut">
               <a:rPr lang="zh-CN" altLang="en-US" smtClean="0"/>
-              <a:t>2024/11/4</a:t>
+              <a:t>2024/11/18</a:t>
             </a:fld>
             <a:endParaRPr lang="zh-CN" altLang="en-US"/>
           </a:p>
@@ -2668,7 +2672,7 @@
           <a:p>
             <a:fld id="{71A4CEBD-FD65-417A-8C73-57E0D4C9DD57}" type="datetimeFigureOut">
               <a:rPr lang="zh-CN" altLang="en-US" smtClean="0"/>
-              <a:t>2024/11/4</a:t>
+              <a:t>2024/11/18</a:t>
             </a:fld>
             <a:endParaRPr lang="zh-CN" altLang="en-US"/>
           </a:p>
@@ -2909,7 +2913,7 @@
           <a:p>
             <a:fld id="{71A4CEBD-FD65-417A-8C73-57E0D4C9DD57}" type="datetimeFigureOut">
               <a:rPr lang="zh-CN" altLang="en-US" smtClean="0"/>
-              <a:t>2024/11/4</a:t>
+              <a:t>2024/11/18</a:t>
             </a:fld>
             <a:endParaRPr lang="zh-CN" altLang="en-US"/>
           </a:p>
@@ -3326,234 +3330,60 @@
           <a:chExt cx="0" cy="0"/>
         </a:xfrm>
       </p:grpSpPr>
-      <p:sp>
-        <p:nvSpPr>
-          <p:cNvPr id="5" name="矩形 4">
-            <a:extLst>
-              <a:ext uri="{FF2B5EF4-FFF2-40B4-BE49-F238E27FC236}">
-                <a16:creationId xmlns:a16="http://schemas.microsoft.com/office/drawing/2014/main" id="{D03A21D6-F8AC-82AC-39A3-41EBA83F4BF8}"/>
-              </a:ext>
-            </a:extLst>
-          </p:cNvPr>
-          <p:cNvSpPr/>
+      <p:pic>
+        <p:nvPicPr>
+          <p:cNvPr id="7" name="图片 6">
+            <a:extLst>
+              <a:ext uri="{FF2B5EF4-FFF2-40B4-BE49-F238E27FC236}">
+                <a16:creationId xmlns:a16="http://schemas.microsoft.com/office/drawing/2014/main" id="{124C0F88-98C0-F44B-EA85-24CFBFFAB4C6}"/>
+              </a:ext>
+            </a:extLst>
+          </p:cNvPr>
+          <p:cNvPicPr>
+            <a:picLocks noChangeAspect="1"/>
+          </p:cNvPicPr>
           <p:nvPr/>
-        </p:nvSpPr>
+        </p:nvPicPr>
+        <p:blipFill>
+          <a:blip r:embed="rId2">
+            <a:extLst>
+              <a:ext uri="{28A0092B-C50C-407E-A947-70E740481C1C}">
+                <a14:useLocalDpi xmlns:a14="http://schemas.microsoft.com/office/drawing/2010/main" val="0"/>
+              </a:ext>
+            </a:extLst>
+          </a:blip>
+          <a:stretch>
+            <a:fillRect/>
+          </a:stretch>
+        </p:blipFill>
         <p:spPr>
           <a:xfrm>
-            <a:off x="2681605" y="667339"/>
-            <a:ext cx="1107037" cy="317267"/>
+            <a:off x="257646" y="799435"/>
+            <a:ext cx="5880001" cy="4656486"/>
           </a:xfrm>
           <a:prstGeom prst="rect">
             <a:avLst/>
           </a:prstGeom>
         </p:spPr>
-        <p:style>
-          <a:lnRef idx="2">
-            <a:schemeClr val="accent1"/>
-          </a:lnRef>
-          <a:fillRef idx="1">
-            <a:schemeClr val="lt1"/>
-          </a:fillRef>
-          <a:effectRef idx="0">
-            <a:schemeClr val="accent1"/>
-          </a:effectRef>
-          <a:fontRef idx="minor">
-            <a:schemeClr val="dk1"/>
-          </a:fontRef>
-        </p:style>
-        <p:txBody>
-          <a:bodyPr rtlCol="0" anchor="ctr"/>
-          <a:lstStyle/>
-          <a:p>
-            <a:pPr algn="ctr"/>
-            <a:r>
-              <a:rPr lang="fr-FR" altLang="zh-CN" sz="1100" dirty="0"/>
-              <a:t>new_ftrace_ops</a:t>
-            </a:r>
-            <a:endParaRPr lang="zh-CN" altLang="en-US" sz="1100" dirty="0"/>
-          </a:p>
-        </p:txBody>
-      </p:sp>
-      <p:sp>
-        <p:nvSpPr>
-          <p:cNvPr id="10" name="矩形 9">
-            <a:extLst>
-              <a:ext uri="{FF2B5EF4-FFF2-40B4-BE49-F238E27FC236}">
-                <a16:creationId xmlns:a16="http://schemas.microsoft.com/office/drawing/2014/main" id="{41379819-1227-0761-ABA8-53CE5BFE92FA}"/>
-              </a:ext>
-            </a:extLst>
-          </p:cNvPr>
-          <p:cNvSpPr/>
-          <p:nvPr/>
-        </p:nvSpPr>
-        <p:spPr>
-          <a:xfrm>
-            <a:off x="4252406" y="647225"/>
-            <a:ext cx="1265413" cy="357494"/>
-          </a:xfrm>
-          <a:prstGeom prst="rect">
-            <a:avLst/>
-          </a:prstGeom>
-        </p:spPr>
-        <p:style>
-          <a:lnRef idx="2">
-            <a:schemeClr val="accent1"/>
-          </a:lnRef>
-          <a:fillRef idx="1">
-            <a:schemeClr val="lt1"/>
-          </a:fillRef>
-          <a:effectRef idx="0">
-            <a:schemeClr val="accent1"/>
-          </a:effectRef>
-          <a:fontRef idx="minor">
-            <a:schemeClr val="dk1"/>
-          </a:fontRef>
-        </p:style>
-        <p:txBody>
-          <a:bodyPr rtlCol="0" anchor="ctr"/>
-          <a:lstStyle/>
-          <a:p>
-            <a:pPr algn="ctr"/>
-            <a:r>
-              <a:rPr lang="zh-CN" altLang="en-US" sz="1100" dirty="0"/>
-              <a:t>ftrace_list_end</a:t>
-            </a:r>
-          </a:p>
-        </p:txBody>
-      </p:sp>
-      <p:sp>
-        <p:nvSpPr>
-          <p:cNvPr id="11" name="左大括号 10">
-            <a:extLst>
-              <a:ext uri="{FF2B5EF4-FFF2-40B4-BE49-F238E27FC236}">
-                <a16:creationId xmlns:a16="http://schemas.microsoft.com/office/drawing/2014/main" id="{3335D62B-8DBF-6FBC-682B-C6C97B8F2622}"/>
-              </a:ext>
-            </a:extLst>
-          </p:cNvPr>
-          <p:cNvSpPr/>
-          <p:nvPr/>
-        </p:nvSpPr>
-        <p:spPr>
-          <a:xfrm>
-            <a:off x="5517819" y="573330"/>
-            <a:ext cx="211169" cy="505284"/>
-          </a:xfrm>
-          <a:prstGeom prst="leftBrace">
-            <a:avLst>
-              <a:gd name="adj1" fmla="val 5801"/>
-              <a:gd name="adj2" fmla="val 50000"/>
-            </a:avLst>
-          </a:prstGeom>
-        </p:spPr>
-        <p:style>
-          <a:lnRef idx="1">
-            <a:schemeClr val="accent1"/>
-          </a:lnRef>
-          <a:fillRef idx="0">
-            <a:schemeClr val="accent1"/>
-          </a:fillRef>
-          <a:effectRef idx="0">
-            <a:schemeClr val="accent1"/>
-          </a:effectRef>
-          <a:fontRef idx="minor">
-            <a:schemeClr val="tx1"/>
-          </a:fontRef>
-        </p:style>
-        <p:txBody>
-          <a:bodyPr rtlCol="0" anchor="ctr"/>
-          <a:lstStyle/>
-          <a:p>
-            <a:pPr algn="ctr"/>
-            <a:endParaRPr lang="zh-CN" altLang="en-US" sz="1100"/>
-          </a:p>
-        </p:txBody>
-      </p:sp>
-      <p:sp>
-        <p:nvSpPr>
-          <p:cNvPr id="13" name="文本框 12">
-            <a:extLst>
-              <a:ext uri="{FF2B5EF4-FFF2-40B4-BE49-F238E27FC236}">
-                <a16:creationId xmlns:a16="http://schemas.microsoft.com/office/drawing/2014/main" id="{B8FFE833-2C5A-212B-B456-B64D4BC6AF19}"/>
-              </a:ext>
-            </a:extLst>
-          </p:cNvPr>
-          <p:cNvSpPr txBox="1"/>
-          <p:nvPr/>
-        </p:nvSpPr>
-        <p:spPr>
-          <a:xfrm>
-            <a:off x="5623403" y="573330"/>
-            <a:ext cx="2236470" cy="430887"/>
-          </a:xfrm>
-          <a:prstGeom prst="rect">
-            <a:avLst/>
-          </a:prstGeom>
-          <a:noFill/>
-        </p:spPr>
-        <p:txBody>
-          <a:bodyPr wrap="square">
-            <a:spAutoFit/>
-          </a:bodyPr>
-          <a:lstStyle/>
-          <a:p>
-            <a:r>
-              <a:rPr lang="en-US" altLang="zh-CN" sz="1100" dirty="0"/>
-              <a:t>.</a:t>
-            </a:r>
-            <a:r>
-              <a:rPr lang="en-US" altLang="zh-CN" sz="1100" dirty="0" err="1"/>
-              <a:t>func</a:t>
-            </a:r>
-            <a:r>
-              <a:rPr lang="zh-CN" altLang="en-US" sz="1100" dirty="0"/>
-              <a:t> </a:t>
-            </a:r>
-            <a:r>
-              <a:rPr lang="en-US" altLang="zh-CN" sz="1100" dirty="0"/>
-              <a:t>=</a:t>
-            </a:r>
-            <a:r>
-              <a:rPr lang="zh-CN" altLang="en-US" sz="1100" dirty="0"/>
-              <a:t> </a:t>
-            </a:r>
-            <a:r>
-              <a:rPr lang="en-US" altLang="zh-CN" sz="1100" dirty="0"/>
-              <a:t> </a:t>
-            </a:r>
-            <a:r>
-              <a:rPr lang="en-US" altLang="zh-CN" sz="1100" dirty="0" err="1"/>
-              <a:t>ftrace_stub</a:t>
-            </a:r>
-            <a:endParaRPr lang="en-US" altLang="zh-CN" sz="1100" dirty="0"/>
-          </a:p>
-          <a:p>
-            <a:r>
-              <a:rPr lang="en-US" altLang="zh-CN" sz="1100" dirty="0"/>
-              <a:t>,flags = FTRACE_OPS_FL_STUB</a:t>
-            </a:r>
-          </a:p>
-        </p:txBody>
-      </p:sp>
+      </p:pic>
       <p:cxnSp>
         <p:nvCxnSpPr>
-          <p:cNvPr id="15" name="直接箭头连接符 14">
-            <a:extLst>
-              <a:ext uri="{FF2B5EF4-FFF2-40B4-BE49-F238E27FC236}">
-                <a16:creationId xmlns:a16="http://schemas.microsoft.com/office/drawing/2014/main" id="{069A5D1F-78AD-89AE-CA72-EC16C0346FD3}"/>
+          <p:cNvPr id="9" name="直接箭头连接符 8">
+            <a:extLst>
+              <a:ext uri="{FF2B5EF4-FFF2-40B4-BE49-F238E27FC236}">
+                <a16:creationId xmlns:a16="http://schemas.microsoft.com/office/drawing/2014/main" id="{8840DB94-6A92-08A5-6933-9F05E1BAE549}"/>
               </a:ext>
             </a:extLst>
           </p:cNvPr>
           <p:cNvCxnSpPr>
             <a:cxnSpLocks/>
-            <a:stCxn id="5" idx="3"/>
-            <a:endCxn id="10" idx="1"/>
           </p:cNvCxnSpPr>
           <p:nvPr/>
         </p:nvCxnSpPr>
         <p:spPr>
-          <a:xfrm flipV="1">
-            <a:off x="3788642" y="825972"/>
-            <a:ext cx="463764" cy="1"/>
+          <a:xfrm>
+            <a:off x="5593080" y="2468880"/>
+            <a:ext cx="970280" cy="0"/>
           </a:xfrm>
           <a:prstGeom prst="straightConnector1">
             <a:avLst/>
@@ -3577,74 +3407,24 @@
           </a:fontRef>
         </p:style>
       </p:cxnSp>
-      <p:sp>
-        <p:nvSpPr>
-          <p:cNvPr id="17" name="矩形 16">
-            <a:extLst>
-              <a:ext uri="{FF2B5EF4-FFF2-40B4-BE49-F238E27FC236}">
-                <a16:creationId xmlns:a16="http://schemas.microsoft.com/office/drawing/2014/main" id="{1580DAEE-A22F-79F8-EE7D-5FD7916CA55C}"/>
-              </a:ext>
-            </a:extLst>
-          </p:cNvPr>
-          <p:cNvSpPr/>
-          <p:nvPr/>
-        </p:nvSpPr>
-        <p:spPr>
-          <a:xfrm>
-            <a:off x="1283335" y="667339"/>
-            <a:ext cx="1107037" cy="317267"/>
-          </a:xfrm>
-          <a:prstGeom prst="rect">
-            <a:avLst/>
-          </a:prstGeom>
-        </p:spPr>
-        <p:style>
-          <a:lnRef idx="2">
-            <a:schemeClr val="accent1"/>
-          </a:lnRef>
-          <a:fillRef idx="1">
-            <a:schemeClr val="lt1"/>
-          </a:fillRef>
-          <a:effectRef idx="0">
-            <a:schemeClr val="accent1"/>
-          </a:effectRef>
-          <a:fontRef idx="minor">
-            <a:schemeClr val="dk1"/>
-          </a:fontRef>
-        </p:style>
-        <p:txBody>
-          <a:bodyPr rtlCol="0" anchor="ctr"/>
-          <a:lstStyle/>
-          <a:p>
-            <a:pPr algn="ctr"/>
-            <a:r>
-              <a:rPr lang="fr-FR" altLang="zh-CN" sz="1100" dirty="0"/>
-              <a:t>new_ftrace_ops</a:t>
-            </a:r>
-            <a:endParaRPr lang="zh-CN" altLang="en-US" sz="1100" dirty="0"/>
-          </a:p>
-        </p:txBody>
-      </p:sp>
       <p:cxnSp>
         <p:nvCxnSpPr>
-          <p:cNvPr id="18" name="直接箭头连接符 17">
-            <a:extLst>
-              <a:ext uri="{FF2B5EF4-FFF2-40B4-BE49-F238E27FC236}">
-                <a16:creationId xmlns:a16="http://schemas.microsoft.com/office/drawing/2014/main" id="{F1C375EE-DB60-DD56-3E4A-33B847465A4B}"/>
+          <p:cNvPr id="12" name="直接箭头连接符 11">
+            <a:extLst>
+              <a:ext uri="{FF2B5EF4-FFF2-40B4-BE49-F238E27FC236}">
+                <a16:creationId xmlns:a16="http://schemas.microsoft.com/office/drawing/2014/main" id="{1ECA3B48-C169-B1DE-0914-9615F7624B60}"/>
               </a:ext>
             </a:extLst>
           </p:cNvPr>
           <p:cNvCxnSpPr>
             <a:cxnSpLocks/>
-            <a:stCxn id="17" idx="3"/>
-            <a:endCxn id="5" idx="1"/>
           </p:cNvCxnSpPr>
           <p:nvPr/>
         </p:nvCxnSpPr>
         <p:spPr>
           <a:xfrm>
-            <a:off x="2390372" y="825973"/>
-            <a:ext cx="291233" cy="0"/>
+            <a:off x="4175760" y="3591561"/>
+            <a:ext cx="2387600" cy="0"/>
           </a:xfrm>
           <a:prstGeom prst="straightConnector1">
             <a:avLst/>
@@ -3668,10 +3448,2381 @@
           </a:fontRef>
         </p:style>
       </p:cxnSp>
+      <p:cxnSp>
+        <p:nvCxnSpPr>
+          <p:cNvPr id="20" name="直接箭头连接符 19">
+            <a:extLst>
+              <a:ext uri="{FF2B5EF4-FFF2-40B4-BE49-F238E27FC236}">
+                <a16:creationId xmlns:a16="http://schemas.microsoft.com/office/drawing/2014/main" id="{157FA72F-01E1-0254-5F30-B3C6B0CEBE4A}"/>
+              </a:ext>
+            </a:extLst>
+          </p:cNvPr>
+          <p:cNvCxnSpPr>
+            <a:cxnSpLocks/>
+          </p:cNvCxnSpPr>
+          <p:nvPr/>
+        </p:nvCxnSpPr>
+        <p:spPr>
+          <a:xfrm>
+            <a:off x="4404360" y="4409440"/>
+            <a:ext cx="2159000" cy="0"/>
+          </a:xfrm>
+          <a:prstGeom prst="straightConnector1">
+            <a:avLst/>
+          </a:prstGeom>
+          <a:ln>
+            <a:tailEnd type="triangle"/>
+          </a:ln>
+        </p:spPr>
+        <p:style>
+          <a:lnRef idx="1">
+            <a:schemeClr val="accent1"/>
+          </a:lnRef>
+          <a:fillRef idx="0">
+            <a:schemeClr val="accent1"/>
+          </a:fillRef>
+          <a:effectRef idx="0">
+            <a:schemeClr val="accent1"/>
+          </a:effectRef>
+          <a:fontRef idx="minor">
+            <a:schemeClr val="tx1"/>
+          </a:fontRef>
+        </p:style>
+      </p:cxnSp>
+      <p:sp>
+        <p:nvSpPr>
+          <p:cNvPr id="25" name="矩形 24">
+            <a:extLst>
+              <a:ext uri="{FF2B5EF4-FFF2-40B4-BE49-F238E27FC236}">
+                <a16:creationId xmlns:a16="http://schemas.microsoft.com/office/drawing/2014/main" id="{CAF87ED9-E616-F6CA-46B4-1FC32944AE7C}"/>
+              </a:ext>
+            </a:extLst>
+          </p:cNvPr>
+          <p:cNvSpPr/>
+          <p:nvPr/>
+        </p:nvSpPr>
+        <p:spPr>
+          <a:xfrm>
+            <a:off x="6725920" y="2113281"/>
+            <a:ext cx="2082800" cy="711197"/>
+          </a:xfrm>
+          <a:prstGeom prst="rect">
+            <a:avLst/>
+          </a:prstGeom>
+        </p:spPr>
+        <p:style>
+          <a:lnRef idx="2">
+            <a:schemeClr val="accent1">
+              <a:shade val="15000"/>
+            </a:schemeClr>
+          </a:lnRef>
+          <a:fillRef idx="1">
+            <a:schemeClr val="accent1"/>
+          </a:fillRef>
+          <a:effectRef idx="0">
+            <a:schemeClr val="accent1"/>
+          </a:effectRef>
+          <a:fontRef idx="minor">
+            <a:schemeClr val="lt1"/>
+          </a:fontRef>
+        </p:style>
+        <p:txBody>
+          <a:bodyPr rtlCol="0" anchor="ctr"/>
+          <a:lstStyle/>
+          <a:p>
+            <a:pPr algn="ctr"/>
+            <a:r>
+              <a:rPr lang="en-US" altLang="zh-CN"/>
+              <a:t>Trace point</a:t>
+            </a:r>
+            <a:endParaRPr lang="zh-CN" altLang="en-US" dirty="0"/>
+          </a:p>
+        </p:txBody>
+      </p:sp>
+      <p:sp>
+        <p:nvSpPr>
+          <p:cNvPr id="29" name="矩形 28">
+            <a:extLst>
+              <a:ext uri="{FF2B5EF4-FFF2-40B4-BE49-F238E27FC236}">
+                <a16:creationId xmlns:a16="http://schemas.microsoft.com/office/drawing/2014/main" id="{50048C5A-F794-F689-8800-50440E45C169}"/>
+              </a:ext>
+            </a:extLst>
+          </p:cNvPr>
+          <p:cNvSpPr/>
+          <p:nvPr/>
+        </p:nvSpPr>
+        <p:spPr>
+          <a:xfrm>
+            <a:off x="6725920" y="3235962"/>
+            <a:ext cx="2082800" cy="711197"/>
+          </a:xfrm>
+          <a:prstGeom prst="rect">
+            <a:avLst/>
+          </a:prstGeom>
+        </p:spPr>
+        <p:style>
+          <a:lnRef idx="2">
+            <a:schemeClr val="accent1">
+              <a:shade val="15000"/>
+            </a:schemeClr>
+          </a:lnRef>
+          <a:fillRef idx="1">
+            <a:schemeClr val="accent1"/>
+          </a:fillRef>
+          <a:effectRef idx="0">
+            <a:schemeClr val="accent1"/>
+          </a:effectRef>
+          <a:fontRef idx="minor">
+            <a:schemeClr val="lt1"/>
+          </a:fontRef>
+        </p:style>
+        <p:txBody>
+          <a:bodyPr rtlCol="0" anchor="ctr"/>
+          <a:lstStyle/>
+          <a:p>
+            <a:pPr algn="ctr"/>
+            <a:r>
+              <a:rPr lang="en-US" altLang="zh-CN" dirty="0"/>
+              <a:t>Trace point</a:t>
+            </a:r>
+            <a:endParaRPr lang="zh-CN" altLang="en-US" dirty="0"/>
+          </a:p>
+        </p:txBody>
+      </p:sp>
+      <p:sp>
+        <p:nvSpPr>
+          <p:cNvPr id="30" name="矩形 29">
+            <a:extLst>
+              <a:ext uri="{FF2B5EF4-FFF2-40B4-BE49-F238E27FC236}">
+                <a16:creationId xmlns:a16="http://schemas.microsoft.com/office/drawing/2014/main" id="{F0EA7A1C-02B8-C73C-90DC-5F89DF20EDD3}"/>
+              </a:ext>
+            </a:extLst>
+          </p:cNvPr>
+          <p:cNvSpPr/>
+          <p:nvPr/>
+        </p:nvSpPr>
+        <p:spPr>
+          <a:xfrm>
+            <a:off x="6725920" y="4175761"/>
+            <a:ext cx="2082800" cy="711197"/>
+          </a:xfrm>
+          <a:prstGeom prst="rect">
+            <a:avLst/>
+          </a:prstGeom>
+        </p:spPr>
+        <p:style>
+          <a:lnRef idx="2">
+            <a:schemeClr val="accent1">
+              <a:shade val="15000"/>
+            </a:schemeClr>
+          </a:lnRef>
+          <a:fillRef idx="1">
+            <a:schemeClr val="accent1"/>
+          </a:fillRef>
+          <a:effectRef idx="0">
+            <a:schemeClr val="accent1"/>
+          </a:effectRef>
+          <a:fontRef idx="minor">
+            <a:schemeClr val="lt1"/>
+          </a:fontRef>
+        </p:style>
+        <p:txBody>
+          <a:bodyPr rtlCol="0" anchor="ctr"/>
+          <a:lstStyle/>
+          <a:p>
+            <a:pPr algn="ctr"/>
+            <a:r>
+              <a:rPr lang="en-US" altLang="zh-CN" dirty="0"/>
+              <a:t>Trace point</a:t>
+            </a:r>
+            <a:endParaRPr lang="zh-CN" altLang="en-US" dirty="0"/>
+          </a:p>
+        </p:txBody>
+      </p:sp>
+      <p:sp>
+        <p:nvSpPr>
+          <p:cNvPr id="31" name="矩形 30">
+            <a:extLst>
+              <a:ext uri="{FF2B5EF4-FFF2-40B4-BE49-F238E27FC236}">
+                <a16:creationId xmlns:a16="http://schemas.microsoft.com/office/drawing/2014/main" id="{B9699E5B-FDCC-355C-898B-415862F34535}"/>
+              </a:ext>
+            </a:extLst>
+          </p:cNvPr>
+          <p:cNvSpPr/>
+          <p:nvPr/>
+        </p:nvSpPr>
+        <p:spPr>
+          <a:xfrm>
+            <a:off x="9700178" y="2029707"/>
+            <a:ext cx="1772903" cy="439173"/>
+          </a:xfrm>
+          <a:prstGeom prst="rect">
+            <a:avLst/>
+          </a:prstGeom>
+        </p:spPr>
+        <p:style>
+          <a:lnRef idx="2">
+            <a:schemeClr val="accent6"/>
+          </a:lnRef>
+          <a:fillRef idx="1">
+            <a:schemeClr val="lt1"/>
+          </a:fillRef>
+          <a:effectRef idx="0">
+            <a:schemeClr val="accent6"/>
+          </a:effectRef>
+          <a:fontRef idx="minor">
+            <a:schemeClr val="dk1"/>
+          </a:fontRef>
+        </p:style>
+        <p:txBody>
+          <a:bodyPr rtlCol="0" anchor="ctr"/>
+          <a:lstStyle/>
+          <a:p>
+            <a:pPr algn="ctr"/>
+            <a:r>
+              <a:rPr lang="en-US" altLang="zh-CN" dirty="0" err="1"/>
+              <a:t>func</a:t>
+            </a:r>
+            <a:endParaRPr lang="zh-CN" altLang="en-US" dirty="0"/>
+          </a:p>
+        </p:txBody>
+      </p:sp>
+      <p:sp>
+        <p:nvSpPr>
+          <p:cNvPr id="32" name="矩形 31">
+            <a:extLst>
+              <a:ext uri="{FF2B5EF4-FFF2-40B4-BE49-F238E27FC236}">
+                <a16:creationId xmlns:a16="http://schemas.microsoft.com/office/drawing/2014/main" id="{B9D7B674-DFD4-F31A-B70D-4FCB3B43DD76}"/>
+              </a:ext>
+            </a:extLst>
+          </p:cNvPr>
+          <p:cNvSpPr/>
+          <p:nvPr/>
+        </p:nvSpPr>
+        <p:spPr>
+          <a:xfrm>
+            <a:off x="9852578" y="2182107"/>
+            <a:ext cx="1772903" cy="439173"/>
+          </a:xfrm>
+          <a:prstGeom prst="rect">
+            <a:avLst/>
+          </a:prstGeom>
+        </p:spPr>
+        <p:style>
+          <a:lnRef idx="2">
+            <a:schemeClr val="accent6"/>
+          </a:lnRef>
+          <a:fillRef idx="1">
+            <a:schemeClr val="lt1"/>
+          </a:fillRef>
+          <a:effectRef idx="0">
+            <a:schemeClr val="accent6"/>
+          </a:effectRef>
+          <a:fontRef idx="minor">
+            <a:schemeClr val="dk1"/>
+          </a:fontRef>
+        </p:style>
+        <p:txBody>
+          <a:bodyPr rtlCol="0" anchor="ctr"/>
+          <a:lstStyle/>
+          <a:p>
+            <a:pPr algn="ctr"/>
+            <a:r>
+              <a:rPr lang="en-US" altLang="zh-CN" dirty="0" err="1"/>
+              <a:t>func</a:t>
+            </a:r>
+            <a:endParaRPr lang="zh-CN" altLang="en-US" dirty="0"/>
+          </a:p>
+        </p:txBody>
+      </p:sp>
+      <p:sp>
+        <p:nvSpPr>
+          <p:cNvPr id="33" name="矩形 32">
+            <a:extLst>
+              <a:ext uri="{FF2B5EF4-FFF2-40B4-BE49-F238E27FC236}">
+                <a16:creationId xmlns:a16="http://schemas.microsoft.com/office/drawing/2014/main" id="{6FE3FB4A-8DAE-4B46-1980-1A135D3D8524}"/>
+              </a:ext>
+            </a:extLst>
+          </p:cNvPr>
+          <p:cNvSpPr/>
+          <p:nvPr/>
+        </p:nvSpPr>
+        <p:spPr>
+          <a:xfrm>
+            <a:off x="10004978" y="2334507"/>
+            <a:ext cx="1772903" cy="439173"/>
+          </a:xfrm>
+          <a:prstGeom prst="rect">
+            <a:avLst/>
+          </a:prstGeom>
+        </p:spPr>
+        <p:style>
+          <a:lnRef idx="2">
+            <a:schemeClr val="accent6"/>
+          </a:lnRef>
+          <a:fillRef idx="1">
+            <a:schemeClr val="lt1"/>
+          </a:fillRef>
+          <a:effectRef idx="0">
+            <a:schemeClr val="accent6"/>
+          </a:effectRef>
+          <a:fontRef idx="minor">
+            <a:schemeClr val="dk1"/>
+          </a:fontRef>
+        </p:style>
+        <p:txBody>
+          <a:bodyPr rtlCol="0" anchor="ctr"/>
+          <a:lstStyle/>
+          <a:p>
+            <a:pPr algn="ctr"/>
+            <a:r>
+              <a:rPr lang="en-US" altLang="zh-CN" dirty="0" err="1"/>
+              <a:t>func</a:t>
+            </a:r>
+            <a:endParaRPr lang="zh-CN" altLang="en-US" dirty="0"/>
+          </a:p>
+        </p:txBody>
+      </p:sp>
+      <p:cxnSp>
+        <p:nvCxnSpPr>
+          <p:cNvPr id="39" name="直接箭头连接符 38">
+            <a:extLst>
+              <a:ext uri="{FF2B5EF4-FFF2-40B4-BE49-F238E27FC236}">
+                <a16:creationId xmlns:a16="http://schemas.microsoft.com/office/drawing/2014/main" id="{A180F987-52D2-E897-D991-C0465BB86E8F}"/>
+              </a:ext>
+            </a:extLst>
+          </p:cNvPr>
+          <p:cNvCxnSpPr>
+            <a:stCxn id="25" idx="3"/>
+          </p:cNvCxnSpPr>
+          <p:nvPr/>
+        </p:nvCxnSpPr>
+        <p:spPr>
+          <a:xfrm>
+            <a:off x="8808720" y="2468880"/>
+            <a:ext cx="739058" cy="0"/>
+          </a:xfrm>
+          <a:prstGeom prst="straightConnector1">
+            <a:avLst/>
+          </a:prstGeom>
+          <a:ln>
+            <a:tailEnd type="triangle"/>
+          </a:ln>
+        </p:spPr>
+        <p:style>
+          <a:lnRef idx="1">
+            <a:schemeClr val="accent1"/>
+          </a:lnRef>
+          <a:fillRef idx="0">
+            <a:schemeClr val="accent1"/>
+          </a:fillRef>
+          <a:effectRef idx="0">
+            <a:schemeClr val="accent1"/>
+          </a:effectRef>
+          <a:fontRef idx="minor">
+            <a:schemeClr val="tx1"/>
+          </a:fontRef>
+        </p:style>
+      </p:cxnSp>
+      <p:sp>
+        <p:nvSpPr>
+          <p:cNvPr id="41" name="文本框 40">
+            <a:extLst>
+              <a:ext uri="{FF2B5EF4-FFF2-40B4-BE49-F238E27FC236}">
+                <a16:creationId xmlns:a16="http://schemas.microsoft.com/office/drawing/2014/main" id="{6DDE35CB-F1F7-D19F-DF94-F904FC60206B}"/>
+              </a:ext>
+            </a:extLst>
+          </p:cNvPr>
+          <p:cNvSpPr txBox="1"/>
+          <p:nvPr/>
+        </p:nvSpPr>
+        <p:spPr>
+          <a:xfrm>
+            <a:off x="8904257" y="2064627"/>
+            <a:ext cx="790841" cy="369332"/>
+          </a:xfrm>
+          <a:prstGeom prst="rect">
+            <a:avLst/>
+          </a:prstGeom>
+          <a:noFill/>
+        </p:spPr>
+        <p:txBody>
+          <a:bodyPr wrap="square">
+            <a:spAutoFit/>
+          </a:bodyPr>
+          <a:lstStyle/>
+          <a:p>
+            <a:r>
+              <a:rPr lang="zh-CN" altLang="en-US" dirty="0"/>
+              <a:t>遍历</a:t>
+            </a:r>
+          </a:p>
+        </p:txBody>
+      </p:sp>
     </p:spTree>
     <p:extLst>
       <p:ext uri="{BB962C8B-B14F-4D97-AF65-F5344CB8AC3E}">
         <p14:creationId xmlns:p14="http://schemas.microsoft.com/office/powerpoint/2010/main" val="4055288870"/>
+      </p:ext>
+    </p:extLst>
+  </p:cSld>
+  <p:clrMapOvr>
+    <a:masterClrMapping/>
+  </p:clrMapOvr>
+</p:sld>
+</file>
+
+<file path=ppt/slides/slide2.xml><?xml version="1.0" encoding="utf-8"?>
+<p:sld xmlns:a="http://schemas.openxmlformats.org/drawingml/2006/main" xmlns:r="http://schemas.openxmlformats.org/officeDocument/2006/relationships" xmlns:p="http://schemas.openxmlformats.org/presentationml/2006/main">
+  <p:cSld>
+    <p:spTree>
+      <p:nvGrpSpPr>
+        <p:cNvPr id="1" name="">
+          <a:extLst>
+            <a:ext uri="{FF2B5EF4-FFF2-40B4-BE49-F238E27FC236}">
+              <a16:creationId xmlns:a16="http://schemas.microsoft.com/office/drawing/2014/main" id="{0F8A2562-C5AD-B40F-F722-D839969CEAB8}"/>
+            </a:ext>
+          </a:extLst>
+        </p:cNvPr>
+        <p:cNvGrpSpPr/>
+        <p:nvPr/>
+      </p:nvGrpSpPr>
+      <p:grpSpPr>
+        <a:xfrm>
+          <a:off x="0" y="0"/>
+          <a:ext cx="0" cy="0"/>
+          <a:chOff x="0" y="0"/>
+          <a:chExt cx="0" cy="0"/>
+        </a:xfrm>
+      </p:grpSpPr>
+      <p:sp>
+        <p:nvSpPr>
+          <p:cNvPr id="2" name="矩形 1">
+            <a:extLst>
+              <a:ext uri="{FF2B5EF4-FFF2-40B4-BE49-F238E27FC236}">
+                <a16:creationId xmlns:a16="http://schemas.microsoft.com/office/drawing/2014/main" id="{5BA5920D-9552-9C60-D005-B80BC1CEB5CC}"/>
+              </a:ext>
+            </a:extLst>
+          </p:cNvPr>
+          <p:cNvSpPr/>
+          <p:nvPr/>
+        </p:nvSpPr>
+        <p:spPr>
+          <a:xfrm>
+            <a:off x="8524240" y="838200"/>
+            <a:ext cx="2641600" cy="5181600"/>
+          </a:xfrm>
+          <a:prstGeom prst="rect">
+            <a:avLst/>
+          </a:prstGeom>
+        </p:spPr>
+        <p:style>
+          <a:lnRef idx="2">
+            <a:schemeClr val="accent1">
+              <a:shade val="15000"/>
+            </a:schemeClr>
+          </a:lnRef>
+          <a:fillRef idx="1">
+            <a:schemeClr val="accent1"/>
+          </a:fillRef>
+          <a:effectRef idx="0">
+            <a:schemeClr val="accent1"/>
+          </a:effectRef>
+          <a:fontRef idx="minor">
+            <a:schemeClr val="lt1"/>
+          </a:fontRef>
+        </p:style>
+        <p:txBody>
+          <a:bodyPr rtlCol="0" anchor="ctr"/>
+          <a:lstStyle/>
+          <a:p>
+            <a:pPr algn="ctr"/>
+            <a:endParaRPr lang="zh-CN" altLang="en-US"/>
+          </a:p>
+        </p:txBody>
+      </p:sp>
+      <p:sp>
+        <p:nvSpPr>
+          <p:cNvPr id="3" name="矩形 2">
+            <a:extLst>
+              <a:ext uri="{FF2B5EF4-FFF2-40B4-BE49-F238E27FC236}">
+                <a16:creationId xmlns:a16="http://schemas.microsoft.com/office/drawing/2014/main" id="{5CB102B0-EBEF-CFB5-FD0C-94598E78AAB0}"/>
+              </a:ext>
+            </a:extLst>
+          </p:cNvPr>
+          <p:cNvSpPr/>
+          <p:nvPr/>
+        </p:nvSpPr>
+        <p:spPr>
+          <a:xfrm>
+            <a:off x="8793480" y="4503420"/>
+            <a:ext cx="2103120" cy="447040"/>
+          </a:xfrm>
+          <a:prstGeom prst="rect">
+            <a:avLst/>
+          </a:prstGeom>
+        </p:spPr>
+        <p:style>
+          <a:lnRef idx="2">
+            <a:schemeClr val="accent4">
+              <a:shade val="15000"/>
+            </a:schemeClr>
+          </a:lnRef>
+          <a:fillRef idx="1">
+            <a:schemeClr val="accent4"/>
+          </a:fillRef>
+          <a:effectRef idx="0">
+            <a:schemeClr val="accent4"/>
+          </a:effectRef>
+          <a:fontRef idx="minor">
+            <a:schemeClr val="lt1"/>
+          </a:fontRef>
+        </p:style>
+        <p:txBody>
+          <a:bodyPr rtlCol="0" anchor="ctr"/>
+          <a:lstStyle/>
+          <a:p>
+            <a:pPr algn="ctr"/>
+            <a:r>
+              <a:rPr lang="en-US" altLang="zh-CN" dirty="0"/>
+              <a:t>slot</a:t>
+            </a:r>
+            <a:endParaRPr lang="zh-CN" altLang="en-US" dirty="0"/>
+          </a:p>
+        </p:txBody>
+      </p:sp>
+      <p:sp>
+        <p:nvSpPr>
+          <p:cNvPr id="4" name="矩形 3">
+            <a:extLst>
+              <a:ext uri="{FF2B5EF4-FFF2-40B4-BE49-F238E27FC236}">
+                <a16:creationId xmlns:a16="http://schemas.microsoft.com/office/drawing/2014/main" id="{0DAEA9C3-42B7-C60F-E42C-37FB66AF7B3A}"/>
+              </a:ext>
+            </a:extLst>
+          </p:cNvPr>
+          <p:cNvSpPr/>
+          <p:nvPr/>
+        </p:nvSpPr>
+        <p:spPr>
+          <a:xfrm>
+            <a:off x="8732520" y="2164080"/>
+            <a:ext cx="2103120" cy="665480"/>
+          </a:xfrm>
+          <a:prstGeom prst="rect">
+            <a:avLst/>
+          </a:prstGeom>
+        </p:spPr>
+        <p:style>
+          <a:lnRef idx="2">
+            <a:schemeClr val="accent6">
+              <a:shade val="15000"/>
+            </a:schemeClr>
+          </a:lnRef>
+          <a:fillRef idx="1">
+            <a:schemeClr val="accent6"/>
+          </a:fillRef>
+          <a:effectRef idx="0">
+            <a:schemeClr val="accent6"/>
+          </a:effectRef>
+          <a:fontRef idx="minor">
+            <a:schemeClr val="lt1"/>
+          </a:fontRef>
+        </p:style>
+        <p:txBody>
+          <a:bodyPr rtlCol="0" anchor="ctr"/>
+          <a:lstStyle/>
+          <a:p>
+            <a:pPr algn="ctr"/>
+            <a:r>
+              <a:rPr lang="en-US" altLang="zh-CN" dirty="0" err="1"/>
+              <a:t>Func</a:t>
+            </a:r>
+            <a:r>
+              <a:rPr lang="en-US" altLang="zh-CN" dirty="0"/>
+              <a:t>()</a:t>
+            </a:r>
+          </a:p>
+          <a:p>
+            <a:pPr algn="ctr"/>
+            <a:r>
+              <a:rPr lang="en-US" altLang="zh-CN" dirty="0"/>
+              <a:t>instruction</a:t>
+            </a:r>
+            <a:endParaRPr lang="zh-CN" altLang="en-US" dirty="0"/>
+          </a:p>
+        </p:txBody>
+      </p:sp>
+      <p:sp>
+        <p:nvSpPr>
+          <p:cNvPr id="5" name="矩形 4">
+            <a:extLst>
+              <a:ext uri="{FF2B5EF4-FFF2-40B4-BE49-F238E27FC236}">
+                <a16:creationId xmlns:a16="http://schemas.microsoft.com/office/drawing/2014/main" id="{23180B52-3EE2-10B4-CAB8-B1318930FECA}"/>
+              </a:ext>
+            </a:extLst>
+          </p:cNvPr>
+          <p:cNvSpPr/>
+          <p:nvPr/>
+        </p:nvSpPr>
+        <p:spPr>
+          <a:xfrm>
+            <a:off x="8793480" y="4953000"/>
+            <a:ext cx="2103120" cy="447040"/>
+          </a:xfrm>
+          <a:prstGeom prst="rect">
+            <a:avLst/>
+          </a:prstGeom>
+        </p:spPr>
+        <p:style>
+          <a:lnRef idx="2">
+            <a:schemeClr val="accent6">
+              <a:shade val="15000"/>
+            </a:schemeClr>
+          </a:lnRef>
+          <a:fillRef idx="1">
+            <a:schemeClr val="accent6"/>
+          </a:fillRef>
+          <a:effectRef idx="0">
+            <a:schemeClr val="accent6"/>
+          </a:effectRef>
+          <a:fontRef idx="minor">
+            <a:schemeClr val="lt1"/>
+          </a:fontRef>
+        </p:style>
+        <p:txBody>
+          <a:bodyPr rtlCol="0" anchor="ctr"/>
+          <a:lstStyle/>
+          <a:p>
+            <a:pPr algn="ctr"/>
+            <a:r>
+              <a:rPr lang="en-US" altLang="zh-CN" dirty="0"/>
+              <a:t>slot</a:t>
+            </a:r>
+            <a:endParaRPr lang="zh-CN" altLang="en-US" dirty="0"/>
+          </a:p>
+        </p:txBody>
+      </p:sp>
+      <p:sp>
+        <p:nvSpPr>
+          <p:cNvPr id="6" name="矩形 5">
+            <a:extLst>
+              <a:ext uri="{FF2B5EF4-FFF2-40B4-BE49-F238E27FC236}">
+                <a16:creationId xmlns:a16="http://schemas.microsoft.com/office/drawing/2014/main" id="{33383958-4E85-7A12-CCE4-059829E135F1}"/>
+              </a:ext>
+            </a:extLst>
+          </p:cNvPr>
+          <p:cNvSpPr/>
+          <p:nvPr/>
+        </p:nvSpPr>
+        <p:spPr>
+          <a:xfrm>
+            <a:off x="8793480" y="5402580"/>
+            <a:ext cx="2103120" cy="447040"/>
+          </a:xfrm>
+          <a:prstGeom prst="rect">
+            <a:avLst/>
+          </a:prstGeom>
+        </p:spPr>
+        <p:style>
+          <a:lnRef idx="2">
+            <a:schemeClr val="accent6">
+              <a:shade val="15000"/>
+            </a:schemeClr>
+          </a:lnRef>
+          <a:fillRef idx="1">
+            <a:schemeClr val="accent6"/>
+          </a:fillRef>
+          <a:effectRef idx="0">
+            <a:schemeClr val="accent6"/>
+          </a:effectRef>
+          <a:fontRef idx="minor">
+            <a:schemeClr val="lt1"/>
+          </a:fontRef>
+        </p:style>
+        <p:txBody>
+          <a:bodyPr rtlCol="0" anchor="ctr"/>
+          <a:lstStyle/>
+          <a:p>
+            <a:pPr algn="ctr"/>
+            <a:r>
+              <a:rPr lang="en-US" altLang="zh-CN" dirty="0"/>
+              <a:t>slot</a:t>
+            </a:r>
+            <a:endParaRPr lang="zh-CN" altLang="en-US" dirty="0"/>
+          </a:p>
+        </p:txBody>
+      </p:sp>
+      <p:sp>
+        <p:nvSpPr>
+          <p:cNvPr id="8" name="矩形 7">
+            <a:extLst>
+              <a:ext uri="{FF2B5EF4-FFF2-40B4-BE49-F238E27FC236}">
+                <a16:creationId xmlns:a16="http://schemas.microsoft.com/office/drawing/2014/main" id="{7F23060F-3807-E6E4-5807-A090CB70A4F4}"/>
+              </a:ext>
+            </a:extLst>
+          </p:cNvPr>
+          <p:cNvSpPr/>
+          <p:nvPr/>
+        </p:nvSpPr>
+        <p:spPr>
+          <a:xfrm>
+            <a:off x="4862195" y="4036064"/>
+            <a:ext cx="3117850" cy="1592576"/>
+          </a:xfrm>
+          <a:prstGeom prst="rect">
+            <a:avLst/>
+          </a:prstGeom>
+        </p:spPr>
+        <p:style>
+          <a:lnRef idx="2">
+            <a:schemeClr val="accent5"/>
+          </a:lnRef>
+          <a:fillRef idx="1">
+            <a:schemeClr val="lt1"/>
+          </a:fillRef>
+          <a:effectRef idx="0">
+            <a:schemeClr val="accent5"/>
+          </a:effectRef>
+          <a:fontRef idx="minor">
+            <a:schemeClr val="dk1"/>
+          </a:fontRef>
+        </p:style>
+        <p:txBody>
+          <a:bodyPr rtlCol="0" anchor="ctr"/>
+          <a:lstStyle/>
+          <a:p>
+            <a:r>
+              <a:rPr lang="en-US" altLang="zh-CN" dirty="0" err="1"/>
+              <a:t>register_kprobe</a:t>
+            </a:r>
+            <a:r>
+              <a:rPr lang="en-US" altLang="zh-CN" dirty="0"/>
+              <a:t>() {</a:t>
+            </a:r>
+          </a:p>
+          <a:p>
+            <a:r>
+              <a:rPr lang="en-US" altLang="zh-CN" dirty="0"/>
+              <a:t>         </a:t>
+            </a:r>
+            <a:r>
+              <a:rPr lang="en-US" altLang="zh-CN" dirty="0" err="1"/>
+              <a:t>kprobe_alloc_slot</a:t>
+            </a:r>
+            <a:r>
+              <a:rPr lang="en-US" altLang="zh-CN" dirty="0"/>
+              <a:t>();</a:t>
+            </a:r>
+          </a:p>
+          <a:p>
+            <a:r>
+              <a:rPr lang="en-US" altLang="zh-CN" dirty="0"/>
+              <a:t>         </a:t>
+            </a:r>
+            <a:r>
+              <a:rPr lang="en-US" altLang="zh-CN" dirty="0" err="1"/>
+              <a:t>copy_inst_to_slot</a:t>
+            </a:r>
+            <a:r>
+              <a:rPr lang="en-US" altLang="zh-CN" dirty="0"/>
+              <a:t>()</a:t>
+            </a:r>
+          </a:p>
+          <a:p>
+            <a:r>
+              <a:rPr lang="en-US" altLang="zh-CN" dirty="0"/>
+              <a:t>         copy_BRK64_to_slot()</a:t>
+            </a:r>
+            <a:br>
+              <a:rPr lang="en-US" altLang="zh-CN" dirty="0"/>
+            </a:br>
+            <a:r>
+              <a:rPr lang="en-US" altLang="zh-CN" dirty="0"/>
+              <a:t>}c</a:t>
+            </a:r>
+            <a:endParaRPr lang="zh-CN" altLang="en-US" dirty="0"/>
+          </a:p>
+        </p:txBody>
+      </p:sp>
+      <p:cxnSp>
+        <p:nvCxnSpPr>
+          <p:cNvPr id="11" name="直接箭头连接符 10">
+            <a:extLst>
+              <a:ext uri="{FF2B5EF4-FFF2-40B4-BE49-F238E27FC236}">
+                <a16:creationId xmlns:a16="http://schemas.microsoft.com/office/drawing/2014/main" id="{AA9CB360-2373-D7DD-2DB8-CF9FA2B7A082}"/>
+              </a:ext>
+            </a:extLst>
+          </p:cNvPr>
+          <p:cNvCxnSpPr>
+            <a:cxnSpLocks/>
+          </p:cNvCxnSpPr>
+          <p:nvPr/>
+        </p:nvCxnSpPr>
+        <p:spPr>
+          <a:xfrm flipH="1">
+            <a:off x="7599680" y="4726940"/>
+            <a:ext cx="1193800" cy="0"/>
+          </a:xfrm>
+          <a:prstGeom prst="straightConnector1">
+            <a:avLst/>
+          </a:prstGeom>
+          <a:ln>
+            <a:tailEnd type="triangle"/>
+          </a:ln>
+        </p:spPr>
+        <p:style>
+          <a:lnRef idx="1">
+            <a:schemeClr val="accent4"/>
+          </a:lnRef>
+          <a:fillRef idx="0">
+            <a:schemeClr val="accent4"/>
+          </a:fillRef>
+          <a:effectRef idx="0">
+            <a:schemeClr val="accent4"/>
+          </a:effectRef>
+          <a:fontRef idx="minor">
+            <a:schemeClr val="tx1"/>
+          </a:fontRef>
+        </p:style>
+      </p:cxnSp>
+      <p:sp>
+        <p:nvSpPr>
+          <p:cNvPr id="14" name="椭圆 13">
+            <a:extLst>
+              <a:ext uri="{FF2B5EF4-FFF2-40B4-BE49-F238E27FC236}">
+                <a16:creationId xmlns:a16="http://schemas.microsoft.com/office/drawing/2014/main" id="{4A0BD44D-17FF-8812-B4C5-A9FE2DEB6DAE}"/>
+              </a:ext>
+            </a:extLst>
+          </p:cNvPr>
+          <p:cNvSpPr/>
+          <p:nvPr/>
+        </p:nvSpPr>
+        <p:spPr>
+          <a:xfrm>
+            <a:off x="8063865" y="4414523"/>
+            <a:ext cx="370840" cy="302258"/>
+          </a:xfrm>
+          <a:prstGeom prst="ellipse">
+            <a:avLst/>
+          </a:prstGeom>
+        </p:spPr>
+        <p:style>
+          <a:lnRef idx="2">
+            <a:schemeClr val="accent2">
+              <a:shade val="15000"/>
+            </a:schemeClr>
+          </a:lnRef>
+          <a:fillRef idx="1">
+            <a:schemeClr val="accent2"/>
+          </a:fillRef>
+          <a:effectRef idx="0">
+            <a:schemeClr val="accent2"/>
+          </a:effectRef>
+          <a:fontRef idx="minor">
+            <a:schemeClr val="lt1"/>
+          </a:fontRef>
+        </p:style>
+        <p:txBody>
+          <a:bodyPr rtlCol="0" anchor="ctr"/>
+          <a:lstStyle/>
+          <a:p>
+            <a:pPr algn="ctr"/>
+            <a:r>
+              <a:rPr lang="en-US" altLang="zh-CN" dirty="0"/>
+              <a:t>1</a:t>
+            </a:r>
+            <a:endParaRPr lang="zh-CN" altLang="en-US" dirty="0"/>
+          </a:p>
+        </p:txBody>
+      </p:sp>
+      <p:cxnSp>
+        <p:nvCxnSpPr>
+          <p:cNvPr id="15" name="直接箭头连接符 14">
+            <a:extLst>
+              <a:ext uri="{FF2B5EF4-FFF2-40B4-BE49-F238E27FC236}">
+                <a16:creationId xmlns:a16="http://schemas.microsoft.com/office/drawing/2014/main" id="{82E2879E-5125-3D1C-10ED-0FBC5439DFFD}"/>
+              </a:ext>
+            </a:extLst>
+          </p:cNvPr>
+          <p:cNvCxnSpPr>
+            <a:cxnSpLocks/>
+          </p:cNvCxnSpPr>
+          <p:nvPr/>
+        </p:nvCxnSpPr>
+        <p:spPr>
+          <a:xfrm flipH="1">
+            <a:off x="7774305" y="2644140"/>
+            <a:ext cx="1193800" cy="0"/>
+          </a:xfrm>
+          <a:prstGeom prst="straightConnector1">
+            <a:avLst/>
+          </a:prstGeom>
+          <a:ln>
+            <a:tailEnd type="triangle"/>
+          </a:ln>
+        </p:spPr>
+        <p:style>
+          <a:lnRef idx="1">
+            <a:schemeClr val="accent4"/>
+          </a:lnRef>
+          <a:fillRef idx="0">
+            <a:schemeClr val="accent4"/>
+          </a:fillRef>
+          <a:effectRef idx="0">
+            <a:schemeClr val="accent4"/>
+          </a:effectRef>
+          <a:fontRef idx="minor">
+            <a:schemeClr val="tx1"/>
+          </a:fontRef>
+        </p:style>
+      </p:cxnSp>
+      <p:sp>
+        <p:nvSpPr>
+          <p:cNvPr id="16" name="椭圆 15">
+            <a:extLst>
+              <a:ext uri="{FF2B5EF4-FFF2-40B4-BE49-F238E27FC236}">
+                <a16:creationId xmlns:a16="http://schemas.microsoft.com/office/drawing/2014/main" id="{D00F7079-B968-0486-231E-FC5EDAADFC35}"/>
+              </a:ext>
+            </a:extLst>
+          </p:cNvPr>
+          <p:cNvSpPr/>
+          <p:nvPr/>
+        </p:nvSpPr>
+        <p:spPr>
+          <a:xfrm>
+            <a:off x="8147685" y="2266952"/>
+            <a:ext cx="370840" cy="302258"/>
+          </a:xfrm>
+          <a:prstGeom prst="ellipse">
+            <a:avLst/>
+          </a:prstGeom>
+        </p:spPr>
+        <p:style>
+          <a:lnRef idx="2">
+            <a:schemeClr val="accent2">
+              <a:shade val="15000"/>
+            </a:schemeClr>
+          </a:lnRef>
+          <a:fillRef idx="1">
+            <a:schemeClr val="accent2"/>
+          </a:fillRef>
+          <a:effectRef idx="0">
+            <a:schemeClr val="accent2"/>
+          </a:effectRef>
+          <a:fontRef idx="minor">
+            <a:schemeClr val="lt1"/>
+          </a:fontRef>
+        </p:style>
+        <p:txBody>
+          <a:bodyPr rtlCol="0" anchor="ctr"/>
+          <a:lstStyle/>
+          <a:p>
+            <a:pPr algn="ctr"/>
+            <a:r>
+              <a:rPr lang="en-US" altLang="zh-CN" dirty="0"/>
+              <a:t>2</a:t>
+            </a:r>
+            <a:endParaRPr lang="zh-CN" altLang="en-US" dirty="0"/>
+          </a:p>
+        </p:txBody>
+      </p:sp>
+      <p:sp>
+        <p:nvSpPr>
+          <p:cNvPr id="18" name="矩形 17">
+            <a:extLst>
+              <a:ext uri="{FF2B5EF4-FFF2-40B4-BE49-F238E27FC236}">
+                <a16:creationId xmlns:a16="http://schemas.microsoft.com/office/drawing/2014/main" id="{366173F7-4FB5-B91A-B03F-C8F1C5159FC9}"/>
+              </a:ext>
+            </a:extLst>
+          </p:cNvPr>
+          <p:cNvSpPr/>
+          <p:nvPr/>
+        </p:nvSpPr>
+        <p:spPr>
+          <a:xfrm>
+            <a:off x="4940300" y="1910735"/>
+            <a:ext cx="2789237" cy="1413500"/>
+          </a:xfrm>
+          <a:prstGeom prst="rect">
+            <a:avLst/>
+          </a:prstGeom>
+        </p:spPr>
+        <p:style>
+          <a:lnRef idx="2">
+            <a:schemeClr val="accent5"/>
+          </a:lnRef>
+          <a:fillRef idx="1">
+            <a:schemeClr val="lt1"/>
+          </a:fillRef>
+          <a:effectRef idx="0">
+            <a:schemeClr val="accent5"/>
+          </a:effectRef>
+          <a:fontRef idx="minor">
+            <a:schemeClr val="dk1"/>
+          </a:fontRef>
+        </p:style>
+        <p:txBody>
+          <a:bodyPr rtlCol="0" anchor="ctr"/>
+          <a:lstStyle/>
+          <a:p>
+            <a:r>
+              <a:rPr lang="en-US" altLang="zh-CN" dirty="0" err="1"/>
+              <a:t>register_kprobe</a:t>
+            </a:r>
+            <a:r>
+              <a:rPr lang="en-US" altLang="zh-CN" dirty="0"/>
+              <a:t>() {</a:t>
+            </a:r>
+          </a:p>
+          <a:p>
+            <a:r>
+              <a:rPr lang="en-US" altLang="zh-CN" dirty="0"/>
+              <a:t>       replace_with_BRK64        </a:t>
+            </a:r>
+            <a:br>
+              <a:rPr lang="en-US" altLang="zh-CN" dirty="0"/>
+            </a:br>
+            <a:r>
+              <a:rPr lang="en-US" altLang="zh-CN" dirty="0"/>
+              <a:t>}</a:t>
+            </a:r>
+            <a:endParaRPr lang="zh-CN" altLang="en-US" dirty="0"/>
+          </a:p>
+        </p:txBody>
+      </p:sp>
+      <p:sp>
+        <p:nvSpPr>
+          <p:cNvPr id="19" name="椭圆 18">
+            <a:extLst>
+              <a:ext uri="{FF2B5EF4-FFF2-40B4-BE49-F238E27FC236}">
+                <a16:creationId xmlns:a16="http://schemas.microsoft.com/office/drawing/2014/main" id="{6B70FCF0-5E1D-285F-C08B-89D0BD0FE895}"/>
+              </a:ext>
+            </a:extLst>
+          </p:cNvPr>
+          <p:cNvSpPr/>
+          <p:nvPr/>
+        </p:nvSpPr>
+        <p:spPr>
+          <a:xfrm>
+            <a:off x="558165" y="356872"/>
+            <a:ext cx="370840" cy="302258"/>
+          </a:xfrm>
+          <a:prstGeom prst="ellipse">
+            <a:avLst/>
+          </a:prstGeom>
+        </p:spPr>
+        <p:style>
+          <a:lnRef idx="2">
+            <a:schemeClr val="accent2">
+              <a:shade val="15000"/>
+            </a:schemeClr>
+          </a:lnRef>
+          <a:fillRef idx="1">
+            <a:schemeClr val="accent2"/>
+          </a:fillRef>
+          <a:effectRef idx="0">
+            <a:schemeClr val="accent2"/>
+          </a:effectRef>
+          <a:fontRef idx="minor">
+            <a:schemeClr val="lt1"/>
+          </a:fontRef>
+        </p:style>
+        <p:txBody>
+          <a:bodyPr rtlCol="0" anchor="ctr"/>
+          <a:lstStyle/>
+          <a:p>
+            <a:pPr algn="ctr"/>
+            <a:r>
+              <a:rPr lang="en-US" altLang="zh-CN" dirty="0"/>
+              <a:t>3</a:t>
+            </a:r>
+            <a:endParaRPr lang="zh-CN" altLang="en-US" dirty="0"/>
+          </a:p>
+        </p:txBody>
+      </p:sp>
+      <p:sp>
+        <p:nvSpPr>
+          <p:cNvPr id="23" name="矩形 22">
+            <a:extLst>
+              <a:ext uri="{FF2B5EF4-FFF2-40B4-BE49-F238E27FC236}">
+                <a16:creationId xmlns:a16="http://schemas.microsoft.com/office/drawing/2014/main" id="{2ED8DDFC-C20A-B488-CBB8-D6A339363B33}"/>
+              </a:ext>
+            </a:extLst>
+          </p:cNvPr>
+          <p:cNvSpPr/>
+          <p:nvPr/>
+        </p:nvSpPr>
+        <p:spPr>
+          <a:xfrm>
+            <a:off x="537845" y="820164"/>
+            <a:ext cx="3465195" cy="1013218"/>
+          </a:xfrm>
+          <a:prstGeom prst="rect">
+            <a:avLst/>
+          </a:prstGeom>
+        </p:spPr>
+        <p:style>
+          <a:lnRef idx="2">
+            <a:schemeClr val="accent5"/>
+          </a:lnRef>
+          <a:fillRef idx="1">
+            <a:schemeClr val="lt1"/>
+          </a:fillRef>
+          <a:effectRef idx="0">
+            <a:schemeClr val="accent5"/>
+          </a:effectRef>
+          <a:fontRef idx="minor">
+            <a:schemeClr val="dk1"/>
+          </a:fontRef>
+        </p:style>
+        <p:txBody>
+          <a:bodyPr rtlCol="0" anchor="ctr"/>
+          <a:lstStyle/>
+          <a:p>
+            <a:r>
+              <a:rPr lang="en-US" altLang="zh-CN" dirty="0" err="1"/>
+              <a:t>kprobe_breakpoint_handler</a:t>
+            </a:r>
+            <a:r>
+              <a:rPr lang="en-US" altLang="zh-CN" dirty="0"/>
+              <a:t>(){</a:t>
+            </a:r>
+          </a:p>
+          <a:p>
+            <a:r>
+              <a:rPr lang="en-US" altLang="zh-CN" dirty="0"/>
+              <a:t>    </a:t>
+            </a:r>
+            <a:r>
+              <a:rPr lang="en-US" altLang="zh-CN" dirty="0" err="1"/>
+              <a:t>pre_handler</a:t>
+            </a:r>
+            <a:r>
+              <a:rPr lang="en-US" altLang="zh-CN" dirty="0"/>
+              <a:t>();</a:t>
+            </a:r>
+          </a:p>
+          <a:p>
+            <a:r>
+              <a:rPr lang="en-US" altLang="zh-CN" dirty="0"/>
+              <a:t>    </a:t>
+            </a:r>
+            <a:r>
+              <a:rPr lang="en-US" altLang="zh-CN" dirty="0" err="1"/>
+              <a:t>modify_pc_to_slot</a:t>
+            </a:r>
+            <a:r>
+              <a:rPr lang="en-US" altLang="zh-CN" dirty="0"/>
+              <a:t>()</a:t>
+            </a:r>
+            <a:br>
+              <a:rPr lang="en-US" altLang="zh-CN" dirty="0"/>
+            </a:br>
+            <a:r>
+              <a:rPr lang="en-US" altLang="zh-CN" dirty="0"/>
+              <a:t>}</a:t>
+            </a:r>
+            <a:endParaRPr lang="zh-CN" altLang="en-US" dirty="0"/>
+          </a:p>
+        </p:txBody>
+      </p:sp>
+      <p:sp>
+        <p:nvSpPr>
+          <p:cNvPr id="26" name="文本框 25">
+            <a:extLst>
+              <a:ext uri="{FF2B5EF4-FFF2-40B4-BE49-F238E27FC236}">
+                <a16:creationId xmlns:a16="http://schemas.microsoft.com/office/drawing/2014/main" id="{F74C8F8B-7AF0-9508-7FE2-10DD16C85523}"/>
+              </a:ext>
+            </a:extLst>
+          </p:cNvPr>
+          <p:cNvSpPr txBox="1"/>
+          <p:nvPr/>
+        </p:nvSpPr>
+        <p:spPr>
+          <a:xfrm>
+            <a:off x="1018540" y="323335"/>
+            <a:ext cx="1816100" cy="369332"/>
+          </a:xfrm>
+          <a:prstGeom prst="rect">
+            <a:avLst/>
+          </a:prstGeom>
+          <a:noFill/>
+        </p:spPr>
+        <p:txBody>
+          <a:bodyPr wrap="square">
+            <a:spAutoFit/>
+          </a:bodyPr>
+          <a:lstStyle/>
+          <a:p>
+            <a:r>
+              <a:rPr lang="en-US" altLang="zh-CN" dirty="0"/>
+              <a:t>BRK first happed</a:t>
+            </a:r>
+          </a:p>
+        </p:txBody>
+      </p:sp>
+      <p:sp>
+        <p:nvSpPr>
+          <p:cNvPr id="27" name="椭圆 26">
+            <a:extLst>
+              <a:ext uri="{FF2B5EF4-FFF2-40B4-BE49-F238E27FC236}">
+                <a16:creationId xmlns:a16="http://schemas.microsoft.com/office/drawing/2014/main" id="{17746C8C-6A04-B278-F823-20190E4BD118}"/>
+              </a:ext>
+            </a:extLst>
+          </p:cNvPr>
+          <p:cNvSpPr/>
+          <p:nvPr/>
+        </p:nvSpPr>
+        <p:spPr>
+          <a:xfrm>
+            <a:off x="456565" y="2635250"/>
+            <a:ext cx="370840" cy="302258"/>
+          </a:xfrm>
+          <a:prstGeom prst="ellipse">
+            <a:avLst/>
+          </a:prstGeom>
+        </p:spPr>
+        <p:style>
+          <a:lnRef idx="2">
+            <a:schemeClr val="accent2">
+              <a:shade val="15000"/>
+            </a:schemeClr>
+          </a:lnRef>
+          <a:fillRef idx="1">
+            <a:schemeClr val="accent2"/>
+          </a:fillRef>
+          <a:effectRef idx="0">
+            <a:schemeClr val="accent2"/>
+          </a:effectRef>
+          <a:fontRef idx="minor">
+            <a:schemeClr val="lt1"/>
+          </a:fontRef>
+        </p:style>
+        <p:txBody>
+          <a:bodyPr rtlCol="0" anchor="ctr"/>
+          <a:lstStyle/>
+          <a:p>
+            <a:pPr algn="ctr"/>
+            <a:r>
+              <a:rPr lang="en-US" altLang="zh-CN" dirty="0"/>
+              <a:t>4</a:t>
+            </a:r>
+            <a:endParaRPr lang="zh-CN" altLang="en-US" dirty="0"/>
+          </a:p>
+        </p:txBody>
+      </p:sp>
+      <p:sp>
+        <p:nvSpPr>
+          <p:cNvPr id="28" name="文本框 27">
+            <a:extLst>
+              <a:ext uri="{FF2B5EF4-FFF2-40B4-BE49-F238E27FC236}">
+                <a16:creationId xmlns:a16="http://schemas.microsoft.com/office/drawing/2014/main" id="{65B9E83E-6BBE-FE00-09FE-D57924F98FA7}"/>
+              </a:ext>
+            </a:extLst>
+          </p:cNvPr>
+          <p:cNvSpPr txBox="1"/>
+          <p:nvPr/>
+        </p:nvSpPr>
+        <p:spPr>
+          <a:xfrm>
+            <a:off x="979091" y="2599892"/>
+            <a:ext cx="1816100" cy="369332"/>
+          </a:xfrm>
+          <a:prstGeom prst="rect">
+            <a:avLst/>
+          </a:prstGeom>
+          <a:noFill/>
+        </p:spPr>
+        <p:txBody>
+          <a:bodyPr wrap="square">
+            <a:spAutoFit/>
+          </a:bodyPr>
+          <a:lstStyle/>
+          <a:p>
+            <a:r>
+              <a:rPr lang="en-US" altLang="zh-CN" dirty="0"/>
+              <a:t>BRK ret</a:t>
+            </a:r>
+          </a:p>
+        </p:txBody>
+      </p:sp>
+      <p:sp>
+        <p:nvSpPr>
+          <p:cNvPr id="34" name="矩形 33">
+            <a:extLst>
+              <a:ext uri="{FF2B5EF4-FFF2-40B4-BE49-F238E27FC236}">
+                <a16:creationId xmlns:a16="http://schemas.microsoft.com/office/drawing/2014/main" id="{D71F395B-8A8D-FD5E-FBF9-69F6FE8C587E}"/>
+              </a:ext>
+            </a:extLst>
+          </p:cNvPr>
+          <p:cNvSpPr/>
+          <p:nvPr/>
+        </p:nvSpPr>
+        <p:spPr>
+          <a:xfrm>
+            <a:off x="558164" y="3019430"/>
+            <a:ext cx="3066573" cy="1118230"/>
+          </a:xfrm>
+          <a:prstGeom prst="rect">
+            <a:avLst/>
+          </a:prstGeom>
+        </p:spPr>
+        <p:style>
+          <a:lnRef idx="2">
+            <a:schemeClr val="accent5"/>
+          </a:lnRef>
+          <a:fillRef idx="1">
+            <a:schemeClr val="lt1"/>
+          </a:fillRef>
+          <a:effectRef idx="0">
+            <a:schemeClr val="accent5"/>
+          </a:effectRef>
+          <a:fontRef idx="minor">
+            <a:schemeClr val="dk1"/>
+          </a:fontRef>
+        </p:style>
+        <p:txBody>
+          <a:bodyPr rtlCol="0" anchor="ctr"/>
+          <a:lstStyle/>
+          <a:p>
+            <a:r>
+              <a:rPr lang="en-US" altLang="zh-CN" dirty="0" err="1"/>
+              <a:t>Excute_slot_instruction</a:t>
+            </a:r>
+            <a:r>
+              <a:rPr lang="en-US" altLang="zh-CN" dirty="0"/>
+              <a:t>;</a:t>
+            </a:r>
+          </a:p>
+          <a:p>
+            <a:r>
+              <a:rPr lang="en-US" altLang="zh-CN" dirty="0"/>
+              <a:t>Trigger_brk64</a:t>
+            </a:r>
+            <a:endParaRPr lang="zh-CN" altLang="en-US" dirty="0"/>
+          </a:p>
+        </p:txBody>
+      </p:sp>
+      <p:sp>
+        <p:nvSpPr>
+          <p:cNvPr id="35" name="椭圆 34">
+            <a:extLst>
+              <a:ext uri="{FF2B5EF4-FFF2-40B4-BE49-F238E27FC236}">
+                <a16:creationId xmlns:a16="http://schemas.microsoft.com/office/drawing/2014/main" id="{8A1F5134-993B-4869-1F94-49464A989EF2}"/>
+              </a:ext>
+            </a:extLst>
+          </p:cNvPr>
+          <p:cNvSpPr/>
+          <p:nvPr/>
+        </p:nvSpPr>
+        <p:spPr>
+          <a:xfrm>
+            <a:off x="331470" y="4541245"/>
+            <a:ext cx="370840" cy="302258"/>
+          </a:xfrm>
+          <a:prstGeom prst="ellipse">
+            <a:avLst/>
+          </a:prstGeom>
+        </p:spPr>
+        <p:style>
+          <a:lnRef idx="2">
+            <a:schemeClr val="accent2">
+              <a:shade val="15000"/>
+            </a:schemeClr>
+          </a:lnRef>
+          <a:fillRef idx="1">
+            <a:schemeClr val="accent2"/>
+          </a:fillRef>
+          <a:effectRef idx="0">
+            <a:schemeClr val="accent2"/>
+          </a:effectRef>
+          <a:fontRef idx="minor">
+            <a:schemeClr val="lt1"/>
+          </a:fontRef>
+        </p:style>
+        <p:txBody>
+          <a:bodyPr rtlCol="0" anchor="ctr"/>
+          <a:lstStyle/>
+          <a:p>
+            <a:pPr algn="ctr"/>
+            <a:r>
+              <a:rPr lang="en-US" altLang="zh-CN" dirty="0"/>
+              <a:t>5</a:t>
+            </a:r>
+            <a:endParaRPr lang="zh-CN" altLang="en-US" dirty="0"/>
+          </a:p>
+        </p:txBody>
+      </p:sp>
+      <p:sp>
+        <p:nvSpPr>
+          <p:cNvPr id="36" name="文本框 35">
+            <a:extLst>
+              <a:ext uri="{FF2B5EF4-FFF2-40B4-BE49-F238E27FC236}">
+                <a16:creationId xmlns:a16="http://schemas.microsoft.com/office/drawing/2014/main" id="{9A4559E1-DC47-A8CD-5849-78193D77D47B}"/>
+              </a:ext>
+            </a:extLst>
+          </p:cNvPr>
+          <p:cNvSpPr txBox="1"/>
+          <p:nvPr/>
+        </p:nvSpPr>
+        <p:spPr>
+          <a:xfrm>
+            <a:off x="743585" y="4509221"/>
+            <a:ext cx="2296477" cy="366307"/>
+          </a:xfrm>
+          <a:prstGeom prst="rect">
+            <a:avLst/>
+          </a:prstGeom>
+          <a:noFill/>
+        </p:spPr>
+        <p:txBody>
+          <a:bodyPr wrap="square">
+            <a:spAutoFit/>
+          </a:bodyPr>
+          <a:lstStyle/>
+          <a:p>
+            <a:r>
+              <a:rPr lang="en-US" altLang="zh-CN" dirty="0"/>
+              <a:t>BRK happed again</a:t>
+            </a:r>
+          </a:p>
+        </p:txBody>
+      </p:sp>
+      <p:sp>
+        <p:nvSpPr>
+          <p:cNvPr id="37" name="矩形 36">
+            <a:extLst>
+              <a:ext uri="{FF2B5EF4-FFF2-40B4-BE49-F238E27FC236}">
+                <a16:creationId xmlns:a16="http://schemas.microsoft.com/office/drawing/2014/main" id="{8082E940-390A-1749-CCA8-C6E4A846BEAB}"/>
+              </a:ext>
+            </a:extLst>
+          </p:cNvPr>
+          <p:cNvSpPr/>
+          <p:nvPr/>
+        </p:nvSpPr>
+        <p:spPr>
+          <a:xfrm>
+            <a:off x="501650" y="4930382"/>
+            <a:ext cx="4102735" cy="1013218"/>
+          </a:xfrm>
+          <a:prstGeom prst="rect">
+            <a:avLst/>
+          </a:prstGeom>
+        </p:spPr>
+        <p:style>
+          <a:lnRef idx="2">
+            <a:schemeClr val="accent5"/>
+          </a:lnRef>
+          <a:fillRef idx="1">
+            <a:schemeClr val="lt1"/>
+          </a:fillRef>
+          <a:effectRef idx="0">
+            <a:schemeClr val="accent5"/>
+          </a:effectRef>
+          <a:fontRef idx="minor">
+            <a:schemeClr val="dk1"/>
+          </a:fontRef>
+        </p:style>
+        <p:txBody>
+          <a:bodyPr rtlCol="0" anchor="ctr"/>
+          <a:lstStyle/>
+          <a:p>
+            <a:r>
+              <a:rPr lang="en-US" altLang="zh-CN" dirty="0" err="1"/>
+              <a:t>kprobe_breakpoint_ss_handler</a:t>
+            </a:r>
+            <a:r>
+              <a:rPr lang="en-US" altLang="zh-CN" dirty="0"/>
+              <a:t>(){</a:t>
+            </a:r>
+          </a:p>
+          <a:p>
+            <a:r>
+              <a:rPr lang="en-US" altLang="zh-CN" dirty="0"/>
+              <a:t>  </a:t>
+            </a:r>
+            <a:r>
+              <a:rPr lang="en-US" altLang="zh-CN" dirty="0" err="1"/>
+              <a:t>post_handler</a:t>
+            </a:r>
+            <a:endParaRPr lang="en-US" altLang="zh-CN" dirty="0"/>
+          </a:p>
+          <a:p>
+            <a:r>
+              <a:rPr lang="en-US" altLang="zh-CN" dirty="0"/>
+              <a:t>  </a:t>
+            </a:r>
+            <a:r>
+              <a:rPr lang="en-US" altLang="zh-CN" dirty="0" err="1"/>
+              <a:t>modify_pc_to_ori</a:t>
+            </a:r>
+            <a:br>
+              <a:rPr lang="en-US" altLang="zh-CN" dirty="0"/>
+            </a:br>
+            <a:r>
+              <a:rPr lang="en-US" altLang="zh-CN" dirty="0"/>
+              <a:t>}</a:t>
+            </a:r>
+            <a:endParaRPr lang="zh-CN" altLang="en-US" dirty="0"/>
+          </a:p>
+        </p:txBody>
+      </p:sp>
+    </p:spTree>
+    <p:extLst>
+      <p:ext uri="{BB962C8B-B14F-4D97-AF65-F5344CB8AC3E}">
+        <p14:creationId xmlns:p14="http://schemas.microsoft.com/office/powerpoint/2010/main" val="1590894141"/>
+      </p:ext>
+    </p:extLst>
+  </p:cSld>
+  <p:clrMapOvr>
+    <a:masterClrMapping/>
+  </p:clrMapOvr>
+</p:sld>
+</file>
+
+<file path=ppt/slides/slide3.xml><?xml version="1.0" encoding="utf-8"?>
+<p:sld xmlns:a="http://schemas.openxmlformats.org/drawingml/2006/main" xmlns:r="http://schemas.openxmlformats.org/officeDocument/2006/relationships" xmlns:p="http://schemas.openxmlformats.org/presentationml/2006/main">
+  <p:cSld>
+    <p:spTree>
+      <p:nvGrpSpPr>
+        <p:cNvPr id="1" name="">
+          <a:extLst>
+            <a:ext uri="{FF2B5EF4-FFF2-40B4-BE49-F238E27FC236}">
+              <a16:creationId xmlns:a16="http://schemas.microsoft.com/office/drawing/2014/main" id="{1B6B9161-6334-29F8-17F2-DDF5F31082CB}"/>
+            </a:ext>
+          </a:extLst>
+        </p:cNvPr>
+        <p:cNvGrpSpPr/>
+        <p:nvPr/>
+      </p:nvGrpSpPr>
+      <p:grpSpPr>
+        <a:xfrm>
+          <a:off x="0" y="0"/>
+          <a:ext cx="0" cy="0"/>
+          <a:chOff x="0" y="0"/>
+          <a:chExt cx="0" cy="0"/>
+        </a:xfrm>
+      </p:grpSpPr>
+      <p:sp>
+        <p:nvSpPr>
+          <p:cNvPr id="7" name="矩形 6">
+            <a:extLst>
+              <a:ext uri="{FF2B5EF4-FFF2-40B4-BE49-F238E27FC236}">
+                <a16:creationId xmlns:a16="http://schemas.microsoft.com/office/drawing/2014/main" id="{80E93C8D-8EFB-BCD2-505E-35DEC9D3703E}"/>
+              </a:ext>
+            </a:extLst>
+          </p:cNvPr>
+          <p:cNvSpPr/>
+          <p:nvPr/>
+        </p:nvSpPr>
+        <p:spPr>
+          <a:xfrm>
+            <a:off x="314631" y="196644"/>
+            <a:ext cx="10215717" cy="5968181"/>
+          </a:xfrm>
+          <a:prstGeom prst="rect">
+            <a:avLst/>
+          </a:prstGeom>
+        </p:spPr>
+        <p:style>
+          <a:lnRef idx="2">
+            <a:schemeClr val="accent5"/>
+          </a:lnRef>
+          <a:fillRef idx="1">
+            <a:schemeClr val="lt1"/>
+          </a:fillRef>
+          <a:effectRef idx="0">
+            <a:schemeClr val="accent5"/>
+          </a:effectRef>
+          <a:fontRef idx="minor">
+            <a:schemeClr val="dk1"/>
+          </a:fontRef>
+        </p:style>
+        <p:txBody>
+          <a:bodyPr rtlCol="0" anchor="ctr"/>
+          <a:lstStyle/>
+          <a:p>
+            <a:r>
+              <a:rPr lang="en-US" altLang="zh-CN" dirty="0"/>
+              <a:t>Func_1 2 3 4 5() {</a:t>
+            </a:r>
+          </a:p>
+          <a:p>
+            <a:r>
+              <a:rPr lang="en-US" altLang="zh-CN" dirty="0"/>
+              <a:t>    int a;                  ---</a:t>
+            </a:r>
+            <a:r>
+              <a:rPr lang="en-US" altLang="zh-CN" dirty="0">
+                <a:sym typeface="Wingdings" panose="05000000000000000000" pitchFamily="2" charset="2"/>
+              </a:rPr>
+              <a:t>   mov x0, 0  </a:t>
+            </a:r>
+            <a:endParaRPr lang="en-US" altLang="zh-CN" dirty="0"/>
+          </a:p>
+          <a:p>
+            <a:r>
+              <a:rPr lang="en-US" altLang="zh-CN" dirty="0"/>
+              <a:t>    int b ;               ---</a:t>
+            </a:r>
+            <a:r>
+              <a:rPr lang="en-US" altLang="zh-CN" dirty="0">
+                <a:sym typeface="Wingdings" panose="05000000000000000000" pitchFamily="2" charset="2"/>
+              </a:rPr>
+              <a:t>   mov x1,0</a:t>
+            </a:r>
+          </a:p>
+          <a:p>
+            <a:r>
+              <a:rPr lang="en-US" altLang="zh-CN" dirty="0">
+                <a:sym typeface="Wingdings" panose="05000000000000000000" pitchFamily="2" charset="2"/>
+              </a:rPr>
+              <a:t>    </a:t>
+            </a:r>
+          </a:p>
+          <a:p>
+            <a:r>
+              <a:rPr lang="en-US" altLang="zh-CN" dirty="0">
+                <a:sym typeface="Wingdings" panose="05000000000000000000" pitchFamily="2" charset="2"/>
+              </a:rPr>
+              <a:t>    </a:t>
+            </a:r>
+            <a:r>
+              <a:rPr lang="en-US" altLang="zh-CN" dirty="0" err="1">
+                <a:sym typeface="Wingdings" panose="05000000000000000000" pitchFamily="2" charset="2"/>
+              </a:rPr>
+              <a:t>func</a:t>
+            </a:r>
+            <a:r>
+              <a:rPr lang="en-US" altLang="zh-CN" dirty="0">
+                <a:sym typeface="Wingdings" panose="05000000000000000000" pitchFamily="2" charset="2"/>
+              </a:rPr>
+              <a:t>();</a:t>
+            </a:r>
+          </a:p>
+          <a:p>
+            <a:endParaRPr lang="en-US" altLang="zh-CN" dirty="0">
+              <a:sym typeface="Wingdings" panose="05000000000000000000" pitchFamily="2" charset="2"/>
+            </a:endParaRPr>
+          </a:p>
+          <a:p>
+            <a:r>
+              <a:rPr lang="en-US" altLang="zh-CN" dirty="0"/>
+              <a:t>    int c = </a:t>
+            </a:r>
+            <a:r>
+              <a:rPr lang="en-US" altLang="zh-CN" dirty="0" err="1"/>
+              <a:t>a+b</a:t>
+            </a:r>
+            <a:r>
+              <a:rPr lang="en-US" altLang="zh-CN" dirty="0"/>
+              <a:t>;       --</a:t>
+            </a:r>
+            <a:r>
+              <a:rPr lang="en-US" altLang="zh-CN" dirty="0">
+                <a:sym typeface="Wingdings" panose="05000000000000000000" pitchFamily="2" charset="2"/>
+              </a:rPr>
+              <a:t> -&gt;   </a:t>
+            </a:r>
+            <a:r>
+              <a:rPr lang="en-US" altLang="zh-CN" dirty="0" err="1">
+                <a:sym typeface="Wingdings" panose="05000000000000000000" pitchFamily="2" charset="2"/>
+              </a:rPr>
+              <a:t>ldr</a:t>
+            </a:r>
+            <a:r>
+              <a:rPr lang="en-US" altLang="zh-CN" dirty="0">
+                <a:sym typeface="Wingdings" panose="05000000000000000000" pitchFamily="2" charset="2"/>
+              </a:rPr>
+              <a:t> x2, x3.-----  </a:t>
+            </a:r>
+            <a:r>
+              <a:rPr lang="en-US" altLang="zh-CN" dirty="0" err="1">
+                <a:sym typeface="Wingdings" panose="05000000000000000000" pitchFamily="2" charset="2"/>
+              </a:rPr>
+              <a:t>brk</a:t>
+            </a:r>
+            <a:r>
+              <a:rPr lang="en-US" altLang="zh-CN" dirty="0">
+                <a:sym typeface="Wingdings" panose="05000000000000000000" pitchFamily="2" charset="2"/>
+              </a:rPr>
+              <a:t>/int3   --</a:t>
+            </a:r>
+            <a:r>
+              <a:rPr lang="zh-CN" altLang="en-US" dirty="0">
+                <a:sym typeface="Wingdings" panose="05000000000000000000" pitchFamily="2" charset="2"/>
+              </a:rPr>
+              <a:t> </a:t>
+            </a:r>
+            <a:r>
+              <a:rPr lang="en-US" altLang="zh-CN" dirty="0">
+                <a:sym typeface="Wingdings" panose="05000000000000000000" pitchFamily="2" charset="2"/>
+              </a:rPr>
+              <a:t>exception handler</a:t>
+            </a:r>
+            <a:r>
+              <a:rPr lang="zh-CN" altLang="en-US" dirty="0">
+                <a:sym typeface="Wingdings" panose="05000000000000000000" pitchFamily="2" charset="2"/>
+              </a:rPr>
+              <a:t>（） </a:t>
+            </a:r>
+            <a:endParaRPr lang="en-US" altLang="zh-CN" dirty="0">
+              <a:sym typeface="Wingdings" panose="05000000000000000000" pitchFamily="2" charset="2"/>
+            </a:endParaRPr>
+          </a:p>
+          <a:p>
+            <a:r>
+              <a:rPr lang="en-US" altLang="zh-CN" dirty="0">
+                <a:sym typeface="Wingdings" panose="05000000000000000000" pitchFamily="2" charset="2"/>
+              </a:rPr>
+              <a:t>                             ----  </a:t>
+            </a:r>
+            <a:r>
+              <a:rPr lang="zh-CN" altLang="en-US" dirty="0">
+                <a:sym typeface="Wingdings" panose="05000000000000000000" pitchFamily="2" charset="2"/>
+              </a:rPr>
+              <a:t> </a:t>
+            </a:r>
+            <a:r>
+              <a:rPr lang="en-US" altLang="zh-CN" dirty="0">
+                <a:sym typeface="Wingdings" panose="05000000000000000000" pitchFamily="2" charset="2"/>
+              </a:rPr>
+              <a:t>ret;     </a:t>
+            </a:r>
+          </a:p>
+          <a:p>
+            <a:r>
+              <a:rPr lang="en-US" altLang="zh-CN" dirty="0">
+                <a:sym typeface="Wingdings" panose="05000000000000000000" pitchFamily="2" charset="2"/>
+              </a:rPr>
+              <a:t>                             --     b  0x333333;     </a:t>
+            </a:r>
+          </a:p>
+          <a:p>
+            <a:r>
+              <a:rPr lang="en-US" altLang="zh-CN" dirty="0">
+                <a:sym typeface="Wingdings" panose="05000000000000000000" pitchFamily="2" charset="2"/>
+              </a:rPr>
+              <a:t>    </a:t>
+            </a:r>
+            <a:r>
+              <a:rPr lang="en-US" altLang="zh-CN" dirty="0" err="1">
+                <a:sym typeface="Wingdings" panose="05000000000000000000" pitchFamily="2" charset="2"/>
+              </a:rPr>
+              <a:t>printf</a:t>
+            </a:r>
+            <a:r>
+              <a:rPr lang="en-US" altLang="zh-CN" dirty="0">
+                <a:sym typeface="Wingdings" panose="05000000000000000000" pitchFamily="2" charset="2"/>
+              </a:rPr>
+              <a:t>(“%</a:t>
+            </a:r>
+            <a:r>
+              <a:rPr lang="en-US" altLang="zh-CN" dirty="0" err="1">
+                <a:sym typeface="Wingdings" panose="05000000000000000000" pitchFamily="2" charset="2"/>
+              </a:rPr>
+              <a:t>d,”,c</a:t>
+            </a:r>
+            <a:r>
+              <a:rPr lang="en-US" altLang="zh-CN" dirty="0">
+                <a:sym typeface="Wingdings" panose="05000000000000000000" pitchFamily="2" charset="2"/>
+              </a:rPr>
+              <a:t>) </a:t>
+            </a:r>
+          </a:p>
+          <a:p>
+            <a:r>
+              <a:rPr lang="en-US" altLang="zh-CN" dirty="0">
+                <a:sym typeface="Wingdings" panose="05000000000000000000" pitchFamily="2" charset="2"/>
+              </a:rPr>
+              <a:t>  </a:t>
+            </a:r>
+          </a:p>
+          <a:p>
+            <a:r>
+              <a:rPr lang="en-US" altLang="zh-CN" dirty="0">
+                <a:sym typeface="Wingdings" panose="05000000000000000000" pitchFamily="2" charset="2"/>
+              </a:rPr>
+              <a:t>    </a:t>
+            </a:r>
+            <a:r>
+              <a:rPr lang="en-US" altLang="zh-CN" dirty="0" err="1">
+                <a:sym typeface="Wingdings" panose="05000000000000000000" pitchFamily="2" charset="2"/>
+              </a:rPr>
+              <a:t>funcd</a:t>
+            </a:r>
+            <a:r>
+              <a:rPr lang="en-US" altLang="zh-CN" dirty="0">
+                <a:sym typeface="Wingdings" panose="05000000000000000000" pitchFamily="2" charset="2"/>
+              </a:rPr>
+              <a:t>() </a:t>
+            </a:r>
+            <a:endParaRPr lang="en-US" altLang="zh-CN" dirty="0"/>
+          </a:p>
+          <a:p>
+            <a:r>
+              <a:rPr lang="en-US" altLang="zh-CN" dirty="0"/>
+              <a:t>}</a:t>
+            </a:r>
+          </a:p>
+          <a:p>
+            <a:endParaRPr lang="en-US" altLang="zh-CN" dirty="0"/>
+          </a:p>
+          <a:p>
+            <a:endParaRPr lang="en-US" altLang="zh-CN" dirty="0"/>
+          </a:p>
+          <a:p>
+            <a:r>
+              <a:rPr lang="en-US" altLang="zh-CN" dirty="0" err="1"/>
+              <a:t>Func_no_na</a:t>
+            </a:r>
+            <a:r>
+              <a:rPr lang="en-US" altLang="zh-CN" dirty="0"/>
+              <a:t> me() { </a:t>
+            </a:r>
+          </a:p>
+          <a:p>
+            <a:r>
+              <a:rPr lang="en-US" altLang="zh-CN" dirty="0">
+                <a:sym typeface="Wingdings" panose="05000000000000000000" pitchFamily="2" charset="2"/>
+              </a:rPr>
+              <a:t>   b  0x333333</a:t>
+            </a:r>
+          </a:p>
+          <a:p>
+            <a:r>
+              <a:rPr lang="en-US" altLang="zh-CN" dirty="0">
+                <a:sym typeface="Wingdings" panose="05000000000000000000" pitchFamily="2" charset="2"/>
+              </a:rPr>
+              <a:t>    ---------- </a:t>
+            </a:r>
+            <a:r>
+              <a:rPr lang="en-US" altLang="zh-CN" dirty="0" err="1">
+                <a:sym typeface="Wingdings" panose="05000000000000000000" pitchFamily="2" charset="2"/>
+              </a:rPr>
+              <a:t>exchecption_handler</a:t>
+            </a:r>
+            <a:r>
+              <a:rPr lang="en-US" altLang="zh-CN" dirty="0">
+                <a:sym typeface="Wingdings" panose="05000000000000000000" pitchFamily="2" charset="2"/>
+              </a:rPr>
+              <a:t>()</a:t>
+            </a:r>
+          </a:p>
+          <a:p>
+            <a:r>
+              <a:rPr lang="en-US" altLang="zh-CN" dirty="0">
+                <a:sym typeface="Wingdings" panose="05000000000000000000" pitchFamily="2" charset="2"/>
+              </a:rPr>
+              <a:t>   restore pc -&gt; </a:t>
+            </a:r>
+            <a:br>
+              <a:rPr lang="en-US" altLang="zh-CN" dirty="0"/>
+            </a:br>
+            <a:r>
+              <a:rPr lang="en-US" altLang="zh-CN" dirty="0"/>
+              <a:t>}</a:t>
+            </a:r>
+            <a:br>
+              <a:rPr lang="en-US" altLang="zh-CN" dirty="0"/>
+            </a:br>
+            <a:endParaRPr lang="en-US" altLang="zh-CN" dirty="0"/>
+          </a:p>
+        </p:txBody>
+      </p:sp>
+    </p:spTree>
+    <p:extLst>
+      <p:ext uri="{BB962C8B-B14F-4D97-AF65-F5344CB8AC3E}">
+        <p14:creationId xmlns:p14="http://schemas.microsoft.com/office/powerpoint/2010/main" val="2147767206"/>
+      </p:ext>
+    </p:extLst>
+  </p:cSld>
+  <p:clrMapOvr>
+    <a:masterClrMapping/>
+  </p:clrMapOvr>
+</p:sld>
+</file>
+
+<file path=ppt/slides/slide4.xml><?xml version="1.0" encoding="utf-8"?>
+<p:sld xmlns:a="http://schemas.openxmlformats.org/drawingml/2006/main" xmlns:r="http://schemas.openxmlformats.org/officeDocument/2006/relationships" xmlns:p="http://schemas.openxmlformats.org/presentationml/2006/main">
+  <p:cSld>
+    <p:spTree>
+      <p:nvGrpSpPr>
+        <p:cNvPr id="1" name="">
+          <a:extLst>
+            <a:ext uri="{FF2B5EF4-FFF2-40B4-BE49-F238E27FC236}">
+              <a16:creationId xmlns:a16="http://schemas.microsoft.com/office/drawing/2014/main" id="{DD6A1625-4630-1783-9928-D6C53563F9EC}"/>
+            </a:ext>
+          </a:extLst>
+        </p:cNvPr>
+        <p:cNvGrpSpPr/>
+        <p:nvPr/>
+      </p:nvGrpSpPr>
+      <p:grpSpPr>
+        <a:xfrm>
+          <a:off x="0" y="0"/>
+          <a:ext cx="0" cy="0"/>
+          <a:chOff x="0" y="0"/>
+          <a:chExt cx="0" cy="0"/>
+        </a:xfrm>
+      </p:grpSpPr>
+      <p:sp>
+        <p:nvSpPr>
+          <p:cNvPr id="2" name="矩形 1">
+            <a:extLst>
+              <a:ext uri="{FF2B5EF4-FFF2-40B4-BE49-F238E27FC236}">
+                <a16:creationId xmlns:a16="http://schemas.microsoft.com/office/drawing/2014/main" id="{A2A1D0CA-D800-913F-EB07-D4849F4ACD23}"/>
+              </a:ext>
+            </a:extLst>
+          </p:cNvPr>
+          <p:cNvSpPr/>
+          <p:nvPr/>
+        </p:nvSpPr>
+        <p:spPr>
+          <a:xfrm>
+            <a:off x="3696930" y="1455175"/>
+            <a:ext cx="3667432" cy="1445342"/>
+          </a:xfrm>
+          <a:prstGeom prst="rect">
+            <a:avLst/>
+          </a:prstGeom>
+        </p:spPr>
+        <p:style>
+          <a:lnRef idx="2">
+            <a:schemeClr val="accent1">
+              <a:shade val="15000"/>
+            </a:schemeClr>
+          </a:lnRef>
+          <a:fillRef idx="1">
+            <a:schemeClr val="accent1"/>
+          </a:fillRef>
+          <a:effectRef idx="0">
+            <a:schemeClr val="accent1"/>
+          </a:effectRef>
+          <a:fontRef idx="minor">
+            <a:schemeClr val="lt1"/>
+          </a:fontRef>
+        </p:style>
+        <p:txBody>
+          <a:bodyPr rtlCol="0" anchor="ctr"/>
+          <a:lstStyle/>
+          <a:p>
+            <a:pPr algn="ctr"/>
+            <a:r>
+              <a:rPr lang="en-US" altLang="zh-CN" dirty="0" err="1"/>
+              <a:t>Subsytem</a:t>
+            </a:r>
+            <a:r>
+              <a:rPr lang="en-US" altLang="zh-CN" dirty="0"/>
+              <a:t> {</a:t>
+            </a:r>
+          </a:p>
+          <a:p>
+            <a:pPr algn="ctr"/>
+            <a:r>
+              <a:rPr lang="en-US" altLang="zh-CN" dirty="0"/>
+              <a:t>mod1:</a:t>
+            </a:r>
+          </a:p>
+          <a:p>
+            <a:pPr algn="ctr"/>
+            <a:r>
+              <a:rPr lang="en-US" altLang="zh-CN" dirty="0"/>
+              <a:t>Mod2</a:t>
+            </a:r>
+            <a:br>
+              <a:rPr lang="en-US" altLang="zh-CN" dirty="0"/>
+            </a:br>
+            <a:r>
+              <a:rPr lang="en-US" altLang="zh-CN" dirty="0"/>
+              <a:t>}</a:t>
+            </a:r>
+            <a:endParaRPr lang="zh-CN" altLang="en-US" dirty="0"/>
+          </a:p>
+        </p:txBody>
+      </p:sp>
+      <p:sp>
+        <p:nvSpPr>
+          <p:cNvPr id="3" name="矩形 2">
+            <a:extLst>
+              <a:ext uri="{FF2B5EF4-FFF2-40B4-BE49-F238E27FC236}">
+                <a16:creationId xmlns:a16="http://schemas.microsoft.com/office/drawing/2014/main" id="{EDCF434E-DFB5-1AC1-C212-3708E8B0F30D}"/>
+              </a:ext>
+            </a:extLst>
+          </p:cNvPr>
+          <p:cNvSpPr/>
+          <p:nvPr/>
+        </p:nvSpPr>
+        <p:spPr>
+          <a:xfrm>
+            <a:off x="830826" y="4449096"/>
+            <a:ext cx="3667432" cy="1445342"/>
+          </a:xfrm>
+          <a:prstGeom prst="rect">
+            <a:avLst/>
+          </a:prstGeom>
+        </p:spPr>
+        <p:style>
+          <a:lnRef idx="2">
+            <a:schemeClr val="accent1">
+              <a:shade val="15000"/>
+            </a:schemeClr>
+          </a:lnRef>
+          <a:fillRef idx="1">
+            <a:schemeClr val="accent1"/>
+          </a:fillRef>
+          <a:effectRef idx="0">
+            <a:schemeClr val="accent1"/>
+          </a:effectRef>
+          <a:fontRef idx="minor">
+            <a:schemeClr val="lt1"/>
+          </a:fontRef>
+        </p:style>
+        <p:txBody>
+          <a:bodyPr rtlCol="0" anchor="ctr"/>
+          <a:lstStyle/>
+          <a:p>
+            <a:pPr algn="ctr"/>
+            <a:r>
+              <a:rPr lang="en-US" altLang="zh-CN" dirty="0"/>
+              <a:t>submodule1</a:t>
+            </a:r>
+            <a:endParaRPr lang="zh-CN" altLang="en-US" dirty="0"/>
+          </a:p>
+        </p:txBody>
+      </p:sp>
+      <p:sp>
+        <p:nvSpPr>
+          <p:cNvPr id="4" name="矩形 3">
+            <a:extLst>
+              <a:ext uri="{FF2B5EF4-FFF2-40B4-BE49-F238E27FC236}">
+                <a16:creationId xmlns:a16="http://schemas.microsoft.com/office/drawing/2014/main" id="{681E3528-AD93-FCC4-77A3-0316DD4F278E}"/>
+              </a:ext>
+            </a:extLst>
+          </p:cNvPr>
+          <p:cNvSpPr/>
+          <p:nvPr/>
+        </p:nvSpPr>
+        <p:spPr>
+          <a:xfrm>
+            <a:off x="6941574" y="4449096"/>
+            <a:ext cx="3667432" cy="1445342"/>
+          </a:xfrm>
+          <a:prstGeom prst="rect">
+            <a:avLst/>
+          </a:prstGeom>
+        </p:spPr>
+        <p:style>
+          <a:lnRef idx="2">
+            <a:schemeClr val="accent1">
+              <a:shade val="15000"/>
+            </a:schemeClr>
+          </a:lnRef>
+          <a:fillRef idx="1">
+            <a:schemeClr val="accent1"/>
+          </a:fillRef>
+          <a:effectRef idx="0">
+            <a:schemeClr val="accent1"/>
+          </a:effectRef>
+          <a:fontRef idx="minor">
+            <a:schemeClr val="lt1"/>
+          </a:fontRef>
+        </p:style>
+        <p:txBody>
+          <a:bodyPr rtlCol="0" anchor="ctr"/>
+          <a:lstStyle/>
+          <a:p>
+            <a:pPr algn="ctr"/>
+            <a:r>
+              <a:rPr lang="en-US" altLang="zh-CN" dirty="0"/>
+              <a:t>submodule2</a:t>
+            </a:r>
+            <a:endParaRPr lang="zh-CN" altLang="en-US" dirty="0"/>
+          </a:p>
+        </p:txBody>
+      </p:sp>
+    </p:spTree>
+    <p:extLst>
+      <p:ext uri="{BB962C8B-B14F-4D97-AF65-F5344CB8AC3E}">
+        <p14:creationId xmlns:p14="http://schemas.microsoft.com/office/powerpoint/2010/main" val="864501103"/>
+      </p:ext>
+    </p:extLst>
+  </p:cSld>
+  <p:clrMapOvr>
+    <a:masterClrMapping/>
+  </p:clrMapOvr>
+</p:sld>
+</file>
+
+<file path=ppt/slides/slide5.xml><?xml version="1.0" encoding="utf-8"?>
+<p:sld xmlns:a="http://schemas.openxmlformats.org/drawingml/2006/main" xmlns:r="http://schemas.openxmlformats.org/officeDocument/2006/relationships" xmlns:p="http://schemas.openxmlformats.org/presentationml/2006/main">
+  <p:cSld>
+    <p:spTree>
+      <p:nvGrpSpPr>
+        <p:cNvPr id="1" name="">
+          <a:extLst>
+            <a:ext uri="{FF2B5EF4-FFF2-40B4-BE49-F238E27FC236}">
+              <a16:creationId xmlns:a16="http://schemas.microsoft.com/office/drawing/2014/main" id="{6A17C710-9146-B6AD-153F-DBACE1BD0D3B}"/>
+            </a:ext>
+          </a:extLst>
+        </p:cNvPr>
+        <p:cNvGrpSpPr/>
+        <p:nvPr/>
+      </p:nvGrpSpPr>
+      <p:grpSpPr>
+        <a:xfrm>
+          <a:off x="0" y="0"/>
+          <a:ext cx="0" cy="0"/>
+          <a:chOff x="0" y="0"/>
+          <a:chExt cx="0" cy="0"/>
+        </a:xfrm>
+      </p:grpSpPr>
+      <p:sp>
+        <p:nvSpPr>
+          <p:cNvPr id="7" name="矩形 6">
+            <a:extLst>
+              <a:ext uri="{FF2B5EF4-FFF2-40B4-BE49-F238E27FC236}">
+                <a16:creationId xmlns:a16="http://schemas.microsoft.com/office/drawing/2014/main" id="{0EB33079-7D49-1C78-9256-23B4C087B2D1}"/>
+              </a:ext>
+            </a:extLst>
+          </p:cNvPr>
+          <p:cNvSpPr/>
+          <p:nvPr/>
+        </p:nvSpPr>
+        <p:spPr>
+          <a:xfrm>
+            <a:off x="314631" y="196644"/>
+            <a:ext cx="10215717" cy="5968181"/>
+          </a:xfrm>
+          <a:prstGeom prst="rect">
+            <a:avLst/>
+          </a:prstGeom>
+        </p:spPr>
+        <p:style>
+          <a:lnRef idx="2">
+            <a:schemeClr val="accent5"/>
+          </a:lnRef>
+          <a:fillRef idx="1">
+            <a:schemeClr val="lt1"/>
+          </a:fillRef>
+          <a:effectRef idx="0">
+            <a:schemeClr val="accent5"/>
+          </a:effectRef>
+          <a:fontRef idx="minor">
+            <a:schemeClr val="dk1"/>
+          </a:fontRef>
+        </p:style>
+        <p:txBody>
+          <a:bodyPr rtlCol="0" anchor="ctr"/>
+          <a:lstStyle/>
+          <a:p>
+            <a:r>
+              <a:rPr lang="en-US" altLang="zh-CN" dirty="0"/>
+              <a:t>Func_1 2 3 4 5() {</a:t>
+            </a:r>
+          </a:p>
+          <a:p>
+            <a:r>
+              <a:rPr lang="en-US" altLang="zh-CN" dirty="0"/>
+              <a:t>   func1()     caller              -</a:t>
+            </a:r>
+            <a:r>
+              <a:rPr lang="en-US" altLang="zh-CN" dirty="0">
+                <a:sym typeface="Wingdings" panose="05000000000000000000" pitchFamily="2" charset="2"/>
+              </a:rPr>
+              <a:t> LR / stack    --  </a:t>
+            </a:r>
+            <a:r>
+              <a:rPr lang="en-US" altLang="zh-CN" dirty="0" err="1">
+                <a:sym typeface="Wingdings" panose="05000000000000000000" pitchFamily="2" charset="2"/>
+              </a:rPr>
+              <a:t>exit_handler_back</a:t>
+            </a:r>
+            <a:r>
+              <a:rPr lang="en-US" altLang="zh-CN" dirty="0">
+                <a:sym typeface="Wingdings" panose="05000000000000000000" pitchFamily="2" charset="2"/>
+              </a:rPr>
+              <a:t>()</a:t>
+            </a:r>
+            <a:endParaRPr lang="en-US" altLang="zh-CN" dirty="0"/>
+          </a:p>
+          <a:p>
+            <a:r>
+              <a:rPr lang="en-US" altLang="zh-CN" dirty="0">
+                <a:solidFill>
+                  <a:srgbClr val="FF0000"/>
+                </a:solidFill>
+              </a:rPr>
+              <a:t>   </a:t>
+            </a:r>
+            <a:r>
+              <a:rPr lang="en-US" altLang="zh-CN" dirty="0" err="1">
+                <a:solidFill>
+                  <a:srgbClr val="FF0000"/>
+                </a:solidFill>
+              </a:rPr>
+              <a:t>nop</a:t>
+            </a:r>
+            <a:r>
+              <a:rPr lang="en-US" altLang="zh-CN" dirty="0">
+                <a:solidFill>
+                  <a:srgbClr val="FF0000"/>
+                </a:solidFill>
+              </a:rPr>
+              <a:t>  ------- </a:t>
+            </a:r>
+            <a:endParaRPr lang="en-US" altLang="zh-CN" dirty="0"/>
+          </a:p>
+          <a:p>
+            <a:r>
+              <a:rPr lang="en-US" altLang="zh-CN" dirty="0"/>
+              <a:t>}</a:t>
+            </a:r>
+            <a:br>
+              <a:rPr lang="en-US" altLang="zh-CN" dirty="0"/>
+            </a:br>
+            <a:endParaRPr lang="en-US" altLang="zh-CN" dirty="0"/>
+          </a:p>
+          <a:p>
+            <a:r>
+              <a:rPr lang="en-US" altLang="zh-CN" dirty="0"/>
+              <a:t>Func1(10, 20) {</a:t>
+            </a:r>
+          </a:p>
+          <a:p>
+            <a:r>
+              <a:rPr lang="en-US" altLang="zh-CN" dirty="0"/>
+              <a:t>     </a:t>
+            </a:r>
+            <a:r>
+              <a:rPr lang="en-US" altLang="zh-CN" dirty="0" err="1"/>
+              <a:t>nop</a:t>
+            </a:r>
+            <a:endParaRPr lang="en-US" altLang="zh-CN" dirty="0"/>
+          </a:p>
+          <a:p>
+            <a:r>
+              <a:rPr lang="en-US" altLang="zh-CN" dirty="0"/>
+              <a:t>     </a:t>
+            </a:r>
+            <a:r>
+              <a:rPr lang="en-US" altLang="zh-CN" dirty="0" err="1"/>
+              <a:t>nop</a:t>
+            </a:r>
+            <a:r>
+              <a:rPr lang="en-US" altLang="zh-CN" dirty="0"/>
+              <a:t>  -</a:t>
+            </a:r>
+            <a:r>
+              <a:rPr lang="en-US" altLang="zh-CN" dirty="0">
+                <a:sym typeface="Wingdings" panose="05000000000000000000" pitchFamily="2" charset="2"/>
+              </a:rPr>
+              <a:t>  bl  </a:t>
+            </a:r>
+            <a:r>
+              <a:rPr lang="en-US" altLang="zh-CN" dirty="0" err="1">
+                <a:sym typeface="Wingdings" panose="05000000000000000000" pitchFamily="2" charset="2"/>
+              </a:rPr>
+              <a:t>trace_caller</a:t>
+            </a:r>
+            <a:r>
+              <a:rPr lang="en-US" altLang="zh-CN" dirty="0">
+                <a:sym typeface="Wingdings" panose="05000000000000000000" pitchFamily="2" charset="2"/>
+              </a:rPr>
+              <a:t> -&gt;  bl  </a:t>
+            </a:r>
+            <a:r>
+              <a:rPr lang="en-US" altLang="zh-CN" dirty="0" err="1">
+                <a:sym typeface="Wingdings" panose="05000000000000000000" pitchFamily="2" charset="2"/>
+              </a:rPr>
+              <a:t>call_bak_list</a:t>
+            </a:r>
+            <a:r>
+              <a:rPr lang="en-US" altLang="zh-CN" dirty="0">
+                <a:sym typeface="Wingdings" panose="05000000000000000000" pitchFamily="2" charset="2"/>
+              </a:rPr>
+              <a:t>  -&gt; for   each   caller_back1/2/     3;</a:t>
+            </a:r>
+          </a:p>
+          <a:p>
+            <a:r>
+              <a:rPr lang="en-US" altLang="zh-CN" dirty="0">
+                <a:sym typeface="Wingdings" panose="05000000000000000000" pitchFamily="2" charset="2"/>
+              </a:rPr>
+              <a:t>                                              -&gt; bl </a:t>
+            </a:r>
+            <a:r>
+              <a:rPr lang="en-US" altLang="zh-CN" dirty="0" err="1">
+                <a:sym typeface="Wingdings" panose="05000000000000000000" pitchFamily="2" charset="2"/>
+              </a:rPr>
+              <a:t>call_pid_filter</a:t>
+            </a:r>
+            <a:r>
+              <a:rPr lang="en-US" altLang="zh-CN" dirty="0">
+                <a:sym typeface="Wingdings" panose="05000000000000000000" pitchFamily="2" charset="2"/>
+              </a:rPr>
+              <a:t> -&gt; check </a:t>
+            </a:r>
+            <a:r>
+              <a:rPr lang="en-US" altLang="zh-CN" dirty="0" err="1">
+                <a:sym typeface="Wingdings" panose="05000000000000000000" pitchFamily="2" charset="2"/>
+              </a:rPr>
+              <a:t>pid</a:t>
+            </a:r>
+            <a:r>
+              <a:rPr lang="en-US" altLang="zh-CN" dirty="0">
+                <a:sym typeface="Wingdings" panose="05000000000000000000" pitchFamily="2" charset="2"/>
+              </a:rPr>
+              <a:t> -&gt; for   each   caller_back1;</a:t>
+            </a:r>
+            <a:r>
+              <a:rPr lang="en-US" altLang="zh-CN" dirty="0"/>
+              <a:t>    </a:t>
+            </a:r>
+          </a:p>
+          <a:p>
+            <a:r>
+              <a:rPr lang="en-US" altLang="zh-CN" dirty="0"/>
+              <a:t>    int b = 10+20; </a:t>
+            </a:r>
+          </a:p>
+          <a:p>
+            <a:r>
+              <a:rPr lang="en-US" altLang="zh-CN" dirty="0"/>
+              <a:t>    if b &gt; 0 {</a:t>
+            </a:r>
+          </a:p>
+          <a:p>
+            <a:r>
+              <a:rPr lang="en-US" altLang="zh-CN" dirty="0"/>
+              <a:t>    return 1;</a:t>
+            </a:r>
+            <a:br>
+              <a:rPr lang="en-US" altLang="zh-CN" dirty="0"/>
+            </a:br>
+            <a:r>
+              <a:rPr lang="en-US" altLang="zh-CN" dirty="0"/>
+              <a:t> } else </a:t>
+            </a:r>
+          </a:p>
+          <a:p>
+            <a:r>
+              <a:rPr lang="en-US" altLang="zh-CN" dirty="0"/>
+              <a:t>    return 0;</a:t>
+            </a:r>
+          </a:p>
+          <a:p>
+            <a:r>
+              <a:rPr lang="en-US" altLang="zh-CN" dirty="0"/>
+              <a:t>}</a:t>
+            </a:r>
+          </a:p>
+        </p:txBody>
+      </p:sp>
+    </p:spTree>
+    <p:extLst>
+      <p:ext uri="{BB962C8B-B14F-4D97-AF65-F5344CB8AC3E}">
+        <p14:creationId xmlns:p14="http://schemas.microsoft.com/office/powerpoint/2010/main" val="3269103734"/>
       </p:ext>
     </p:extLst>
   </p:cSld>

--- a/docs/debug/ppt/ftrace.pptx
+++ b/docs/debug/ppt/ftrace.pptx
@@ -10,6 +10,13 @@
     <p:sldId id="258" r:id="rId4"/>
     <p:sldId id="259" r:id="rId5"/>
     <p:sldId id="260" r:id="rId6"/>
+    <p:sldId id="261" r:id="rId7"/>
+    <p:sldId id="262" r:id="rId8"/>
+    <p:sldId id="263" r:id="rId9"/>
+    <p:sldId id="265" r:id="rId10"/>
+    <p:sldId id="266" r:id="rId11"/>
+    <p:sldId id="267" r:id="rId12"/>
+    <p:sldId id="268" r:id="rId13"/>
   </p:sldIdLst>
   <p:sldSz cx="12192000" cy="6858000"/>
   <p:notesSz cx="6858000" cy="9144000"/>
@@ -263,7 +270,7 @@
           <a:p>
             <a:fld id="{71A4CEBD-FD65-417A-8C73-57E0D4C9DD57}" type="datetimeFigureOut">
               <a:rPr lang="zh-CN" altLang="en-US" smtClean="0"/>
-              <a:t>2024/11/18</a:t>
+              <a:t>2024/12/12</a:t>
             </a:fld>
             <a:endParaRPr lang="zh-CN" altLang="en-US"/>
           </a:p>
@@ -461,7 +468,7 @@
           <a:p>
             <a:fld id="{71A4CEBD-FD65-417A-8C73-57E0D4C9DD57}" type="datetimeFigureOut">
               <a:rPr lang="zh-CN" altLang="en-US" smtClean="0"/>
-              <a:t>2024/11/18</a:t>
+              <a:t>2024/12/12</a:t>
             </a:fld>
             <a:endParaRPr lang="zh-CN" altLang="en-US"/>
           </a:p>
@@ -669,7 +676,7 @@
           <a:p>
             <a:fld id="{71A4CEBD-FD65-417A-8C73-57E0D4C9DD57}" type="datetimeFigureOut">
               <a:rPr lang="zh-CN" altLang="en-US" smtClean="0"/>
-              <a:t>2024/11/18</a:t>
+              <a:t>2024/12/12</a:t>
             </a:fld>
             <a:endParaRPr lang="zh-CN" altLang="en-US"/>
           </a:p>
@@ -867,7 +874,7 @@
           <a:p>
             <a:fld id="{71A4CEBD-FD65-417A-8C73-57E0D4C9DD57}" type="datetimeFigureOut">
               <a:rPr lang="zh-CN" altLang="en-US" smtClean="0"/>
-              <a:t>2024/11/18</a:t>
+              <a:t>2024/12/12</a:t>
             </a:fld>
             <a:endParaRPr lang="zh-CN" altLang="en-US"/>
           </a:p>
@@ -1142,7 +1149,7 @@
           <a:p>
             <a:fld id="{71A4CEBD-FD65-417A-8C73-57E0D4C9DD57}" type="datetimeFigureOut">
               <a:rPr lang="zh-CN" altLang="en-US" smtClean="0"/>
-              <a:t>2024/11/18</a:t>
+              <a:t>2024/12/12</a:t>
             </a:fld>
             <a:endParaRPr lang="zh-CN" altLang="en-US"/>
           </a:p>
@@ -1407,7 +1414,7 @@
           <a:p>
             <a:fld id="{71A4CEBD-FD65-417A-8C73-57E0D4C9DD57}" type="datetimeFigureOut">
               <a:rPr lang="zh-CN" altLang="en-US" smtClean="0"/>
-              <a:t>2024/11/18</a:t>
+              <a:t>2024/12/12</a:t>
             </a:fld>
             <a:endParaRPr lang="zh-CN" altLang="en-US"/>
           </a:p>
@@ -1819,7 +1826,7 @@
           <a:p>
             <a:fld id="{71A4CEBD-FD65-417A-8C73-57E0D4C9DD57}" type="datetimeFigureOut">
               <a:rPr lang="zh-CN" altLang="en-US" smtClean="0"/>
-              <a:t>2024/11/18</a:t>
+              <a:t>2024/12/12</a:t>
             </a:fld>
             <a:endParaRPr lang="zh-CN" altLang="en-US"/>
           </a:p>
@@ -1960,7 +1967,7 @@
           <a:p>
             <a:fld id="{71A4CEBD-FD65-417A-8C73-57E0D4C9DD57}" type="datetimeFigureOut">
               <a:rPr lang="zh-CN" altLang="en-US" smtClean="0"/>
-              <a:t>2024/11/18</a:t>
+              <a:t>2024/12/12</a:t>
             </a:fld>
             <a:endParaRPr lang="zh-CN" altLang="en-US"/>
           </a:p>
@@ -2073,7 +2080,7 @@
           <a:p>
             <a:fld id="{71A4CEBD-FD65-417A-8C73-57E0D4C9DD57}" type="datetimeFigureOut">
               <a:rPr lang="zh-CN" altLang="en-US" smtClean="0"/>
-              <a:t>2024/11/18</a:t>
+              <a:t>2024/12/12</a:t>
             </a:fld>
             <a:endParaRPr lang="zh-CN" altLang="en-US"/>
           </a:p>
@@ -2384,7 +2391,7 @@
           <a:p>
             <a:fld id="{71A4CEBD-FD65-417A-8C73-57E0D4C9DD57}" type="datetimeFigureOut">
               <a:rPr lang="zh-CN" altLang="en-US" smtClean="0"/>
-              <a:t>2024/11/18</a:t>
+              <a:t>2024/12/12</a:t>
             </a:fld>
             <a:endParaRPr lang="zh-CN" altLang="en-US"/>
           </a:p>
@@ -2672,7 +2679,7 @@
           <a:p>
             <a:fld id="{71A4CEBD-FD65-417A-8C73-57E0D4C9DD57}" type="datetimeFigureOut">
               <a:rPr lang="zh-CN" altLang="en-US" smtClean="0"/>
-              <a:t>2024/11/18</a:t>
+              <a:t>2024/12/12</a:t>
             </a:fld>
             <a:endParaRPr lang="zh-CN" altLang="en-US"/>
           </a:p>
@@ -2913,7 +2920,7 @@
           <a:p>
             <a:fld id="{71A4CEBD-FD65-417A-8C73-57E0D4C9DD57}" type="datetimeFigureOut">
               <a:rPr lang="zh-CN" altLang="en-US" smtClean="0"/>
-              <a:t>2024/11/18</a:t>
+              <a:t>2024/12/12</a:t>
             </a:fld>
             <a:endParaRPr lang="zh-CN" altLang="en-US"/>
           </a:p>
@@ -3872,6 +3879,2628 @@
 </p:sld>
 </file>
 
+<file path=ppt/slides/slide10.xml><?xml version="1.0" encoding="utf-8"?>
+<p:sld xmlns:a="http://schemas.openxmlformats.org/drawingml/2006/main" xmlns:r="http://schemas.openxmlformats.org/officeDocument/2006/relationships" xmlns:p="http://schemas.openxmlformats.org/presentationml/2006/main">
+  <p:cSld>
+    <p:spTree>
+      <p:nvGrpSpPr>
+        <p:cNvPr id="1" name="">
+          <a:extLst>
+            <a:ext uri="{FF2B5EF4-FFF2-40B4-BE49-F238E27FC236}">
+              <a16:creationId xmlns:a16="http://schemas.microsoft.com/office/drawing/2014/main" id="{494A1173-8E03-9F15-C0CF-9C5EF32FC6A1}"/>
+            </a:ext>
+          </a:extLst>
+        </p:cNvPr>
+        <p:cNvGrpSpPr/>
+        <p:nvPr/>
+      </p:nvGrpSpPr>
+      <p:grpSpPr>
+        <a:xfrm>
+          <a:off x="0" y="0"/>
+          <a:ext cx="0" cy="0"/>
+          <a:chOff x="0" y="0"/>
+          <a:chExt cx="0" cy="0"/>
+        </a:xfrm>
+      </p:grpSpPr>
+      <p:sp>
+        <p:nvSpPr>
+          <p:cNvPr id="7" name="文本框 6">
+            <a:extLst>
+              <a:ext uri="{FF2B5EF4-FFF2-40B4-BE49-F238E27FC236}">
+                <a16:creationId xmlns:a16="http://schemas.microsoft.com/office/drawing/2014/main" id="{7C5A87A9-C526-B8FC-7532-9171CC2403AB}"/>
+              </a:ext>
+            </a:extLst>
+          </p:cNvPr>
+          <p:cNvSpPr txBox="1"/>
+          <p:nvPr/>
+        </p:nvSpPr>
+        <p:spPr>
+          <a:xfrm>
+            <a:off x="271308" y="1358782"/>
+            <a:ext cx="1426909" cy="365791"/>
+          </a:xfrm>
+          <a:prstGeom prst="rect">
+            <a:avLst/>
+          </a:prstGeom>
+        </p:spPr>
+        <p:style>
+          <a:lnRef idx="2">
+            <a:schemeClr val="accent5"/>
+          </a:lnRef>
+          <a:fillRef idx="1">
+            <a:schemeClr val="lt1"/>
+          </a:fillRef>
+          <a:effectRef idx="0">
+            <a:schemeClr val="accent5"/>
+          </a:effectRef>
+          <a:fontRef idx="minor">
+            <a:schemeClr val="dk1"/>
+          </a:fontRef>
+        </p:style>
+        <p:txBody>
+          <a:bodyPr wrap="square">
+            <a:spAutoFit/>
+          </a:bodyPr>
+          <a:lstStyle/>
+          <a:p>
+            <a:r>
+              <a:rPr lang="fr-FR" altLang="zh-CN" dirty="0"/>
+              <a:t>file_systems</a:t>
+            </a:r>
+          </a:p>
+        </p:txBody>
+      </p:sp>
+      <p:sp>
+        <p:nvSpPr>
+          <p:cNvPr id="19" name="文本框 18">
+            <a:extLst>
+              <a:ext uri="{FF2B5EF4-FFF2-40B4-BE49-F238E27FC236}">
+                <a16:creationId xmlns:a16="http://schemas.microsoft.com/office/drawing/2014/main" id="{1D6A361E-8C71-7F0A-E606-A722859D5A23}"/>
+              </a:ext>
+            </a:extLst>
+          </p:cNvPr>
+          <p:cNvSpPr txBox="1"/>
+          <p:nvPr/>
+        </p:nvSpPr>
+        <p:spPr>
+          <a:xfrm>
+            <a:off x="2448540" y="1348489"/>
+            <a:ext cx="1003506" cy="376084"/>
+          </a:xfrm>
+          <a:prstGeom prst="rect">
+            <a:avLst/>
+          </a:prstGeom>
+        </p:spPr>
+        <p:style>
+          <a:lnRef idx="2">
+            <a:schemeClr val="accent5"/>
+          </a:lnRef>
+          <a:fillRef idx="1">
+            <a:schemeClr val="lt1"/>
+          </a:fillRef>
+          <a:effectRef idx="0">
+            <a:schemeClr val="accent5"/>
+          </a:effectRef>
+          <a:fontRef idx="minor">
+            <a:schemeClr val="dk1"/>
+          </a:fontRef>
+        </p:style>
+        <p:txBody>
+          <a:bodyPr wrap="square">
+            <a:spAutoFit/>
+          </a:bodyPr>
+          <a:lstStyle/>
+          <a:p>
+            <a:pPr algn="ctr"/>
+            <a:r>
+              <a:rPr lang="fr-FR" altLang="zh-CN" dirty="0"/>
+              <a:t>tmpfs</a:t>
+            </a:r>
+          </a:p>
+        </p:txBody>
+      </p:sp>
+      <p:sp>
+        <p:nvSpPr>
+          <p:cNvPr id="21" name="文本框 20">
+            <a:extLst>
+              <a:ext uri="{FF2B5EF4-FFF2-40B4-BE49-F238E27FC236}">
+                <a16:creationId xmlns:a16="http://schemas.microsoft.com/office/drawing/2014/main" id="{F1051957-3E5B-08C0-499D-094920FC4D18}"/>
+              </a:ext>
+            </a:extLst>
+          </p:cNvPr>
+          <p:cNvSpPr txBox="1"/>
+          <p:nvPr/>
+        </p:nvSpPr>
+        <p:spPr>
+          <a:xfrm>
+            <a:off x="4590741" y="1348489"/>
+            <a:ext cx="1003506" cy="376084"/>
+          </a:xfrm>
+          <a:prstGeom prst="rect">
+            <a:avLst/>
+          </a:prstGeom>
+        </p:spPr>
+        <p:style>
+          <a:lnRef idx="2">
+            <a:schemeClr val="accent5"/>
+          </a:lnRef>
+          <a:fillRef idx="1">
+            <a:schemeClr val="lt1"/>
+          </a:fillRef>
+          <a:effectRef idx="0">
+            <a:schemeClr val="accent5"/>
+          </a:effectRef>
+          <a:fontRef idx="minor">
+            <a:schemeClr val="dk1"/>
+          </a:fontRef>
+        </p:style>
+        <p:txBody>
+          <a:bodyPr wrap="square">
+            <a:spAutoFit/>
+          </a:bodyPr>
+          <a:lstStyle/>
+          <a:p>
+            <a:pPr algn="ctr"/>
+            <a:r>
+              <a:rPr lang="fr-FR" altLang="zh-CN" dirty="0"/>
+              <a:t>procfs</a:t>
+            </a:r>
+          </a:p>
+        </p:txBody>
+      </p:sp>
+      <p:sp>
+        <p:nvSpPr>
+          <p:cNvPr id="22" name="文本框 21">
+            <a:extLst>
+              <a:ext uri="{FF2B5EF4-FFF2-40B4-BE49-F238E27FC236}">
+                <a16:creationId xmlns:a16="http://schemas.microsoft.com/office/drawing/2014/main" id="{54670074-E430-B200-5672-14E129DF2E65}"/>
+              </a:ext>
+            </a:extLst>
+          </p:cNvPr>
+          <p:cNvSpPr txBox="1"/>
+          <p:nvPr/>
+        </p:nvSpPr>
+        <p:spPr>
+          <a:xfrm>
+            <a:off x="6326442" y="1348489"/>
+            <a:ext cx="1003506" cy="376084"/>
+          </a:xfrm>
+          <a:prstGeom prst="rect">
+            <a:avLst/>
+          </a:prstGeom>
+        </p:spPr>
+        <p:style>
+          <a:lnRef idx="2">
+            <a:schemeClr val="accent5"/>
+          </a:lnRef>
+          <a:fillRef idx="1">
+            <a:schemeClr val="lt1"/>
+          </a:fillRef>
+          <a:effectRef idx="0">
+            <a:schemeClr val="accent5"/>
+          </a:effectRef>
+          <a:fontRef idx="minor">
+            <a:schemeClr val="dk1"/>
+          </a:fontRef>
+        </p:style>
+        <p:txBody>
+          <a:bodyPr wrap="square">
+            <a:spAutoFit/>
+          </a:bodyPr>
+          <a:lstStyle/>
+          <a:p>
+            <a:pPr algn="ctr"/>
+            <a:r>
+              <a:rPr lang="fr-FR" altLang="zh-CN" dirty="0"/>
+              <a:t>ext4</a:t>
+            </a:r>
+          </a:p>
+        </p:txBody>
+      </p:sp>
+      <p:sp>
+        <p:nvSpPr>
+          <p:cNvPr id="8" name="文本框 7">
+            <a:extLst>
+              <a:ext uri="{FF2B5EF4-FFF2-40B4-BE49-F238E27FC236}">
+                <a16:creationId xmlns:a16="http://schemas.microsoft.com/office/drawing/2014/main" id="{450D380D-B48F-D777-DA0D-07C1F204B2A5}"/>
+              </a:ext>
+            </a:extLst>
+          </p:cNvPr>
+          <p:cNvSpPr txBox="1"/>
+          <p:nvPr/>
+        </p:nvSpPr>
+        <p:spPr>
+          <a:xfrm>
+            <a:off x="2476190" y="2551838"/>
+            <a:ext cx="2597256" cy="646331"/>
+          </a:xfrm>
+          <a:prstGeom prst="rect">
+            <a:avLst/>
+          </a:prstGeom>
+        </p:spPr>
+        <p:style>
+          <a:lnRef idx="2">
+            <a:schemeClr val="accent5"/>
+          </a:lnRef>
+          <a:fillRef idx="1">
+            <a:schemeClr val="lt1"/>
+          </a:fillRef>
+          <a:effectRef idx="0">
+            <a:schemeClr val="accent5"/>
+          </a:effectRef>
+          <a:fontRef idx="minor">
+            <a:schemeClr val="dk1"/>
+          </a:fontRef>
+        </p:style>
+        <p:txBody>
+          <a:bodyPr wrap="square">
+            <a:spAutoFit/>
+          </a:bodyPr>
+          <a:lstStyle/>
+          <a:p>
+            <a:r>
+              <a:rPr lang="fr-FR" altLang="zh-CN" dirty="0"/>
+              <a:t>struct file_system_type {</a:t>
+            </a:r>
+          </a:p>
+          <a:p>
+            <a:r>
+              <a:rPr lang="fr-FR" altLang="zh-CN" dirty="0"/>
+              <a:t>    fs_supers </a:t>
+            </a:r>
+          </a:p>
+        </p:txBody>
+      </p:sp>
+      <p:cxnSp>
+        <p:nvCxnSpPr>
+          <p:cNvPr id="9" name="直接箭头连接符 8">
+            <a:extLst>
+              <a:ext uri="{FF2B5EF4-FFF2-40B4-BE49-F238E27FC236}">
+                <a16:creationId xmlns:a16="http://schemas.microsoft.com/office/drawing/2014/main" id="{51940847-12BE-EF77-76AD-90202820295A}"/>
+              </a:ext>
+            </a:extLst>
+          </p:cNvPr>
+          <p:cNvCxnSpPr>
+            <a:cxnSpLocks/>
+          </p:cNvCxnSpPr>
+          <p:nvPr/>
+        </p:nvCxnSpPr>
+        <p:spPr>
+          <a:xfrm>
+            <a:off x="2856270" y="1727491"/>
+            <a:ext cx="0" cy="824344"/>
+          </a:xfrm>
+          <a:prstGeom prst="straightConnector1">
+            <a:avLst/>
+          </a:prstGeom>
+          <a:ln>
+            <a:tailEnd type="triangle"/>
+          </a:ln>
+        </p:spPr>
+        <p:style>
+          <a:lnRef idx="1">
+            <a:schemeClr val="accent1"/>
+          </a:lnRef>
+          <a:fillRef idx="0">
+            <a:schemeClr val="accent1"/>
+          </a:fillRef>
+          <a:effectRef idx="0">
+            <a:schemeClr val="accent1"/>
+          </a:effectRef>
+          <a:fontRef idx="minor">
+            <a:schemeClr val="tx1"/>
+          </a:fontRef>
+        </p:style>
+      </p:cxnSp>
+      <p:cxnSp>
+        <p:nvCxnSpPr>
+          <p:cNvPr id="11" name="直接箭头连接符 10">
+            <a:extLst>
+              <a:ext uri="{FF2B5EF4-FFF2-40B4-BE49-F238E27FC236}">
+                <a16:creationId xmlns:a16="http://schemas.microsoft.com/office/drawing/2014/main" id="{49432BC6-6FDD-B955-032E-6DFE1EE90E2E}"/>
+              </a:ext>
+            </a:extLst>
+          </p:cNvPr>
+          <p:cNvCxnSpPr>
+            <a:cxnSpLocks/>
+          </p:cNvCxnSpPr>
+          <p:nvPr/>
+        </p:nvCxnSpPr>
+        <p:spPr>
+          <a:xfrm>
+            <a:off x="3760835" y="1449661"/>
+            <a:ext cx="422788" cy="0"/>
+          </a:xfrm>
+          <a:prstGeom prst="straightConnector1">
+            <a:avLst/>
+          </a:prstGeom>
+          <a:ln>
+            <a:tailEnd type="triangle"/>
+          </a:ln>
+        </p:spPr>
+        <p:style>
+          <a:lnRef idx="1">
+            <a:schemeClr val="accent1"/>
+          </a:lnRef>
+          <a:fillRef idx="0">
+            <a:schemeClr val="accent1"/>
+          </a:fillRef>
+          <a:effectRef idx="0">
+            <a:schemeClr val="accent1"/>
+          </a:effectRef>
+          <a:fontRef idx="minor">
+            <a:schemeClr val="tx1"/>
+          </a:fontRef>
+        </p:style>
+      </p:cxnSp>
+      <p:cxnSp>
+        <p:nvCxnSpPr>
+          <p:cNvPr id="13" name="直接箭头连接符 12">
+            <a:extLst>
+              <a:ext uri="{FF2B5EF4-FFF2-40B4-BE49-F238E27FC236}">
+                <a16:creationId xmlns:a16="http://schemas.microsoft.com/office/drawing/2014/main" id="{3EB8782E-1A9C-F963-482C-1DD541D72B9F}"/>
+              </a:ext>
+            </a:extLst>
+          </p:cNvPr>
+          <p:cNvCxnSpPr>
+            <a:cxnSpLocks/>
+          </p:cNvCxnSpPr>
+          <p:nvPr/>
+        </p:nvCxnSpPr>
+        <p:spPr>
+          <a:xfrm flipH="1">
+            <a:off x="3712286" y="1595000"/>
+            <a:ext cx="471337" cy="0"/>
+          </a:xfrm>
+          <a:prstGeom prst="straightConnector1">
+            <a:avLst/>
+          </a:prstGeom>
+          <a:ln>
+            <a:tailEnd type="triangle"/>
+          </a:ln>
+        </p:spPr>
+        <p:style>
+          <a:lnRef idx="1">
+            <a:schemeClr val="accent1"/>
+          </a:lnRef>
+          <a:fillRef idx="0">
+            <a:schemeClr val="accent1"/>
+          </a:fillRef>
+          <a:effectRef idx="0">
+            <a:schemeClr val="accent1"/>
+          </a:effectRef>
+          <a:fontRef idx="minor">
+            <a:schemeClr val="tx1"/>
+          </a:fontRef>
+        </p:style>
+      </p:cxnSp>
+      <p:sp>
+        <p:nvSpPr>
+          <p:cNvPr id="25" name="文本框 24">
+            <a:extLst>
+              <a:ext uri="{FF2B5EF4-FFF2-40B4-BE49-F238E27FC236}">
+                <a16:creationId xmlns:a16="http://schemas.microsoft.com/office/drawing/2014/main" id="{B92B0666-BB39-4E0E-F1FC-343DF9B728D2}"/>
+              </a:ext>
+            </a:extLst>
+          </p:cNvPr>
+          <p:cNvSpPr txBox="1"/>
+          <p:nvPr/>
+        </p:nvSpPr>
+        <p:spPr>
+          <a:xfrm>
+            <a:off x="6872748" y="2602475"/>
+            <a:ext cx="2460834" cy="369325"/>
+          </a:xfrm>
+          <a:prstGeom prst="rect">
+            <a:avLst/>
+          </a:prstGeom>
+        </p:spPr>
+        <p:style>
+          <a:lnRef idx="2">
+            <a:schemeClr val="accent5"/>
+          </a:lnRef>
+          <a:fillRef idx="1">
+            <a:schemeClr val="lt1"/>
+          </a:fillRef>
+          <a:effectRef idx="0">
+            <a:schemeClr val="accent5"/>
+          </a:effectRef>
+          <a:fontRef idx="minor">
+            <a:schemeClr val="dk1"/>
+          </a:fontRef>
+        </p:style>
+        <p:txBody>
+          <a:bodyPr wrap="square">
+            <a:spAutoFit/>
+          </a:bodyPr>
+          <a:lstStyle/>
+          <a:p>
+            <a:r>
+              <a:rPr lang="fr-FR" altLang="zh-CN" dirty="0"/>
+              <a:t>struct super_block {</a:t>
+            </a:r>
+            <a:r>
+              <a:rPr lang="en-US" altLang="zh-CN" dirty="0"/>
+              <a:t>}</a:t>
+            </a:r>
+            <a:endParaRPr lang="fr-FR" altLang="zh-CN" dirty="0"/>
+          </a:p>
+        </p:txBody>
+      </p:sp>
+      <p:cxnSp>
+        <p:nvCxnSpPr>
+          <p:cNvPr id="27" name="直接箭头连接符 26">
+            <a:extLst>
+              <a:ext uri="{FF2B5EF4-FFF2-40B4-BE49-F238E27FC236}">
+                <a16:creationId xmlns:a16="http://schemas.microsoft.com/office/drawing/2014/main" id="{D6729B01-BBFB-CED0-C965-BBB3182B8974}"/>
+              </a:ext>
+            </a:extLst>
+          </p:cNvPr>
+          <p:cNvCxnSpPr>
+            <a:cxnSpLocks/>
+            <a:stCxn id="8" idx="3"/>
+          </p:cNvCxnSpPr>
+          <p:nvPr/>
+        </p:nvCxnSpPr>
+        <p:spPr>
+          <a:xfrm>
+            <a:off x="5073446" y="2875004"/>
+            <a:ext cx="1740309" cy="0"/>
+          </a:xfrm>
+          <a:prstGeom prst="straightConnector1">
+            <a:avLst/>
+          </a:prstGeom>
+          <a:ln>
+            <a:tailEnd type="triangle"/>
+          </a:ln>
+        </p:spPr>
+        <p:style>
+          <a:lnRef idx="1">
+            <a:schemeClr val="accent1"/>
+          </a:lnRef>
+          <a:fillRef idx="0">
+            <a:schemeClr val="accent1"/>
+          </a:fillRef>
+          <a:effectRef idx="0">
+            <a:schemeClr val="accent1"/>
+          </a:effectRef>
+          <a:fontRef idx="minor">
+            <a:schemeClr val="tx1"/>
+          </a:fontRef>
+        </p:style>
+      </p:cxnSp>
+      <p:sp>
+        <p:nvSpPr>
+          <p:cNvPr id="30" name="文本框 29">
+            <a:extLst>
+              <a:ext uri="{FF2B5EF4-FFF2-40B4-BE49-F238E27FC236}">
+                <a16:creationId xmlns:a16="http://schemas.microsoft.com/office/drawing/2014/main" id="{CBF56069-DED1-B1BF-C7EB-D167D7F2D3B4}"/>
+              </a:ext>
+            </a:extLst>
+          </p:cNvPr>
+          <p:cNvSpPr txBox="1"/>
+          <p:nvPr/>
+        </p:nvSpPr>
+        <p:spPr>
+          <a:xfrm>
+            <a:off x="7025148" y="2754875"/>
+            <a:ext cx="2460834" cy="369325"/>
+          </a:xfrm>
+          <a:prstGeom prst="rect">
+            <a:avLst/>
+          </a:prstGeom>
+        </p:spPr>
+        <p:style>
+          <a:lnRef idx="2">
+            <a:schemeClr val="accent5"/>
+          </a:lnRef>
+          <a:fillRef idx="1">
+            <a:schemeClr val="lt1"/>
+          </a:fillRef>
+          <a:effectRef idx="0">
+            <a:schemeClr val="accent5"/>
+          </a:effectRef>
+          <a:fontRef idx="minor">
+            <a:schemeClr val="dk1"/>
+          </a:fontRef>
+        </p:style>
+        <p:txBody>
+          <a:bodyPr wrap="square">
+            <a:spAutoFit/>
+          </a:bodyPr>
+          <a:lstStyle/>
+          <a:p>
+            <a:r>
+              <a:rPr lang="fr-FR" altLang="zh-CN" dirty="0"/>
+              <a:t>struct super_block {</a:t>
+            </a:r>
+            <a:r>
+              <a:rPr lang="en-US" altLang="zh-CN" dirty="0"/>
+              <a:t>}</a:t>
+            </a:r>
+            <a:endParaRPr lang="fr-FR" altLang="zh-CN" dirty="0"/>
+          </a:p>
+        </p:txBody>
+      </p:sp>
+      <p:sp>
+        <p:nvSpPr>
+          <p:cNvPr id="31" name="文本框 30">
+            <a:extLst>
+              <a:ext uri="{FF2B5EF4-FFF2-40B4-BE49-F238E27FC236}">
+                <a16:creationId xmlns:a16="http://schemas.microsoft.com/office/drawing/2014/main" id="{0A1AC2C7-F89F-04B7-62F1-D08FFC0F2F1F}"/>
+              </a:ext>
+            </a:extLst>
+          </p:cNvPr>
+          <p:cNvSpPr txBox="1"/>
+          <p:nvPr/>
+        </p:nvSpPr>
+        <p:spPr>
+          <a:xfrm>
+            <a:off x="2163705" y="3970340"/>
+            <a:ext cx="3097162" cy="1200329"/>
+          </a:xfrm>
+          <a:prstGeom prst="rect">
+            <a:avLst/>
+          </a:prstGeom>
+        </p:spPr>
+        <p:style>
+          <a:lnRef idx="2">
+            <a:schemeClr val="accent5"/>
+          </a:lnRef>
+          <a:fillRef idx="1">
+            <a:schemeClr val="lt1"/>
+          </a:fillRef>
+          <a:effectRef idx="0">
+            <a:schemeClr val="accent5"/>
+          </a:effectRef>
+          <a:fontRef idx="minor">
+            <a:schemeClr val="dk1"/>
+          </a:fontRef>
+        </p:style>
+        <p:txBody>
+          <a:bodyPr wrap="square">
+            <a:spAutoFit/>
+          </a:bodyPr>
+          <a:lstStyle/>
+          <a:p>
+            <a:r>
+              <a:rPr lang="fr-FR" altLang="zh-CN" dirty="0"/>
+              <a:t>struct super_block {</a:t>
+            </a:r>
+          </a:p>
+          <a:p>
+            <a:r>
+              <a:rPr lang="fr-FR" altLang="zh-CN" dirty="0"/>
+              <a:t>       fs_type	</a:t>
+            </a:r>
+          </a:p>
+          <a:p>
+            <a:endParaRPr lang="fr-FR" altLang="zh-CN" dirty="0"/>
+          </a:p>
+          <a:p>
+            <a:r>
+              <a:rPr lang="en-US" altLang="zh-CN" dirty="0"/>
+              <a:t>}</a:t>
+            </a:r>
+            <a:endParaRPr lang="fr-FR" altLang="zh-CN" dirty="0"/>
+          </a:p>
+        </p:txBody>
+      </p:sp>
+      <p:cxnSp>
+        <p:nvCxnSpPr>
+          <p:cNvPr id="33" name="直接箭头连接符 32">
+            <a:extLst>
+              <a:ext uri="{FF2B5EF4-FFF2-40B4-BE49-F238E27FC236}">
+                <a16:creationId xmlns:a16="http://schemas.microsoft.com/office/drawing/2014/main" id="{E8597877-A269-2101-FDFC-8028774C1640}"/>
+              </a:ext>
+            </a:extLst>
+          </p:cNvPr>
+          <p:cNvCxnSpPr>
+            <a:cxnSpLocks/>
+          </p:cNvCxnSpPr>
+          <p:nvPr/>
+        </p:nvCxnSpPr>
+        <p:spPr>
+          <a:xfrm>
+            <a:off x="5667985" y="1449661"/>
+            <a:ext cx="422788" cy="0"/>
+          </a:xfrm>
+          <a:prstGeom prst="straightConnector1">
+            <a:avLst/>
+          </a:prstGeom>
+          <a:ln>
+            <a:tailEnd type="triangle"/>
+          </a:ln>
+        </p:spPr>
+        <p:style>
+          <a:lnRef idx="1">
+            <a:schemeClr val="accent1"/>
+          </a:lnRef>
+          <a:fillRef idx="0">
+            <a:schemeClr val="accent1"/>
+          </a:fillRef>
+          <a:effectRef idx="0">
+            <a:schemeClr val="accent1"/>
+          </a:effectRef>
+          <a:fontRef idx="minor">
+            <a:schemeClr val="tx1"/>
+          </a:fontRef>
+        </p:style>
+      </p:cxnSp>
+      <p:cxnSp>
+        <p:nvCxnSpPr>
+          <p:cNvPr id="35" name="直接箭头连接符 34">
+            <a:extLst>
+              <a:ext uri="{FF2B5EF4-FFF2-40B4-BE49-F238E27FC236}">
+                <a16:creationId xmlns:a16="http://schemas.microsoft.com/office/drawing/2014/main" id="{27398A23-6EA2-0A7F-EE90-6282615A74D0}"/>
+              </a:ext>
+            </a:extLst>
+          </p:cNvPr>
+          <p:cNvCxnSpPr>
+            <a:cxnSpLocks/>
+          </p:cNvCxnSpPr>
+          <p:nvPr/>
+        </p:nvCxnSpPr>
+        <p:spPr>
+          <a:xfrm flipH="1">
+            <a:off x="5619436" y="1595000"/>
+            <a:ext cx="471337" cy="0"/>
+          </a:xfrm>
+          <a:prstGeom prst="straightConnector1">
+            <a:avLst/>
+          </a:prstGeom>
+          <a:ln>
+            <a:tailEnd type="triangle"/>
+          </a:ln>
+        </p:spPr>
+        <p:style>
+          <a:lnRef idx="1">
+            <a:schemeClr val="accent1"/>
+          </a:lnRef>
+          <a:fillRef idx="0">
+            <a:schemeClr val="accent1"/>
+          </a:fillRef>
+          <a:effectRef idx="0">
+            <a:schemeClr val="accent1"/>
+          </a:effectRef>
+          <a:fontRef idx="minor">
+            <a:schemeClr val="tx1"/>
+          </a:fontRef>
+        </p:style>
+      </p:cxnSp>
+      <p:cxnSp>
+        <p:nvCxnSpPr>
+          <p:cNvPr id="37" name="直接箭头连接符 36">
+            <a:extLst>
+              <a:ext uri="{FF2B5EF4-FFF2-40B4-BE49-F238E27FC236}">
+                <a16:creationId xmlns:a16="http://schemas.microsoft.com/office/drawing/2014/main" id="{A7A52897-1EF4-BE7E-1C52-4C4DDC2CDA29}"/>
+              </a:ext>
+            </a:extLst>
+          </p:cNvPr>
+          <p:cNvCxnSpPr>
+            <a:cxnSpLocks/>
+          </p:cNvCxnSpPr>
+          <p:nvPr/>
+        </p:nvCxnSpPr>
+        <p:spPr>
+          <a:xfrm>
+            <a:off x="1835256" y="1449661"/>
+            <a:ext cx="422788" cy="0"/>
+          </a:xfrm>
+          <a:prstGeom prst="straightConnector1">
+            <a:avLst/>
+          </a:prstGeom>
+          <a:ln>
+            <a:tailEnd type="triangle"/>
+          </a:ln>
+        </p:spPr>
+        <p:style>
+          <a:lnRef idx="1">
+            <a:schemeClr val="accent1"/>
+          </a:lnRef>
+          <a:fillRef idx="0">
+            <a:schemeClr val="accent1"/>
+          </a:fillRef>
+          <a:effectRef idx="0">
+            <a:schemeClr val="accent1"/>
+          </a:effectRef>
+          <a:fontRef idx="minor">
+            <a:schemeClr val="tx1"/>
+          </a:fontRef>
+        </p:style>
+      </p:cxnSp>
+      <p:cxnSp>
+        <p:nvCxnSpPr>
+          <p:cNvPr id="38" name="直接箭头连接符 37">
+            <a:extLst>
+              <a:ext uri="{FF2B5EF4-FFF2-40B4-BE49-F238E27FC236}">
+                <a16:creationId xmlns:a16="http://schemas.microsoft.com/office/drawing/2014/main" id="{9203D534-8F71-5B0B-3F7D-C83DA9AD6669}"/>
+              </a:ext>
+            </a:extLst>
+          </p:cNvPr>
+          <p:cNvCxnSpPr>
+            <a:cxnSpLocks/>
+          </p:cNvCxnSpPr>
+          <p:nvPr/>
+        </p:nvCxnSpPr>
+        <p:spPr>
+          <a:xfrm flipH="1">
+            <a:off x="1786707" y="1595000"/>
+            <a:ext cx="471337" cy="0"/>
+          </a:xfrm>
+          <a:prstGeom prst="straightConnector1">
+            <a:avLst/>
+          </a:prstGeom>
+          <a:ln>
+            <a:tailEnd type="triangle"/>
+          </a:ln>
+        </p:spPr>
+        <p:style>
+          <a:lnRef idx="1">
+            <a:schemeClr val="accent1"/>
+          </a:lnRef>
+          <a:fillRef idx="0">
+            <a:schemeClr val="accent1"/>
+          </a:fillRef>
+          <a:effectRef idx="0">
+            <a:schemeClr val="accent1"/>
+          </a:effectRef>
+          <a:fontRef idx="minor">
+            <a:schemeClr val="tx1"/>
+          </a:fontRef>
+        </p:style>
+      </p:cxnSp>
+      <p:cxnSp>
+        <p:nvCxnSpPr>
+          <p:cNvPr id="5" name="连接符: 肘形 4">
+            <a:extLst>
+              <a:ext uri="{FF2B5EF4-FFF2-40B4-BE49-F238E27FC236}">
+                <a16:creationId xmlns:a16="http://schemas.microsoft.com/office/drawing/2014/main" id="{DBB9ED54-A3F9-CD51-16A2-7EE53CCC29C7}"/>
+              </a:ext>
+            </a:extLst>
+          </p:cNvPr>
+          <p:cNvCxnSpPr>
+            <a:cxnSpLocks/>
+            <a:stCxn id="30" idx="2"/>
+          </p:cNvCxnSpPr>
+          <p:nvPr/>
+        </p:nvCxnSpPr>
+        <p:spPr>
+          <a:xfrm rot="5400000">
+            <a:off x="6286748" y="2098319"/>
+            <a:ext cx="942937" cy="2994698"/>
+          </a:xfrm>
+          <a:prstGeom prst="bentConnector2">
+            <a:avLst/>
+          </a:prstGeom>
+          <a:ln>
+            <a:tailEnd type="triangle"/>
+          </a:ln>
+        </p:spPr>
+        <p:style>
+          <a:lnRef idx="1">
+            <a:schemeClr val="accent1"/>
+          </a:lnRef>
+          <a:fillRef idx="0">
+            <a:schemeClr val="accent1"/>
+          </a:fillRef>
+          <a:effectRef idx="0">
+            <a:schemeClr val="accent1"/>
+          </a:effectRef>
+          <a:fontRef idx="minor">
+            <a:schemeClr val="tx1"/>
+          </a:fontRef>
+        </p:style>
+      </p:cxnSp>
+      <p:cxnSp>
+        <p:nvCxnSpPr>
+          <p:cNvPr id="12" name="连接符: 肘形 11">
+            <a:extLst>
+              <a:ext uri="{FF2B5EF4-FFF2-40B4-BE49-F238E27FC236}">
+                <a16:creationId xmlns:a16="http://schemas.microsoft.com/office/drawing/2014/main" id="{9EEF3B87-6512-B02F-A896-1A1F851E62F8}"/>
+              </a:ext>
+            </a:extLst>
+          </p:cNvPr>
+          <p:cNvCxnSpPr>
+            <a:cxnSpLocks/>
+            <a:stCxn id="31" idx="1"/>
+            <a:endCxn id="8" idx="1"/>
+          </p:cNvCxnSpPr>
+          <p:nvPr/>
+        </p:nvCxnSpPr>
+        <p:spPr>
+          <a:xfrm rot="10800000" flipH="1">
+            <a:off x="2163704" y="2875005"/>
+            <a:ext cx="312485" cy="1695501"/>
+          </a:xfrm>
+          <a:prstGeom prst="bentConnector3">
+            <a:avLst>
+              <a:gd name="adj1" fmla="val -73156"/>
+            </a:avLst>
+          </a:prstGeom>
+          <a:ln>
+            <a:tailEnd type="triangle"/>
+          </a:ln>
+        </p:spPr>
+        <p:style>
+          <a:lnRef idx="1">
+            <a:schemeClr val="accent1"/>
+          </a:lnRef>
+          <a:fillRef idx="0">
+            <a:schemeClr val="accent1"/>
+          </a:fillRef>
+          <a:effectRef idx="0">
+            <a:schemeClr val="accent1"/>
+          </a:effectRef>
+          <a:fontRef idx="minor">
+            <a:schemeClr val="tx1"/>
+          </a:fontRef>
+        </p:style>
+      </p:cxnSp>
+    </p:spTree>
+    <p:extLst>
+      <p:ext uri="{BB962C8B-B14F-4D97-AF65-F5344CB8AC3E}">
+        <p14:creationId xmlns:p14="http://schemas.microsoft.com/office/powerpoint/2010/main" val="4142784024"/>
+      </p:ext>
+    </p:extLst>
+  </p:cSld>
+  <p:clrMapOvr>
+    <a:masterClrMapping/>
+  </p:clrMapOvr>
+</p:sld>
+</file>
+
+<file path=ppt/slides/slide11.xml><?xml version="1.0" encoding="utf-8"?>
+<p:sld xmlns:a="http://schemas.openxmlformats.org/drawingml/2006/main" xmlns:r="http://schemas.openxmlformats.org/officeDocument/2006/relationships" xmlns:p="http://schemas.openxmlformats.org/presentationml/2006/main">
+  <p:cSld>
+    <p:spTree>
+      <p:nvGrpSpPr>
+        <p:cNvPr id="1" name="">
+          <a:extLst>
+            <a:ext uri="{FF2B5EF4-FFF2-40B4-BE49-F238E27FC236}">
+              <a16:creationId xmlns:a16="http://schemas.microsoft.com/office/drawing/2014/main" id="{3209808F-13E5-E027-8731-59840968A496}"/>
+            </a:ext>
+          </a:extLst>
+        </p:cNvPr>
+        <p:cNvGrpSpPr/>
+        <p:nvPr/>
+      </p:nvGrpSpPr>
+      <p:grpSpPr>
+        <a:xfrm>
+          <a:off x="0" y="0"/>
+          <a:ext cx="0" cy="0"/>
+          <a:chOff x="0" y="0"/>
+          <a:chExt cx="0" cy="0"/>
+        </a:xfrm>
+      </p:grpSpPr>
+      <p:sp>
+        <p:nvSpPr>
+          <p:cNvPr id="2" name="矩形 1">
+            <a:extLst>
+              <a:ext uri="{FF2B5EF4-FFF2-40B4-BE49-F238E27FC236}">
+                <a16:creationId xmlns:a16="http://schemas.microsoft.com/office/drawing/2014/main" id="{03E97867-1B30-AF06-F3F2-3561A5C5E263}"/>
+              </a:ext>
+            </a:extLst>
+          </p:cNvPr>
+          <p:cNvSpPr/>
+          <p:nvPr/>
+        </p:nvSpPr>
+        <p:spPr>
+          <a:xfrm>
+            <a:off x="812800" y="817880"/>
+            <a:ext cx="3108960" cy="5222240"/>
+          </a:xfrm>
+          <a:prstGeom prst="rect">
+            <a:avLst/>
+          </a:prstGeom>
+        </p:spPr>
+        <p:style>
+          <a:lnRef idx="2">
+            <a:schemeClr val="accent1">
+              <a:shade val="15000"/>
+            </a:schemeClr>
+          </a:lnRef>
+          <a:fillRef idx="1">
+            <a:schemeClr val="accent1"/>
+          </a:fillRef>
+          <a:effectRef idx="0">
+            <a:schemeClr val="accent1"/>
+          </a:effectRef>
+          <a:fontRef idx="minor">
+            <a:schemeClr val="lt1"/>
+          </a:fontRef>
+        </p:style>
+        <p:txBody>
+          <a:bodyPr rtlCol="0" anchor="ctr"/>
+          <a:lstStyle/>
+          <a:p>
+            <a:pPr algn="ctr"/>
+            <a:endParaRPr lang="zh-CN" altLang="en-US"/>
+          </a:p>
+        </p:txBody>
+      </p:sp>
+      <p:sp>
+        <p:nvSpPr>
+          <p:cNvPr id="3" name="矩形 2">
+            <a:extLst>
+              <a:ext uri="{FF2B5EF4-FFF2-40B4-BE49-F238E27FC236}">
+                <a16:creationId xmlns:a16="http://schemas.microsoft.com/office/drawing/2014/main" id="{213841FB-120A-F92C-E24F-2D093DF7466E}"/>
+              </a:ext>
+            </a:extLst>
+          </p:cNvPr>
+          <p:cNvSpPr/>
+          <p:nvPr/>
+        </p:nvSpPr>
+        <p:spPr>
+          <a:xfrm>
+            <a:off x="812800" y="1246248"/>
+            <a:ext cx="3108960" cy="1356221"/>
+          </a:xfrm>
+          <a:prstGeom prst="rect">
+            <a:avLst/>
+          </a:prstGeom>
+        </p:spPr>
+        <p:style>
+          <a:lnRef idx="2">
+            <a:schemeClr val="accent6">
+              <a:shade val="15000"/>
+            </a:schemeClr>
+          </a:lnRef>
+          <a:fillRef idx="1">
+            <a:schemeClr val="accent6"/>
+          </a:fillRef>
+          <a:effectRef idx="0">
+            <a:schemeClr val="accent6"/>
+          </a:effectRef>
+          <a:fontRef idx="minor">
+            <a:schemeClr val="lt1"/>
+          </a:fontRef>
+        </p:style>
+        <p:txBody>
+          <a:bodyPr rtlCol="0" anchor="ctr"/>
+          <a:lstStyle/>
+          <a:p>
+            <a:pPr algn="ctr"/>
+            <a:r>
+              <a:rPr lang="en-US" altLang="zh-CN" dirty="0"/>
+              <a:t>256K(slot 0)</a:t>
+            </a:r>
+            <a:endParaRPr lang="zh-CN" altLang="en-US" dirty="0"/>
+          </a:p>
+        </p:txBody>
+      </p:sp>
+      <p:sp>
+        <p:nvSpPr>
+          <p:cNvPr id="6" name="文本框 5">
+            <a:extLst>
+              <a:ext uri="{FF2B5EF4-FFF2-40B4-BE49-F238E27FC236}">
+                <a16:creationId xmlns:a16="http://schemas.microsoft.com/office/drawing/2014/main" id="{723C7B0A-1EAE-2FB8-A7C8-AB87469C9BEB}"/>
+              </a:ext>
+            </a:extLst>
+          </p:cNvPr>
+          <p:cNvSpPr txBox="1"/>
+          <p:nvPr/>
+        </p:nvSpPr>
+        <p:spPr>
+          <a:xfrm>
+            <a:off x="1920240" y="448548"/>
+            <a:ext cx="1229360" cy="369332"/>
+          </a:xfrm>
+          <a:prstGeom prst="rect">
+            <a:avLst/>
+          </a:prstGeom>
+          <a:noFill/>
+        </p:spPr>
+        <p:txBody>
+          <a:bodyPr wrap="square">
+            <a:spAutoFit/>
+          </a:bodyPr>
+          <a:lstStyle/>
+          <a:p>
+            <a:r>
+              <a:rPr lang="fr-FR" altLang="zh-CN" dirty="0"/>
+              <a:t>FIXMAP</a:t>
+            </a:r>
+            <a:endParaRPr lang="zh-CN" altLang="en-US" dirty="0"/>
+          </a:p>
+        </p:txBody>
+      </p:sp>
+      <p:sp>
+        <p:nvSpPr>
+          <p:cNvPr id="10" name="矩形 9">
+            <a:extLst>
+              <a:ext uri="{FF2B5EF4-FFF2-40B4-BE49-F238E27FC236}">
+                <a16:creationId xmlns:a16="http://schemas.microsoft.com/office/drawing/2014/main" id="{B9EC7E03-D7F9-9F17-4AA9-A0AED4B826A9}"/>
+              </a:ext>
+            </a:extLst>
+          </p:cNvPr>
+          <p:cNvSpPr/>
+          <p:nvPr/>
+        </p:nvSpPr>
+        <p:spPr>
+          <a:xfrm>
+            <a:off x="812800" y="3207951"/>
+            <a:ext cx="3108960" cy="1280159"/>
+          </a:xfrm>
+          <a:prstGeom prst="rect">
+            <a:avLst/>
+          </a:prstGeom>
+        </p:spPr>
+        <p:style>
+          <a:lnRef idx="2">
+            <a:schemeClr val="accent6">
+              <a:shade val="15000"/>
+            </a:schemeClr>
+          </a:lnRef>
+          <a:fillRef idx="1">
+            <a:schemeClr val="accent6"/>
+          </a:fillRef>
+          <a:effectRef idx="0">
+            <a:schemeClr val="accent6"/>
+          </a:effectRef>
+          <a:fontRef idx="minor">
+            <a:schemeClr val="lt1"/>
+          </a:fontRef>
+        </p:style>
+        <p:txBody>
+          <a:bodyPr rtlCol="0" anchor="ctr"/>
+          <a:lstStyle/>
+          <a:p>
+            <a:pPr algn="ctr"/>
+            <a:r>
+              <a:rPr lang="en-US" altLang="zh-CN" dirty="0"/>
+              <a:t>256K (slot 1)</a:t>
+            </a:r>
+            <a:endParaRPr lang="zh-CN" altLang="en-US" dirty="0"/>
+          </a:p>
+        </p:txBody>
+      </p:sp>
+      <p:sp>
+        <p:nvSpPr>
+          <p:cNvPr id="14" name="矩形 13">
+            <a:extLst>
+              <a:ext uri="{FF2B5EF4-FFF2-40B4-BE49-F238E27FC236}">
+                <a16:creationId xmlns:a16="http://schemas.microsoft.com/office/drawing/2014/main" id="{7B753793-AAFF-2401-9CFB-7922D6ECAB84}"/>
+              </a:ext>
+            </a:extLst>
+          </p:cNvPr>
+          <p:cNvSpPr/>
+          <p:nvPr/>
+        </p:nvSpPr>
+        <p:spPr>
+          <a:xfrm>
+            <a:off x="812800" y="5093592"/>
+            <a:ext cx="3108960" cy="518160"/>
+          </a:xfrm>
+          <a:prstGeom prst="rect">
+            <a:avLst/>
+          </a:prstGeom>
+        </p:spPr>
+        <p:style>
+          <a:lnRef idx="2">
+            <a:schemeClr val="accent6">
+              <a:shade val="15000"/>
+            </a:schemeClr>
+          </a:lnRef>
+          <a:fillRef idx="1">
+            <a:schemeClr val="accent6"/>
+          </a:fillRef>
+          <a:effectRef idx="0">
+            <a:schemeClr val="accent6"/>
+          </a:effectRef>
+          <a:fontRef idx="minor">
+            <a:schemeClr val="lt1"/>
+          </a:fontRef>
+        </p:style>
+        <p:txBody>
+          <a:bodyPr rtlCol="0" anchor="ctr"/>
+          <a:lstStyle/>
+          <a:p>
+            <a:pPr algn="ctr"/>
+            <a:r>
+              <a:rPr lang="en-US" altLang="zh-CN" dirty="0"/>
+              <a:t>…</a:t>
+            </a:r>
+            <a:endParaRPr lang="zh-CN" altLang="en-US" dirty="0"/>
+          </a:p>
+        </p:txBody>
+      </p:sp>
+      <p:sp>
+        <p:nvSpPr>
+          <p:cNvPr id="20" name="矩形 19">
+            <a:extLst>
+              <a:ext uri="{FF2B5EF4-FFF2-40B4-BE49-F238E27FC236}">
+                <a16:creationId xmlns:a16="http://schemas.microsoft.com/office/drawing/2014/main" id="{26522741-DF68-FA8A-5571-EDE0FBAF12C1}"/>
+              </a:ext>
+            </a:extLst>
+          </p:cNvPr>
+          <p:cNvSpPr/>
+          <p:nvPr/>
+        </p:nvSpPr>
+        <p:spPr>
+          <a:xfrm>
+            <a:off x="8176266" y="1477037"/>
+            <a:ext cx="2397760" cy="1027668"/>
+          </a:xfrm>
+          <a:prstGeom prst="rect">
+            <a:avLst/>
+          </a:prstGeom>
+        </p:spPr>
+        <p:style>
+          <a:lnRef idx="2">
+            <a:schemeClr val="accent4">
+              <a:shade val="15000"/>
+            </a:schemeClr>
+          </a:lnRef>
+          <a:fillRef idx="1">
+            <a:schemeClr val="accent4"/>
+          </a:fillRef>
+          <a:effectRef idx="0">
+            <a:schemeClr val="accent4"/>
+          </a:effectRef>
+          <a:fontRef idx="minor">
+            <a:schemeClr val="lt1"/>
+          </a:fontRef>
+        </p:style>
+        <p:txBody>
+          <a:bodyPr rtlCol="0" anchor="ctr"/>
+          <a:lstStyle/>
+          <a:p>
+            <a:pPr algn="ctr"/>
+            <a:r>
+              <a:rPr lang="en-US" altLang="zh-CN" dirty="0" err="1"/>
+              <a:t>Mmio</a:t>
+            </a:r>
+            <a:r>
+              <a:rPr lang="zh-CN" altLang="en-US" dirty="0"/>
+              <a:t> </a:t>
+            </a:r>
+            <a:r>
+              <a:rPr lang="en-US" altLang="zh-CN" dirty="0"/>
+              <a:t>-1</a:t>
+            </a:r>
+            <a:endParaRPr lang="zh-CN" altLang="en-US" dirty="0"/>
+          </a:p>
+        </p:txBody>
+      </p:sp>
+      <p:sp>
+        <p:nvSpPr>
+          <p:cNvPr id="23" name="矩形 22">
+            <a:extLst>
+              <a:ext uri="{FF2B5EF4-FFF2-40B4-BE49-F238E27FC236}">
+                <a16:creationId xmlns:a16="http://schemas.microsoft.com/office/drawing/2014/main" id="{EB4A3142-EB78-EE2F-CC73-8E8C21CDDAAF}"/>
+              </a:ext>
+            </a:extLst>
+          </p:cNvPr>
+          <p:cNvSpPr/>
+          <p:nvPr/>
+        </p:nvSpPr>
+        <p:spPr>
+          <a:xfrm>
+            <a:off x="4470403" y="0"/>
+            <a:ext cx="3047999" cy="721360"/>
+          </a:xfrm>
+          <a:prstGeom prst="rect">
+            <a:avLst/>
+          </a:prstGeom>
+        </p:spPr>
+        <p:style>
+          <a:lnRef idx="2">
+            <a:schemeClr val="accent5"/>
+          </a:lnRef>
+          <a:fillRef idx="1">
+            <a:schemeClr val="lt1"/>
+          </a:fillRef>
+          <a:effectRef idx="0">
+            <a:schemeClr val="accent5"/>
+          </a:effectRef>
+          <a:fontRef idx="minor">
+            <a:schemeClr val="dk1"/>
+          </a:fontRef>
+        </p:style>
+        <p:txBody>
+          <a:bodyPr rtlCol="0" anchor="ctr"/>
+          <a:lstStyle/>
+          <a:p>
+            <a:pPr algn="ctr"/>
+            <a:r>
+              <a:rPr lang="en-US" altLang="zh-CN" b="1" dirty="0" err="1"/>
+              <a:t>slot_virt</a:t>
+            </a:r>
+            <a:r>
+              <a:rPr lang="en-US" altLang="zh-CN" b="1" dirty="0"/>
+              <a:t> </a:t>
+            </a:r>
+            <a:r>
+              <a:rPr lang="en-US" altLang="zh-CN" dirty="0"/>
+              <a:t>(FIXMAP </a:t>
+            </a:r>
+            <a:r>
+              <a:rPr lang="zh-CN" altLang="en-US" dirty="0"/>
+              <a:t>虚存地址</a:t>
+            </a:r>
+            <a:r>
+              <a:rPr lang="en-US" altLang="zh-CN" dirty="0"/>
+              <a:t>)</a:t>
+            </a:r>
+            <a:endParaRPr lang="zh-CN" altLang="en-US" dirty="0"/>
+          </a:p>
+        </p:txBody>
+      </p:sp>
+      <p:cxnSp>
+        <p:nvCxnSpPr>
+          <p:cNvPr id="26" name="直接箭头连接符 25">
+            <a:extLst>
+              <a:ext uri="{FF2B5EF4-FFF2-40B4-BE49-F238E27FC236}">
+                <a16:creationId xmlns:a16="http://schemas.microsoft.com/office/drawing/2014/main" id="{EDD445AA-E6A4-876B-35B8-61D650856DAF}"/>
+              </a:ext>
+            </a:extLst>
+          </p:cNvPr>
+          <p:cNvCxnSpPr>
+            <a:endCxn id="23" idx="1"/>
+          </p:cNvCxnSpPr>
+          <p:nvPr/>
+        </p:nvCxnSpPr>
+        <p:spPr>
+          <a:xfrm flipV="1">
+            <a:off x="3921760" y="360680"/>
+            <a:ext cx="548643" cy="738664"/>
+          </a:xfrm>
+          <a:prstGeom prst="straightConnector1">
+            <a:avLst/>
+          </a:prstGeom>
+          <a:ln>
+            <a:tailEnd type="triangle"/>
+          </a:ln>
+        </p:spPr>
+        <p:style>
+          <a:lnRef idx="1">
+            <a:schemeClr val="accent1"/>
+          </a:lnRef>
+          <a:fillRef idx="0">
+            <a:schemeClr val="accent1"/>
+          </a:fillRef>
+          <a:effectRef idx="0">
+            <a:schemeClr val="accent1"/>
+          </a:effectRef>
+          <a:fontRef idx="minor">
+            <a:schemeClr val="tx1"/>
+          </a:fontRef>
+        </p:style>
+      </p:cxnSp>
+      <p:cxnSp>
+        <p:nvCxnSpPr>
+          <p:cNvPr id="28" name="直接箭头连接符 27">
+            <a:extLst>
+              <a:ext uri="{FF2B5EF4-FFF2-40B4-BE49-F238E27FC236}">
+                <a16:creationId xmlns:a16="http://schemas.microsoft.com/office/drawing/2014/main" id="{2FDE61A9-67D8-FD64-1A14-387DB1F8A734}"/>
+              </a:ext>
+            </a:extLst>
+          </p:cNvPr>
+          <p:cNvCxnSpPr>
+            <a:cxnSpLocks/>
+            <a:endCxn id="23" idx="1"/>
+          </p:cNvCxnSpPr>
+          <p:nvPr/>
+        </p:nvCxnSpPr>
+        <p:spPr>
+          <a:xfrm flipV="1">
+            <a:off x="3921760" y="360680"/>
+            <a:ext cx="548643" cy="2759403"/>
+          </a:xfrm>
+          <a:prstGeom prst="straightConnector1">
+            <a:avLst/>
+          </a:prstGeom>
+          <a:ln>
+            <a:tailEnd type="triangle"/>
+          </a:ln>
+        </p:spPr>
+        <p:style>
+          <a:lnRef idx="1">
+            <a:schemeClr val="accent1"/>
+          </a:lnRef>
+          <a:fillRef idx="0">
+            <a:schemeClr val="accent1"/>
+          </a:fillRef>
+          <a:effectRef idx="0">
+            <a:schemeClr val="accent1"/>
+          </a:effectRef>
+          <a:fontRef idx="minor">
+            <a:schemeClr val="tx1"/>
+          </a:fontRef>
+        </p:style>
+      </p:cxnSp>
+      <p:sp>
+        <p:nvSpPr>
+          <p:cNvPr id="39" name="矩形 38">
+            <a:extLst>
+              <a:ext uri="{FF2B5EF4-FFF2-40B4-BE49-F238E27FC236}">
+                <a16:creationId xmlns:a16="http://schemas.microsoft.com/office/drawing/2014/main" id="{95AD513D-1DC7-2D82-B44F-51176E19B504}"/>
+              </a:ext>
+            </a:extLst>
+          </p:cNvPr>
+          <p:cNvSpPr/>
+          <p:nvPr/>
+        </p:nvSpPr>
+        <p:spPr>
+          <a:xfrm>
+            <a:off x="8158156" y="3139649"/>
+            <a:ext cx="2397760" cy="1280159"/>
+          </a:xfrm>
+          <a:prstGeom prst="rect">
+            <a:avLst/>
+          </a:prstGeom>
+        </p:spPr>
+        <p:style>
+          <a:lnRef idx="2">
+            <a:schemeClr val="accent4">
+              <a:shade val="15000"/>
+            </a:schemeClr>
+          </a:lnRef>
+          <a:fillRef idx="1">
+            <a:schemeClr val="accent4"/>
+          </a:fillRef>
+          <a:effectRef idx="0">
+            <a:schemeClr val="accent4"/>
+          </a:effectRef>
+          <a:fontRef idx="minor">
+            <a:schemeClr val="lt1"/>
+          </a:fontRef>
+        </p:style>
+        <p:txBody>
+          <a:bodyPr rtlCol="0" anchor="ctr"/>
+          <a:lstStyle/>
+          <a:p>
+            <a:pPr algn="ctr"/>
+            <a:r>
+              <a:rPr lang="en-US" altLang="zh-CN" dirty="0" err="1"/>
+              <a:t>Mmio</a:t>
+            </a:r>
+            <a:r>
+              <a:rPr lang="zh-CN" altLang="en-US" dirty="0"/>
+              <a:t> </a:t>
+            </a:r>
+            <a:r>
+              <a:rPr lang="en-US" altLang="zh-CN" dirty="0"/>
+              <a:t>-2</a:t>
+            </a:r>
+            <a:endParaRPr lang="zh-CN" altLang="en-US" dirty="0"/>
+          </a:p>
+        </p:txBody>
+      </p:sp>
+      <p:sp>
+        <p:nvSpPr>
+          <p:cNvPr id="40" name="矩形 39">
+            <a:extLst>
+              <a:ext uri="{FF2B5EF4-FFF2-40B4-BE49-F238E27FC236}">
+                <a16:creationId xmlns:a16="http://schemas.microsoft.com/office/drawing/2014/main" id="{BDA34604-6B75-29D7-CD72-E8DC7EC970D5}"/>
+              </a:ext>
+            </a:extLst>
+          </p:cNvPr>
+          <p:cNvSpPr/>
+          <p:nvPr/>
+        </p:nvSpPr>
+        <p:spPr>
+          <a:xfrm>
+            <a:off x="8737603" y="5586352"/>
+            <a:ext cx="3047999" cy="721360"/>
+          </a:xfrm>
+          <a:prstGeom prst="rect">
+            <a:avLst/>
+          </a:prstGeom>
+        </p:spPr>
+        <p:style>
+          <a:lnRef idx="2">
+            <a:schemeClr val="accent5"/>
+          </a:lnRef>
+          <a:fillRef idx="1">
+            <a:schemeClr val="lt1"/>
+          </a:fillRef>
+          <a:effectRef idx="0">
+            <a:schemeClr val="accent5"/>
+          </a:effectRef>
+          <a:fontRef idx="minor">
+            <a:schemeClr val="dk1"/>
+          </a:fontRef>
+        </p:style>
+        <p:txBody>
+          <a:bodyPr rtlCol="0" anchor="ctr"/>
+          <a:lstStyle/>
+          <a:p>
+            <a:pPr algn="ctr"/>
+            <a:r>
+              <a:rPr lang="en-US" altLang="zh-CN" b="1" dirty="0" err="1"/>
+              <a:t>prev_size</a:t>
+            </a:r>
+            <a:r>
+              <a:rPr lang="en-US" altLang="zh-CN" b="1" dirty="0"/>
+              <a:t> </a:t>
+            </a:r>
+            <a:r>
+              <a:rPr lang="en-US" altLang="zh-CN" dirty="0"/>
+              <a:t>(</a:t>
+            </a:r>
+            <a:r>
+              <a:rPr lang="zh-CN" altLang="en-US" dirty="0"/>
+              <a:t>物理内存</a:t>
+            </a:r>
+            <a:r>
+              <a:rPr lang="en-US" altLang="zh-CN" dirty="0"/>
+              <a:t>size)</a:t>
+            </a:r>
+            <a:endParaRPr lang="zh-CN" altLang="en-US" dirty="0"/>
+          </a:p>
+        </p:txBody>
+      </p:sp>
+      <p:sp>
+        <p:nvSpPr>
+          <p:cNvPr id="41" name="矩形 40">
+            <a:extLst>
+              <a:ext uri="{FF2B5EF4-FFF2-40B4-BE49-F238E27FC236}">
+                <a16:creationId xmlns:a16="http://schemas.microsoft.com/office/drawing/2014/main" id="{81D4F26B-5902-9E1F-D7AA-2302971F9FA9}"/>
+              </a:ext>
+            </a:extLst>
+          </p:cNvPr>
+          <p:cNvSpPr/>
+          <p:nvPr/>
+        </p:nvSpPr>
+        <p:spPr>
+          <a:xfrm>
+            <a:off x="4190838" y="5586352"/>
+            <a:ext cx="3047999" cy="721360"/>
+          </a:xfrm>
+          <a:prstGeom prst="rect">
+            <a:avLst/>
+          </a:prstGeom>
+        </p:spPr>
+        <p:style>
+          <a:lnRef idx="2">
+            <a:schemeClr val="accent5"/>
+          </a:lnRef>
+          <a:fillRef idx="1">
+            <a:schemeClr val="lt1"/>
+          </a:fillRef>
+          <a:effectRef idx="0">
+            <a:schemeClr val="accent5"/>
+          </a:effectRef>
+          <a:fontRef idx="minor">
+            <a:schemeClr val="dk1"/>
+          </a:fontRef>
+        </p:style>
+        <p:txBody>
+          <a:bodyPr rtlCol="0" anchor="ctr"/>
+          <a:lstStyle/>
+          <a:p>
+            <a:pPr algn="ctr"/>
+            <a:r>
+              <a:rPr lang="en-US" altLang="zh-CN" b="1" dirty="0" err="1"/>
+              <a:t>prev_map</a:t>
+            </a:r>
+            <a:r>
+              <a:rPr lang="en-US" altLang="zh-CN" b="1" dirty="0"/>
+              <a:t> </a:t>
+            </a:r>
+            <a:r>
+              <a:rPr lang="en-US" altLang="zh-CN" dirty="0"/>
+              <a:t>(</a:t>
+            </a:r>
+            <a:r>
+              <a:rPr lang="zh-CN" altLang="en-US" dirty="0"/>
+              <a:t>有效虚存起始</a:t>
+            </a:r>
+            <a:r>
+              <a:rPr lang="en-US" altLang="zh-CN" dirty="0"/>
+              <a:t>)</a:t>
+            </a:r>
+            <a:endParaRPr lang="zh-CN" altLang="en-US" dirty="0"/>
+          </a:p>
+        </p:txBody>
+      </p:sp>
+      <p:sp>
+        <p:nvSpPr>
+          <p:cNvPr id="42" name="右大括号 41">
+            <a:extLst>
+              <a:ext uri="{FF2B5EF4-FFF2-40B4-BE49-F238E27FC236}">
+                <a16:creationId xmlns:a16="http://schemas.microsoft.com/office/drawing/2014/main" id="{8FB3A32A-9B26-2C2D-4A5F-DFA4E9652C11}"/>
+              </a:ext>
+            </a:extLst>
+          </p:cNvPr>
+          <p:cNvSpPr/>
+          <p:nvPr/>
+        </p:nvSpPr>
+        <p:spPr>
+          <a:xfrm>
+            <a:off x="10647354" y="1534012"/>
+            <a:ext cx="233680" cy="936436"/>
+          </a:xfrm>
+          <a:prstGeom prst="rightBrace">
+            <a:avLst/>
+          </a:prstGeom>
+        </p:spPr>
+        <p:style>
+          <a:lnRef idx="1">
+            <a:schemeClr val="accent1"/>
+          </a:lnRef>
+          <a:fillRef idx="0">
+            <a:schemeClr val="accent1"/>
+          </a:fillRef>
+          <a:effectRef idx="0">
+            <a:schemeClr val="accent1"/>
+          </a:effectRef>
+          <a:fontRef idx="minor">
+            <a:schemeClr val="tx1"/>
+          </a:fontRef>
+        </p:style>
+        <p:txBody>
+          <a:bodyPr rtlCol="0" anchor="ctr"/>
+          <a:lstStyle/>
+          <a:p>
+            <a:pPr algn="ctr"/>
+            <a:endParaRPr lang="zh-CN" altLang="en-US"/>
+          </a:p>
+        </p:txBody>
+      </p:sp>
+      <p:sp>
+        <p:nvSpPr>
+          <p:cNvPr id="43" name="右大括号 42">
+            <a:extLst>
+              <a:ext uri="{FF2B5EF4-FFF2-40B4-BE49-F238E27FC236}">
+                <a16:creationId xmlns:a16="http://schemas.microsoft.com/office/drawing/2014/main" id="{784B19D0-821F-4C48-C898-37AEE06A0C36}"/>
+              </a:ext>
+            </a:extLst>
+          </p:cNvPr>
+          <p:cNvSpPr/>
+          <p:nvPr/>
+        </p:nvSpPr>
+        <p:spPr>
+          <a:xfrm>
+            <a:off x="10647354" y="3139649"/>
+            <a:ext cx="233680" cy="1280158"/>
+          </a:xfrm>
+          <a:prstGeom prst="rightBrace">
+            <a:avLst/>
+          </a:prstGeom>
+        </p:spPr>
+        <p:style>
+          <a:lnRef idx="1">
+            <a:schemeClr val="accent1"/>
+          </a:lnRef>
+          <a:fillRef idx="0">
+            <a:schemeClr val="accent1"/>
+          </a:fillRef>
+          <a:effectRef idx="0">
+            <a:schemeClr val="accent1"/>
+          </a:effectRef>
+          <a:fontRef idx="minor">
+            <a:schemeClr val="tx1"/>
+          </a:fontRef>
+        </p:style>
+        <p:txBody>
+          <a:bodyPr rtlCol="0" anchor="ctr"/>
+          <a:lstStyle/>
+          <a:p>
+            <a:pPr algn="ctr"/>
+            <a:endParaRPr lang="zh-CN" altLang="en-US"/>
+          </a:p>
+        </p:txBody>
+      </p:sp>
+      <p:sp>
+        <p:nvSpPr>
+          <p:cNvPr id="45" name="文本框 44">
+            <a:extLst>
+              <a:ext uri="{FF2B5EF4-FFF2-40B4-BE49-F238E27FC236}">
+                <a16:creationId xmlns:a16="http://schemas.microsoft.com/office/drawing/2014/main" id="{4E490A0C-6BF0-4174-9702-69631C2E80AD}"/>
+              </a:ext>
+            </a:extLst>
+          </p:cNvPr>
+          <p:cNvSpPr txBox="1"/>
+          <p:nvPr/>
+        </p:nvSpPr>
+        <p:spPr>
+          <a:xfrm>
+            <a:off x="10881034" y="1817564"/>
+            <a:ext cx="1214934" cy="369332"/>
+          </a:xfrm>
+          <a:prstGeom prst="rect">
+            <a:avLst/>
+          </a:prstGeom>
+          <a:noFill/>
+        </p:spPr>
+        <p:txBody>
+          <a:bodyPr wrap="square">
+            <a:spAutoFit/>
+          </a:bodyPr>
+          <a:lstStyle/>
+          <a:p>
+            <a:r>
+              <a:rPr lang="en-US" altLang="zh-CN" dirty="0"/>
+              <a:t>126k</a:t>
+            </a:r>
+            <a:endParaRPr lang="zh-CN" altLang="en-US" dirty="0"/>
+          </a:p>
+        </p:txBody>
+      </p:sp>
+      <p:sp>
+        <p:nvSpPr>
+          <p:cNvPr id="46" name="文本框 45">
+            <a:extLst>
+              <a:ext uri="{FF2B5EF4-FFF2-40B4-BE49-F238E27FC236}">
+                <a16:creationId xmlns:a16="http://schemas.microsoft.com/office/drawing/2014/main" id="{A1ABAC22-6B50-ACF5-134A-4A914292E9EF}"/>
+              </a:ext>
+            </a:extLst>
+          </p:cNvPr>
+          <p:cNvSpPr txBox="1"/>
+          <p:nvPr/>
+        </p:nvSpPr>
+        <p:spPr>
+          <a:xfrm>
+            <a:off x="10881034" y="3595062"/>
+            <a:ext cx="780024" cy="369332"/>
+          </a:xfrm>
+          <a:prstGeom prst="rect">
+            <a:avLst/>
+          </a:prstGeom>
+          <a:noFill/>
+        </p:spPr>
+        <p:txBody>
+          <a:bodyPr wrap="square">
+            <a:spAutoFit/>
+          </a:bodyPr>
+          <a:lstStyle/>
+          <a:p>
+            <a:r>
+              <a:rPr lang="en-US" altLang="zh-CN" dirty="0"/>
+              <a:t>256K</a:t>
+            </a:r>
+            <a:endParaRPr lang="zh-CN" altLang="en-US" dirty="0"/>
+          </a:p>
+        </p:txBody>
+      </p:sp>
+      <p:cxnSp>
+        <p:nvCxnSpPr>
+          <p:cNvPr id="47" name="直接箭头连接符 46">
+            <a:extLst>
+              <a:ext uri="{FF2B5EF4-FFF2-40B4-BE49-F238E27FC236}">
+                <a16:creationId xmlns:a16="http://schemas.microsoft.com/office/drawing/2014/main" id="{D03E3FE4-F5C4-67E6-19BE-FF248BE80C4D}"/>
+              </a:ext>
+            </a:extLst>
+          </p:cNvPr>
+          <p:cNvCxnSpPr>
+            <a:cxnSpLocks/>
+            <a:stCxn id="46" idx="2"/>
+          </p:cNvCxnSpPr>
+          <p:nvPr/>
+        </p:nvCxnSpPr>
+        <p:spPr>
+          <a:xfrm flipH="1">
+            <a:off x="10555916" y="3964394"/>
+            <a:ext cx="715130" cy="1621958"/>
+          </a:xfrm>
+          <a:prstGeom prst="straightConnector1">
+            <a:avLst/>
+          </a:prstGeom>
+          <a:ln>
+            <a:tailEnd type="triangle"/>
+          </a:ln>
+        </p:spPr>
+        <p:style>
+          <a:lnRef idx="1">
+            <a:schemeClr val="accent1"/>
+          </a:lnRef>
+          <a:fillRef idx="0">
+            <a:schemeClr val="accent1"/>
+          </a:fillRef>
+          <a:effectRef idx="0">
+            <a:schemeClr val="accent1"/>
+          </a:effectRef>
+          <a:fontRef idx="minor">
+            <a:schemeClr val="tx1"/>
+          </a:fontRef>
+        </p:style>
+      </p:cxnSp>
+      <p:cxnSp>
+        <p:nvCxnSpPr>
+          <p:cNvPr id="53" name="直接箭头连接符 52">
+            <a:extLst>
+              <a:ext uri="{FF2B5EF4-FFF2-40B4-BE49-F238E27FC236}">
+                <a16:creationId xmlns:a16="http://schemas.microsoft.com/office/drawing/2014/main" id="{6EF3D7BA-AA48-9B00-7C78-560F5A1A7F7D}"/>
+              </a:ext>
+            </a:extLst>
+          </p:cNvPr>
+          <p:cNvCxnSpPr>
+            <a:cxnSpLocks/>
+            <a:stCxn id="45" idx="2"/>
+          </p:cNvCxnSpPr>
+          <p:nvPr/>
+        </p:nvCxnSpPr>
+        <p:spPr>
+          <a:xfrm flipH="1">
+            <a:off x="10555916" y="2186896"/>
+            <a:ext cx="932585" cy="3399456"/>
+          </a:xfrm>
+          <a:prstGeom prst="straightConnector1">
+            <a:avLst/>
+          </a:prstGeom>
+          <a:ln>
+            <a:tailEnd type="triangle"/>
+          </a:ln>
+        </p:spPr>
+        <p:style>
+          <a:lnRef idx="1">
+            <a:schemeClr val="accent1"/>
+          </a:lnRef>
+          <a:fillRef idx="0">
+            <a:schemeClr val="accent1"/>
+          </a:fillRef>
+          <a:effectRef idx="0">
+            <a:schemeClr val="accent1"/>
+          </a:effectRef>
+          <a:fontRef idx="minor">
+            <a:schemeClr val="tx1"/>
+          </a:fontRef>
+        </p:style>
+      </p:cxnSp>
+      <p:sp>
+        <p:nvSpPr>
+          <p:cNvPr id="57" name="文本框 56">
+            <a:extLst>
+              <a:ext uri="{FF2B5EF4-FFF2-40B4-BE49-F238E27FC236}">
+                <a16:creationId xmlns:a16="http://schemas.microsoft.com/office/drawing/2014/main" id="{7DA9927B-15DE-F32F-FEF0-05773F413EA6}"/>
+              </a:ext>
+            </a:extLst>
+          </p:cNvPr>
+          <p:cNvSpPr txBox="1"/>
+          <p:nvPr/>
+        </p:nvSpPr>
+        <p:spPr>
+          <a:xfrm>
+            <a:off x="7579363" y="1028879"/>
+            <a:ext cx="2751385" cy="369332"/>
+          </a:xfrm>
+          <a:prstGeom prst="rect">
+            <a:avLst/>
+          </a:prstGeom>
+          <a:noFill/>
+        </p:spPr>
+        <p:txBody>
+          <a:bodyPr wrap="square">
+            <a:spAutoFit/>
+          </a:bodyPr>
+          <a:lstStyle/>
+          <a:p>
+            <a:r>
+              <a:rPr lang="zh-CN" altLang="en-US" b="1" dirty="0"/>
+              <a:t>非</a:t>
+            </a:r>
+            <a:r>
+              <a:rPr lang="en-US" altLang="zh-CN" b="1" dirty="0"/>
+              <a:t>4K</a:t>
+            </a:r>
+            <a:r>
+              <a:rPr lang="zh-CN" altLang="en-US" b="1" dirty="0"/>
+              <a:t>对齐</a:t>
+            </a:r>
+            <a:r>
+              <a:rPr lang="en-US" altLang="zh-CN" b="1" dirty="0"/>
+              <a:t>: offset: 1234</a:t>
+            </a:r>
+            <a:endParaRPr lang="zh-CN" altLang="en-US" dirty="0"/>
+          </a:p>
+        </p:txBody>
+      </p:sp>
+      <p:cxnSp>
+        <p:nvCxnSpPr>
+          <p:cNvPr id="59" name="直接箭头连接符 58">
+            <a:extLst>
+              <a:ext uri="{FF2B5EF4-FFF2-40B4-BE49-F238E27FC236}">
+                <a16:creationId xmlns:a16="http://schemas.microsoft.com/office/drawing/2014/main" id="{A5966BA4-3B16-7B6D-52FE-72CDBF2DE792}"/>
+              </a:ext>
+            </a:extLst>
+          </p:cNvPr>
+          <p:cNvCxnSpPr>
+            <a:cxnSpLocks/>
+            <a:endCxn id="3" idx="3"/>
+          </p:cNvCxnSpPr>
+          <p:nvPr/>
+        </p:nvCxnSpPr>
+        <p:spPr>
+          <a:xfrm flipH="1">
+            <a:off x="3921760" y="1891655"/>
+            <a:ext cx="4181178" cy="32704"/>
+          </a:xfrm>
+          <a:prstGeom prst="straightConnector1">
+            <a:avLst/>
+          </a:prstGeom>
+          <a:ln>
+            <a:tailEnd type="triangle"/>
+          </a:ln>
+        </p:spPr>
+        <p:style>
+          <a:lnRef idx="1">
+            <a:schemeClr val="accent1"/>
+          </a:lnRef>
+          <a:fillRef idx="0">
+            <a:schemeClr val="accent1"/>
+          </a:fillRef>
+          <a:effectRef idx="0">
+            <a:schemeClr val="accent1"/>
+          </a:effectRef>
+          <a:fontRef idx="minor">
+            <a:schemeClr val="tx1"/>
+          </a:fontRef>
+        </p:style>
+      </p:cxnSp>
+      <p:cxnSp>
+        <p:nvCxnSpPr>
+          <p:cNvPr id="62" name="直接箭头连接符 61">
+            <a:extLst>
+              <a:ext uri="{FF2B5EF4-FFF2-40B4-BE49-F238E27FC236}">
+                <a16:creationId xmlns:a16="http://schemas.microsoft.com/office/drawing/2014/main" id="{D762241B-2A7A-3D88-A187-1D3987C3412E}"/>
+              </a:ext>
+            </a:extLst>
+          </p:cNvPr>
+          <p:cNvCxnSpPr>
+            <a:cxnSpLocks/>
+          </p:cNvCxnSpPr>
+          <p:nvPr/>
+        </p:nvCxnSpPr>
+        <p:spPr>
+          <a:xfrm flipH="1">
+            <a:off x="3950757" y="3779728"/>
+            <a:ext cx="4181178" cy="32704"/>
+          </a:xfrm>
+          <a:prstGeom prst="straightConnector1">
+            <a:avLst/>
+          </a:prstGeom>
+          <a:ln>
+            <a:tailEnd type="triangle"/>
+          </a:ln>
+        </p:spPr>
+        <p:style>
+          <a:lnRef idx="1">
+            <a:schemeClr val="accent1"/>
+          </a:lnRef>
+          <a:fillRef idx="0">
+            <a:schemeClr val="accent1"/>
+          </a:fillRef>
+          <a:effectRef idx="0">
+            <a:schemeClr val="accent1"/>
+          </a:effectRef>
+          <a:fontRef idx="minor">
+            <a:schemeClr val="tx1"/>
+          </a:fontRef>
+        </p:style>
+      </p:cxnSp>
+      <p:sp>
+        <p:nvSpPr>
+          <p:cNvPr id="63" name="文本框 62">
+            <a:extLst>
+              <a:ext uri="{FF2B5EF4-FFF2-40B4-BE49-F238E27FC236}">
+                <a16:creationId xmlns:a16="http://schemas.microsoft.com/office/drawing/2014/main" id="{DFC72E95-2938-8129-1E6E-02D9AB5DF7E5}"/>
+              </a:ext>
+            </a:extLst>
+          </p:cNvPr>
+          <p:cNvSpPr txBox="1"/>
+          <p:nvPr/>
+        </p:nvSpPr>
+        <p:spPr>
+          <a:xfrm>
+            <a:off x="5445201" y="1490062"/>
+            <a:ext cx="2751385" cy="369332"/>
+          </a:xfrm>
+          <a:prstGeom prst="rect">
+            <a:avLst/>
+          </a:prstGeom>
+          <a:noFill/>
+        </p:spPr>
+        <p:txBody>
+          <a:bodyPr wrap="square">
+            <a:spAutoFit/>
+          </a:bodyPr>
+          <a:lstStyle/>
+          <a:p>
+            <a:r>
+              <a:rPr lang="en-US" altLang="zh-CN" b="1" dirty="0" err="1"/>
+              <a:t>early_ioremap</a:t>
+            </a:r>
+            <a:r>
+              <a:rPr lang="en-US" altLang="zh-CN" b="1" dirty="0"/>
+              <a:t>()</a:t>
+            </a:r>
+            <a:endParaRPr lang="zh-CN" altLang="en-US" dirty="0"/>
+          </a:p>
+        </p:txBody>
+      </p:sp>
+      <p:sp>
+        <p:nvSpPr>
+          <p:cNvPr id="64" name="文本框 63">
+            <a:extLst>
+              <a:ext uri="{FF2B5EF4-FFF2-40B4-BE49-F238E27FC236}">
+                <a16:creationId xmlns:a16="http://schemas.microsoft.com/office/drawing/2014/main" id="{C3B587D3-42B7-04E7-5BE2-303C0FA178C2}"/>
+              </a:ext>
+            </a:extLst>
+          </p:cNvPr>
+          <p:cNvSpPr txBox="1"/>
+          <p:nvPr/>
+        </p:nvSpPr>
+        <p:spPr>
+          <a:xfrm>
+            <a:off x="3826230" y="1128862"/>
+            <a:ext cx="2751385" cy="369332"/>
+          </a:xfrm>
+          <a:prstGeom prst="rect">
+            <a:avLst/>
+          </a:prstGeom>
+          <a:noFill/>
+        </p:spPr>
+        <p:txBody>
+          <a:bodyPr wrap="square">
+            <a:spAutoFit/>
+          </a:bodyPr>
+          <a:lstStyle/>
+          <a:p>
+            <a:r>
+              <a:rPr lang="zh-CN" altLang="en-US" b="1" dirty="0"/>
+              <a:t>有效地址</a:t>
+            </a:r>
+            <a:r>
+              <a:rPr lang="en-US" altLang="zh-CN" b="1" dirty="0"/>
+              <a:t>: </a:t>
+            </a:r>
+            <a:r>
+              <a:rPr lang="en-US" altLang="zh-CN" b="1" dirty="0" err="1"/>
+              <a:t>slotvirt</a:t>
+            </a:r>
+            <a:r>
+              <a:rPr lang="en-US" altLang="zh-CN" b="1" dirty="0"/>
+              <a:t> + 1234</a:t>
+            </a:r>
+            <a:endParaRPr lang="zh-CN" altLang="en-US" dirty="0"/>
+          </a:p>
+        </p:txBody>
+      </p:sp>
+      <p:cxnSp>
+        <p:nvCxnSpPr>
+          <p:cNvPr id="65" name="直接箭头连接符 64">
+            <a:extLst>
+              <a:ext uri="{FF2B5EF4-FFF2-40B4-BE49-F238E27FC236}">
+                <a16:creationId xmlns:a16="http://schemas.microsoft.com/office/drawing/2014/main" id="{C93621B5-B736-03D0-8D6F-776E537ADAFA}"/>
+              </a:ext>
+            </a:extLst>
+          </p:cNvPr>
+          <p:cNvCxnSpPr>
+            <a:cxnSpLocks/>
+          </p:cNvCxnSpPr>
+          <p:nvPr/>
+        </p:nvCxnSpPr>
+        <p:spPr>
+          <a:xfrm>
+            <a:off x="4701044" y="1527712"/>
+            <a:ext cx="712920" cy="4058640"/>
+          </a:xfrm>
+          <a:prstGeom prst="straightConnector1">
+            <a:avLst/>
+          </a:prstGeom>
+          <a:ln>
+            <a:tailEnd type="triangle"/>
+          </a:ln>
+        </p:spPr>
+        <p:style>
+          <a:lnRef idx="1">
+            <a:schemeClr val="accent1"/>
+          </a:lnRef>
+          <a:fillRef idx="0">
+            <a:schemeClr val="accent1"/>
+          </a:fillRef>
+          <a:effectRef idx="0">
+            <a:schemeClr val="accent1"/>
+          </a:effectRef>
+          <a:fontRef idx="minor">
+            <a:schemeClr val="tx1"/>
+          </a:fontRef>
+        </p:style>
+      </p:cxnSp>
+    </p:spTree>
+    <p:extLst>
+      <p:ext uri="{BB962C8B-B14F-4D97-AF65-F5344CB8AC3E}">
+        <p14:creationId xmlns:p14="http://schemas.microsoft.com/office/powerpoint/2010/main" val="4839473"/>
+      </p:ext>
+    </p:extLst>
+  </p:cSld>
+  <p:clrMapOvr>
+    <a:masterClrMapping/>
+  </p:clrMapOvr>
+</p:sld>
+</file>
+
+<file path=ppt/slides/slide12.xml><?xml version="1.0" encoding="utf-8"?>
+<p:sld xmlns:a="http://schemas.openxmlformats.org/drawingml/2006/main" xmlns:r="http://schemas.openxmlformats.org/officeDocument/2006/relationships" xmlns:p="http://schemas.openxmlformats.org/presentationml/2006/main">
+  <p:cSld>
+    <p:spTree>
+      <p:nvGrpSpPr>
+        <p:cNvPr id="1" name="">
+          <a:extLst>
+            <a:ext uri="{FF2B5EF4-FFF2-40B4-BE49-F238E27FC236}">
+              <a16:creationId xmlns:a16="http://schemas.microsoft.com/office/drawing/2014/main" id="{6F50D570-0194-7E62-11B3-AC38998457F3}"/>
+            </a:ext>
+          </a:extLst>
+        </p:cNvPr>
+        <p:cNvGrpSpPr/>
+        <p:nvPr/>
+      </p:nvGrpSpPr>
+      <p:grpSpPr>
+        <a:xfrm>
+          <a:off x="0" y="0"/>
+          <a:ext cx="0" cy="0"/>
+          <a:chOff x="0" y="0"/>
+          <a:chExt cx="0" cy="0"/>
+        </a:xfrm>
+      </p:grpSpPr>
+      <p:sp>
+        <p:nvSpPr>
+          <p:cNvPr id="5" name="矩形 4">
+            <a:extLst>
+              <a:ext uri="{FF2B5EF4-FFF2-40B4-BE49-F238E27FC236}">
+                <a16:creationId xmlns:a16="http://schemas.microsoft.com/office/drawing/2014/main" id="{013CC6E0-3E7C-E500-4C28-90074C765896}"/>
+              </a:ext>
+            </a:extLst>
+          </p:cNvPr>
+          <p:cNvSpPr/>
+          <p:nvPr/>
+        </p:nvSpPr>
+        <p:spPr>
+          <a:xfrm>
+            <a:off x="703006" y="295806"/>
+            <a:ext cx="2497394" cy="1847626"/>
+          </a:xfrm>
+          <a:prstGeom prst="rect">
+            <a:avLst/>
+          </a:prstGeom>
+        </p:spPr>
+        <p:style>
+          <a:lnRef idx="2">
+            <a:schemeClr val="accent6">
+              <a:shade val="15000"/>
+            </a:schemeClr>
+          </a:lnRef>
+          <a:fillRef idx="1">
+            <a:schemeClr val="accent6"/>
+          </a:fillRef>
+          <a:effectRef idx="0">
+            <a:schemeClr val="accent6"/>
+          </a:effectRef>
+          <a:fontRef idx="minor">
+            <a:schemeClr val="lt1"/>
+          </a:fontRef>
+        </p:style>
+        <p:txBody>
+          <a:bodyPr rtlCol="0" anchor="ctr"/>
+          <a:lstStyle/>
+          <a:p>
+            <a:pPr algn="ctr"/>
+            <a:endParaRPr lang="zh-CN" altLang="en-US" dirty="0"/>
+          </a:p>
+        </p:txBody>
+      </p:sp>
+      <p:sp>
+        <p:nvSpPr>
+          <p:cNvPr id="19" name="文本框 18">
+            <a:extLst>
+              <a:ext uri="{FF2B5EF4-FFF2-40B4-BE49-F238E27FC236}">
+                <a16:creationId xmlns:a16="http://schemas.microsoft.com/office/drawing/2014/main" id="{D0B399FF-908B-2DEF-9D62-1BD8FA825DE6}"/>
+              </a:ext>
+            </a:extLst>
+          </p:cNvPr>
+          <p:cNvSpPr txBox="1"/>
+          <p:nvPr/>
+        </p:nvSpPr>
+        <p:spPr>
+          <a:xfrm>
+            <a:off x="3200400" y="6021946"/>
+            <a:ext cx="1268361" cy="369332"/>
+          </a:xfrm>
+          <a:prstGeom prst="rect">
+            <a:avLst/>
+          </a:prstGeom>
+          <a:noFill/>
+        </p:spPr>
+        <p:txBody>
+          <a:bodyPr wrap="square">
+            <a:spAutoFit/>
+          </a:bodyPr>
+          <a:lstStyle/>
+          <a:p>
+            <a:r>
+              <a:rPr lang="fr-FR" altLang="zh-CN" dirty="0"/>
+              <a:t>end</a:t>
+            </a:r>
+            <a:endParaRPr lang="zh-CN" altLang="en-US" dirty="0"/>
+          </a:p>
+        </p:txBody>
+      </p:sp>
+      <p:sp>
+        <p:nvSpPr>
+          <p:cNvPr id="25" name="矩形 24">
+            <a:extLst>
+              <a:ext uri="{FF2B5EF4-FFF2-40B4-BE49-F238E27FC236}">
+                <a16:creationId xmlns:a16="http://schemas.microsoft.com/office/drawing/2014/main" id="{C411C335-D66E-07CB-71C1-808FF2DE28EC}"/>
+              </a:ext>
+            </a:extLst>
+          </p:cNvPr>
+          <p:cNvSpPr/>
+          <p:nvPr/>
+        </p:nvSpPr>
+        <p:spPr>
+          <a:xfrm>
+            <a:off x="703006" y="2590645"/>
+            <a:ext cx="2497394" cy="1676710"/>
+          </a:xfrm>
+          <a:prstGeom prst="rect">
+            <a:avLst/>
+          </a:prstGeom>
+        </p:spPr>
+        <p:style>
+          <a:lnRef idx="2">
+            <a:schemeClr val="accent6">
+              <a:shade val="15000"/>
+            </a:schemeClr>
+          </a:lnRef>
+          <a:fillRef idx="1">
+            <a:schemeClr val="accent6"/>
+          </a:fillRef>
+          <a:effectRef idx="0">
+            <a:schemeClr val="accent6"/>
+          </a:effectRef>
+          <a:fontRef idx="minor">
+            <a:schemeClr val="lt1"/>
+          </a:fontRef>
+        </p:style>
+        <p:txBody>
+          <a:bodyPr rtlCol="0" anchor="ctr"/>
+          <a:lstStyle/>
+          <a:p>
+            <a:pPr algn="ctr"/>
+            <a:endParaRPr lang="zh-CN" altLang="en-US" dirty="0"/>
+          </a:p>
+        </p:txBody>
+      </p:sp>
+      <p:cxnSp>
+        <p:nvCxnSpPr>
+          <p:cNvPr id="29" name="直接箭头连接符 28">
+            <a:extLst>
+              <a:ext uri="{FF2B5EF4-FFF2-40B4-BE49-F238E27FC236}">
+                <a16:creationId xmlns:a16="http://schemas.microsoft.com/office/drawing/2014/main" id="{6C075E23-E58F-BBCF-F7E2-7F388A495D64}"/>
+              </a:ext>
+            </a:extLst>
+          </p:cNvPr>
+          <p:cNvCxnSpPr>
+            <a:cxnSpLocks/>
+            <a:stCxn id="5" idx="2"/>
+            <a:endCxn id="25" idx="0"/>
+          </p:cNvCxnSpPr>
+          <p:nvPr/>
+        </p:nvCxnSpPr>
+        <p:spPr>
+          <a:xfrm>
+            <a:off x="1951703" y="2143432"/>
+            <a:ext cx="0" cy="447213"/>
+          </a:xfrm>
+          <a:prstGeom prst="straightConnector1">
+            <a:avLst/>
+          </a:prstGeom>
+          <a:ln>
+            <a:tailEnd type="triangle"/>
+          </a:ln>
+        </p:spPr>
+        <p:style>
+          <a:lnRef idx="1">
+            <a:schemeClr val="accent1"/>
+          </a:lnRef>
+          <a:fillRef idx="0">
+            <a:schemeClr val="accent1"/>
+          </a:fillRef>
+          <a:effectRef idx="0">
+            <a:schemeClr val="accent1"/>
+          </a:effectRef>
+          <a:fontRef idx="minor">
+            <a:schemeClr val="tx1"/>
+          </a:fontRef>
+        </p:style>
+      </p:cxnSp>
+      <p:sp>
+        <p:nvSpPr>
+          <p:cNvPr id="32" name="矩形 31">
+            <a:extLst>
+              <a:ext uri="{FF2B5EF4-FFF2-40B4-BE49-F238E27FC236}">
+                <a16:creationId xmlns:a16="http://schemas.microsoft.com/office/drawing/2014/main" id="{5E412B58-9643-A4CD-8851-8EE6157647B5}"/>
+              </a:ext>
+            </a:extLst>
+          </p:cNvPr>
+          <p:cNvSpPr/>
+          <p:nvPr/>
+        </p:nvSpPr>
+        <p:spPr>
+          <a:xfrm>
+            <a:off x="703006" y="4714568"/>
+            <a:ext cx="2497394" cy="1676710"/>
+          </a:xfrm>
+          <a:prstGeom prst="rect">
+            <a:avLst/>
+          </a:prstGeom>
+        </p:spPr>
+        <p:style>
+          <a:lnRef idx="2">
+            <a:schemeClr val="accent6">
+              <a:shade val="15000"/>
+            </a:schemeClr>
+          </a:lnRef>
+          <a:fillRef idx="1">
+            <a:schemeClr val="accent6"/>
+          </a:fillRef>
+          <a:effectRef idx="0">
+            <a:schemeClr val="accent6"/>
+          </a:effectRef>
+          <a:fontRef idx="minor">
+            <a:schemeClr val="lt1"/>
+          </a:fontRef>
+        </p:style>
+        <p:txBody>
+          <a:bodyPr rtlCol="0" anchor="ctr"/>
+          <a:lstStyle/>
+          <a:p>
+            <a:pPr algn="ctr"/>
+            <a:endParaRPr lang="zh-CN" altLang="en-US" dirty="0"/>
+          </a:p>
+        </p:txBody>
+      </p:sp>
+      <p:cxnSp>
+        <p:nvCxnSpPr>
+          <p:cNvPr id="33" name="直接箭头连接符 32">
+            <a:extLst>
+              <a:ext uri="{FF2B5EF4-FFF2-40B4-BE49-F238E27FC236}">
+                <a16:creationId xmlns:a16="http://schemas.microsoft.com/office/drawing/2014/main" id="{D84D5444-4C1F-9423-6BF3-FB9A063076E9}"/>
+              </a:ext>
+            </a:extLst>
+          </p:cNvPr>
+          <p:cNvCxnSpPr>
+            <a:cxnSpLocks/>
+          </p:cNvCxnSpPr>
+          <p:nvPr/>
+        </p:nvCxnSpPr>
+        <p:spPr>
+          <a:xfrm>
+            <a:off x="1951703" y="4267355"/>
+            <a:ext cx="0" cy="447213"/>
+          </a:xfrm>
+          <a:prstGeom prst="straightConnector1">
+            <a:avLst/>
+          </a:prstGeom>
+          <a:ln>
+            <a:tailEnd type="triangle"/>
+          </a:ln>
+        </p:spPr>
+        <p:style>
+          <a:lnRef idx="1">
+            <a:schemeClr val="accent1"/>
+          </a:lnRef>
+          <a:fillRef idx="0">
+            <a:schemeClr val="accent1"/>
+          </a:fillRef>
+          <a:effectRef idx="0">
+            <a:schemeClr val="accent1"/>
+          </a:effectRef>
+          <a:fontRef idx="minor">
+            <a:schemeClr val="tx1"/>
+          </a:fontRef>
+        </p:style>
+      </p:cxnSp>
+      <p:sp>
+        <p:nvSpPr>
+          <p:cNvPr id="34" name="文本框 33">
+            <a:extLst>
+              <a:ext uri="{FF2B5EF4-FFF2-40B4-BE49-F238E27FC236}">
+                <a16:creationId xmlns:a16="http://schemas.microsoft.com/office/drawing/2014/main" id="{FC0DB815-16EC-702F-18BB-1B3113C944AD}"/>
+              </a:ext>
+            </a:extLst>
+          </p:cNvPr>
+          <p:cNvSpPr txBox="1"/>
+          <p:nvPr/>
+        </p:nvSpPr>
+        <p:spPr>
+          <a:xfrm>
+            <a:off x="919316" y="305890"/>
+            <a:ext cx="2689123" cy="369332"/>
+          </a:xfrm>
+          <a:prstGeom prst="rect">
+            <a:avLst/>
+          </a:prstGeom>
+          <a:noFill/>
+        </p:spPr>
+        <p:txBody>
+          <a:bodyPr wrap="square">
+            <a:spAutoFit/>
+          </a:bodyPr>
+          <a:lstStyle/>
+          <a:p>
+            <a:r>
+              <a:rPr lang="fr-FR" altLang="zh-CN" dirty="0"/>
+              <a:t>memblock-&gt;memory</a:t>
+            </a:r>
+            <a:endParaRPr lang="zh-CN" altLang="en-US" dirty="0"/>
+          </a:p>
+        </p:txBody>
+      </p:sp>
+      <p:sp>
+        <p:nvSpPr>
+          <p:cNvPr id="35" name="矩形 34">
+            <a:extLst>
+              <a:ext uri="{FF2B5EF4-FFF2-40B4-BE49-F238E27FC236}">
+                <a16:creationId xmlns:a16="http://schemas.microsoft.com/office/drawing/2014/main" id="{24D0F4BF-4A64-743B-94DF-9451B4C880B6}"/>
+              </a:ext>
+            </a:extLst>
+          </p:cNvPr>
+          <p:cNvSpPr/>
+          <p:nvPr/>
+        </p:nvSpPr>
+        <p:spPr>
+          <a:xfrm>
+            <a:off x="3502748" y="1064559"/>
+            <a:ext cx="2497394" cy="766078"/>
+          </a:xfrm>
+          <a:prstGeom prst="rect">
+            <a:avLst/>
+          </a:prstGeom>
+        </p:spPr>
+        <p:style>
+          <a:lnRef idx="2">
+            <a:schemeClr val="accent2">
+              <a:shade val="15000"/>
+            </a:schemeClr>
+          </a:lnRef>
+          <a:fillRef idx="1">
+            <a:schemeClr val="accent2"/>
+          </a:fillRef>
+          <a:effectRef idx="0">
+            <a:schemeClr val="accent2"/>
+          </a:effectRef>
+          <a:fontRef idx="minor">
+            <a:schemeClr val="lt1"/>
+          </a:fontRef>
+        </p:style>
+        <p:txBody>
+          <a:bodyPr rtlCol="0" anchor="ctr"/>
+          <a:lstStyle/>
+          <a:p>
+            <a:pPr algn="ctr"/>
+            <a:endParaRPr lang="zh-CN" altLang="en-US" dirty="0"/>
+          </a:p>
+        </p:txBody>
+      </p:sp>
+      <p:sp>
+        <p:nvSpPr>
+          <p:cNvPr id="36" name="矩形 35">
+            <a:extLst>
+              <a:ext uri="{FF2B5EF4-FFF2-40B4-BE49-F238E27FC236}">
+                <a16:creationId xmlns:a16="http://schemas.microsoft.com/office/drawing/2014/main" id="{F10CA163-24F6-96F2-B768-404F075F240D}"/>
+              </a:ext>
+            </a:extLst>
+          </p:cNvPr>
+          <p:cNvSpPr/>
+          <p:nvPr/>
+        </p:nvSpPr>
+        <p:spPr>
+          <a:xfrm>
+            <a:off x="3502748" y="2682276"/>
+            <a:ext cx="2497383" cy="766078"/>
+          </a:xfrm>
+          <a:prstGeom prst="rect">
+            <a:avLst/>
+          </a:prstGeom>
+        </p:spPr>
+        <p:style>
+          <a:lnRef idx="2">
+            <a:schemeClr val="accent2">
+              <a:shade val="15000"/>
+            </a:schemeClr>
+          </a:lnRef>
+          <a:fillRef idx="1">
+            <a:schemeClr val="accent2"/>
+          </a:fillRef>
+          <a:effectRef idx="0">
+            <a:schemeClr val="accent2"/>
+          </a:effectRef>
+          <a:fontRef idx="minor">
+            <a:schemeClr val="lt1"/>
+          </a:fontRef>
+        </p:style>
+        <p:txBody>
+          <a:bodyPr rtlCol="0" anchor="ctr"/>
+          <a:lstStyle/>
+          <a:p>
+            <a:pPr algn="ctr"/>
+            <a:endParaRPr lang="zh-CN" altLang="en-US" dirty="0"/>
+          </a:p>
+        </p:txBody>
+      </p:sp>
+      <p:cxnSp>
+        <p:nvCxnSpPr>
+          <p:cNvPr id="37" name="直接箭头连接符 36">
+            <a:extLst>
+              <a:ext uri="{FF2B5EF4-FFF2-40B4-BE49-F238E27FC236}">
+                <a16:creationId xmlns:a16="http://schemas.microsoft.com/office/drawing/2014/main" id="{7081B472-3A59-425A-C5F1-F0B2273A8781}"/>
+              </a:ext>
+            </a:extLst>
+          </p:cNvPr>
+          <p:cNvCxnSpPr>
+            <a:cxnSpLocks/>
+            <a:stCxn id="35" idx="2"/>
+            <a:endCxn id="36" idx="0"/>
+          </p:cNvCxnSpPr>
+          <p:nvPr/>
+        </p:nvCxnSpPr>
+        <p:spPr>
+          <a:xfrm flipH="1">
+            <a:off x="4751440" y="1830637"/>
+            <a:ext cx="5" cy="851639"/>
+          </a:xfrm>
+          <a:prstGeom prst="straightConnector1">
+            <a:avLst/>
+          </a:prstGeom>
+          <a:ln>
+            <a:tailEnd type="triangle"/>
+          </a:ln>
+        </p:spPr>
+        <p:style>
+          <a:lnRef idx="1">
+            <a:schemeClr val="accent1"/>
+          </a:lnRef>
+          <a:fillRef idx="0">
+            <a:schemeClr val="accent1"/>
+          </a:fillRef>
+          <a:effectRef idx="0">
+            <a:schemeClr val="accent1"/>
+          </a:effectRef>
+          <a:fontRef idx="minor">
+            <a:schemeClr val="tx1"/>
+          </a:fontRef>
+        </p:style>
+      </p:cxnSp>
+      <p:sp>
+        <p:nvSpPr>
+          <p:cNvPr id="38" name="矩形 37">
+            <a:extLst>
+              <a:ext uri="{FF2B5EF4-FFF2-40B4-BE49-F238E27FC236}">
+                <a16:creationId xmlns:a16="http://schemas.microsoft.com/office/drawing/2014/main" id="{CCEE6E6E-46D5-1D00-1370-2F146C8BDEAD}"/>
+              </a:ext>
+            </a:extLst>
+          </p:cNvPr>
+          <p:cNvSpPr/>
+          <p:nvPr/>
+        </p:nvSpPr>
+        <p:spPr>
+          <a:xfrm>
+            <a:off x="3502748" y="3866909"/>
+            <a:ext cx="2497383" cy="492077"/>
+          </a:xfrm>
+          <a:prstGeom prst="rect">
+            <a:avLst/>
+          </a:prstGeom>
+        </p:spPr>
+        <p:style>
+          <a:lnRef idx="2">
+            <a:schemeClr val="accent2">
+              <a:shade val="15000"/>
+            </a:schemeClr>
+          </a:lnRef>
+          <a:fillRef idx="1">
+            <a:schemeClr val="accent2"/>
+          </a:fillRef>
+          <a:effectRef idx="0">
+            <a:schemeClr val="accent2"/>
+          </a:effectRef>
+          <a:fontRef idx="minor">
+            <a:schemeClr val="lt1"/>
+          </a:fontRef>
+        </p:style>
+        <p:txBody>
+          <a:bodyPr rtlCol="0" anchor="ctr"/>
+          <a:lstStyle/>
+          <a:p>
+            <a:pPr algn="ctr"/>
+            <a:endParaRPr lang="zh-CN" altLang="en-US" dirty="0"/>
+          </a:p>
+        </p:txBody>
+      </p:sp>
+      <p:cxnSp>
+        <p:nvCxnSpPr>
+          <p:cNvPr id="54" name="直接箭头连接符 53">
+            <a:extLst>
+              <a:ext uri="{FF2B5EF4-FFF2-40B4-BE49-F238E27FC236}">
+                <a16:creationId xmlns:a16="http://schemas.microsoft.com/office/drawing/2014/main" id="{84896C17-386F-D295-EDF7-D4235C5F0B64}"/>
+              </a:ext>
+            </a:extLst>
+          </p:cNvPr>
+          <p:cNvCxnSpPr>
+            <a:cxnSpLocks/>
+          </p:cNvCxnSpPr>
+          <p:nvPr/>
+        </p:nvCxnSpPr>
+        <p:spPr>
+          <a:xfrm>
+            <a:off x="4751440" y="3448354"/>
+            <a:ext cx="0" cy="452129"/>
+          </a:xfrm>
+          <a:prstGeom prst="straightConnector1">
+            <a:avLst/>
+          </a:prstGeom>
+          <a:ln>
+            <a:tailEnd type="triangle"/>
+          </a:ln>
+        </p:spPr>
+        <p:style>
+          <a:lnRef idx="1">
+            <a:schemeClr val="accent1"/>
+          </a:lnRef>
+          <a:fillRef idx="0">
+            <a:schemeClr val="accent1"/>
+          </a:fillRef>
+          <a:effectRef idx="0">
+            <a:schemeClr val="accent1"/>
+          </a:effectRef>
+          <a:fontRef idx="minor">
+            <a:schemeClr val="tx1"/>
+          </a:fontRef>
+        </p:style>
+      </p:cxnSp>
+      <p:sp>
+        <p:nvSpPr>
+          <p:cNvPr id="56" name="文本框 55">
+            <a:extLst>
+              <a:ext uri="{FF2B5EF4-FFF2-40B4-BE49-F238E27FC236}">
+                <a16:creationId xmlns:a16="http://schemas.microsoft.com/office/drawing/2014/main" id="{97F0CA44-CE2A-5D7C-DE8C-D6213DEC0B0E}"/>
+              </a:ext>
+            </a:extLst>
+          </p:cNvPr>
+          <p:cNvSpPr txBox="1"/>
+          <p:nvPr/>
+        </p:nvSpPr>
+        <p:spPr>
+          <a:xfrm>
+            <a:off x="3502748" y="629825"/>
+            <a:ext cx="2689123" cy="369332"/>
+          </a:xfrm>
+          <a:prstGeom prst="rect">
+            <a:avLst/>
+          </a:prstGeom>
+          <a:noFill/>
+        </p:spPr>
+        <p:txBody>
+          <a:bodyPr wrap="square">
+            <a:spAutoFit/>
+          </a:bodyPr>
+          <a:lstStyle/>
+          <a:p>
+            <a:r>
+              <a:rPr lang="fr-FR" altLang="zh-CN" dirty="0"/>
+              <a:t>memblock-&gt;reserved</a:t>
+            </a:r>
+            <a:endParaRPr lang="zh-CN" altLang="en-US" dirty="0"/>
+          </a:p>
+        </p:txBody>
+      </p:sp>
+    </p:spTree>
+    <p:extLst>
+      <p:ext uri="{BB962C8B-B14F-4D97-AF65-F5344CB8AC3E}">
+        <p14:creationId xmlns:p14="http://schemas.microsoft.com/office/powerpoint/2010/main" val="2798346272"/>
+      </p:ext>
+    </p:extLst>
+  </p:cSld>
+  <p:clrMapOvr>
+    <a:masterClrMapping/>
+  </p:clrMapOvr>
+</p:sld>
+</file>
+
 <file path=ppt/slides/slide2.xml><?xml version="1.0" encoding="utf-8"?>
 <p:sld xmlns:a="http://schemas.openxmlformats.org/drawingml/2006/main" xmlns:r="http://schemas.openxmlformats.org/officeDocument/2006/relationships" xmlns:p="http://schemas.openxmlformats.org/presentationml/2006/main">
   <p:cSld>
@@ -5823,6 +8452,2303 @@
     <p:extLst>
       <p:ext uri="{BB962C8B-B14F-4D97-AF65-F5344CB8AC3E}">
         <p14:creationId xmlns:p14="http://schemas.microsoft.com/office/powerpoint/2010/main" val="3269103734"/>
+      </p:ext>
+    </p:extLst>
+  </p:cSld>
+  <p:clrMapOvr>
+    <a:masterClrMapping/>
+  </p:clrMapOvr>
+</p:sld>
+</file>
+
+<file path=ppt/slides/slide6.xml><?xml version="1.0" encoding="utf-8"?>
+<p:sld xmlns:a="http://schemas.openxmlformats.org/drawingml/2006/main" xmlns:r="http://schemas.openxmlformats.org/officeDocument/2006/relationships" xmlns:p="http://schemas.openxmlformats.org/presentationml/2006/main">
+  <p:cSld>
+    <p:spTree>
+      <p:nvGrpSpPr>
+        <p:cNvPr id="1" name="">
+          <a:extLst>
+            <a:ext uri="{FF2B5EF4-FFF2-40B4-BE49-F238E27FC236}">
+              <a16:creationId xmlns:a16="http://schemas.microsoft.com/office/drawing/2014/main" id="{DD5C35BD-CC70-19AC-D3C3-40826A1D2447}"/>
+            </a:ext>
+          </a:extLst>
+        </p:cNvPr>
+        <p:cNvGrpSpPr/>
+        <p:nvPr/>
+      </p:nvGrpSpPr>
+      <p:grpSpPr>
+        <a:xfrm>
+          <a:off x="0" y="0"/>
+          <a:ext cx="0" cy="0"/>
+          <a:chOff x="0" y="0"/>
+          <a:chExt cx="0" cy="0"/>
+        </a:xfrm>
+      </p:grpSpPr>
+      <p:cxnSp>
+        <p:nvCxnSpPr>
+          <p:cNvPr id="3" name="直接连接符 2">
+            <a:extLst>
+              <a:ext uri="{FF2B5EF4-FFF2-40B4-BE49-F238E27FC236}">
+                <a16:creationId xmlns:a16="http://schemas.microsoft.com/office/drawing/2014/main" id="{FBE3D813-0AD8-C317-F42F-F539171F2F3D}"/>
+              </a:ext>
+            </a:extLst>
+          </p:cNvPr>
+          <p:cNvCxnSpPr/>
+          <p:nvPr/>
+        </p:nvCxnSpPr>
+        <p:spPr>
+          <a:xfrm>
+            <a:off x="1317523" y="2310580"/>
+            <a:ext cx="9842091" cy="0"/>
+          </a:xfrm>
+          <a:prstGeom prst="line">
+            <a:avLst/>
+          </a:prstGeom>
+        </p:spPr>
+        <p:style>
+          <a:lnRef idx="1">
+            <a:schemeClr val="accent1"/>
+          </a:lnRef>
+          <a:fillRef idx="0">
+            <a:schemeClr val="accent1"/>
+          </a:fillRef>
+          <a:effectRef idx="0">
+            <a:schemeClr val="accent1"/>
+          </a:effectRef>
+          <a:fontRef idx="minor">
+            <a:schemeClr val="tx1"/>
+          </a:fontRef>
+        </p:style>
+      </p:cxnSp>
+      <p:cxnSp>
+        <p:nvCxnSpPr>
+          <p:cNvPr id="4" name="直接连接符 3">
+            <a:extLst>
+              <a:ext uri="{FF2B5EF4-FFF2-40B4-BE49-F238E27FC236}">
+                <a16:creationId xmlns:a16="http://schemas.microsoft.com/office/drawing/2014/main" id="{EE91FE9D-6306-0083-F90C-1F8BEDAC2E82}"/>
+              </a:ext>
+            </a:extLst>
+          </p:cNvPr>
+          <p:cNvCxnSpPr/>
+          <p:nvPr/>
+        </p:nvCxnSpPr>
+        <p:spPr>
+          <a:xfrm>
+            <a:off x="1174954" y="4154128"/>
+            <a:ext cx="9842091" cy="0"/>
+          </a:xfrm>
+          <a:prstGeom prst="line">
+            <a:avLst/>
+          </a:prstGeom>
+        </p:spPr>
+        <p:style>
+          <a:lnRef idx="1">
+            <a:schemeClr val="accent1"/>
+          </a:lnRef>
+          <a:fillRef idx="0">
+            <a:schemeClr val="accent1"/>
+          </a:fillRef>
+          <a:effectRef idx="0">
+            <a:schemeClr val="accent1"/>
+          </a:effectRef>
+          <a:fontRef idx="minor">
+            <a:schemeClr val="tx1"/>
+          </a:fontRef>
+        </p:style>
+      </p:cxnSp>
+      <p:sp>
+        <p:nvSpPr>
+          <p:cNvPr id="6" name="文本框 5">
+            <a:extLst>
+              <a:ext uri="{FF2B5EF4-FFF2-40B4-BE49-F238E27FC236}">
+                <a16:creationId xmlns:a16="http://schemas.microsoft.com/office/drawing/2014/main" id="{ABD6531A-40A5-8AE0-51F0-F09076C164D5}"/>
+              </a:ext>
+            </a:extLst>
+          </p:cNvPr>
+          <p:cNvSpPr txBox="1"/>
+          <p:nvPr/>
+        </p:nvSpPr>
+        <p:spPr>
+          <a:xfrm>
+            <a:off x="0" y="1569776"/>
+            <a:ext cx="825910" cy="371479"/>
+          </a:xfrm>
+          <a:prstGeom prst="rect">
+            <a:avLst/>
+          </a:prstGeom>
+          <a:noFill/>
+        </p:spPr>
+        <p:txBody>
+          <a:bodyPr wrap="square">
+            <a:spAutoFit/>
+          </a:bodyPr>
+          <a:lstStyle/>
+          <a:p>
+            <a:r>
+              <a:rPr lang="en-US" altLang="zh-CN" dirty="0">
+                <a:sym typeface="Wingdings" panose="05000000000000000000" pitchFamily="2" charset="2"/>
+              </a:rPr>
+              <a:t>USER</a:t>
+            </a:r>
+            <a:endParaRPr lang="zh-CN" altLang="en-US" dirty="0"/>
+          </a:p>
+        </p:txBody>
+      </p:sp>
+      <p:sp>
+        <p:nvSpPr>
+          <p:cNvPr id="8" name="文本框 7">
+            <a:extLst>
+              <a:ext uri="{FF2B5EF4-FFF2-40B4-BE49-F238E27FC236}">
+                <a16:creationId xmlns:a16="http://schemas.microsoft.com/office/drawing/2014/main" id="{5499DBAF-3AE2-C7F4-BADB-65AF99C03F53}"/>
+              </a:ext>
+            </a:extLst>
+          </p:cNvPr>
+          <p:cNvSpPr txBox="1"/>
+          <p:nvPr/>
+        </p:nvSpPr>
+        <p:spPr>
+          <a:xfrm>
+            <a:off x="0" y="3052603"/>
+            <a:ext cx="825910" cy="371479"/>
+          </a:xfrm>
+          <a:prstGeom prst="rect">
+            <a:avLst/>
+          </a:prstGeom>
+          <a:noFill/>
+        </p:spPr>
+        <p:txBody>
+          <a:bodyPr wrap="square">
+            <a:spAutoFit/>
+          </a:bodyPr>
+          <a:lstStyle/>
+          <a:p>
+            <a:r>
+              <a:rPr lang="en-US" altLang="zh-CN" dirty="0">
+                <a:sym typeface="Wingdings" panose="05000000000000000000" pitchFamily="2" charset="2"/>
+              </a:rPr>
+              <a:t>VFS</a:t>
+            </a:r>
+            <a:endParaRPr lang="zh-CN" altLang="en-US" dirty="0"/>
+          </a:p>
+        </p:txBody>
+      </p:sp>
+      <p:sp>
+        <p:nvSpPr>
+          <p:cNvPr id="9" name="文本框 8">
+            <a:extLst>
+              <a:ext uri="{FF2B5EF4-FFF2-40B4-BE49-F238E27FC236}">
+                <a16:creationId xmlns:a16="http://schemas.microsoft.com/office/drawing/2014/main" id="{14BC6354-B450-9850-CF5F-A709496E9895}"/>
+              </a:ext>
+            </a:extLst>
+          </p:cNvPr>
+          <p:cNvSpPr txBox="1"/>
+          <p:nvPr/>
+        </p:nvSpPr>
+        <p:spPr>
+          <a:xfrm>
+            <a:off x="0" y="4732080"/>
+            <a:ext cx="1317523" cy="369332"/>
+          </a:xfrm>
+          <a:prstGeom prst="rect">
+            <a:avLst/>
+          </a:prstGeom>
+          <a:noFill/>
+        </p:spPr>
+        <p:txBody>
+          <a:bodyPr wrap="square">
+            <a:spAutoFit/>
+          </a:bodyPr>
+          <a:lstStyle/>
+          <a:p>
+            <a:r>
+              <a:rPr lang="en-US" altLang="zh-CN" dirty="0">
+                <a:sym typeface="Wingdings" panose="05000000000000000000" pitchFamily="2" charset="2"/>
+              </a:rPr>
+              <a:t>FS SERVER</a:t>
+            </a:r>
+            <a:endParaRPr lang="zh-CN" altLang="en-US" dirty="0"/>
+          </a:p>
+        </p:txBody>
+      </p:sp>
+      <p:sp>
+        <p:nvSpPr>
+          <p:cNvPr id="10" name="文本框 9">
+            <a:extLst>
+              <a:ext uri="{FF2B5EF4-FFF2-40B4-BE49-F238E27FC236}">
+                <a16:creationId xmlns:a16="http://schemas.microsoft.com/office/drawing/2014/main" id="{A1118ECD-4C16-4EAC-587B-5845F2638C3B}"/>
+              </a:ext>
+            </a:extLst>
+          </p:cNvPr>
+          <p:cNvSpPr txBox="1"/>
+          <p:nvPr/>
+        </p:nvSpPr>
+        <p:spPr>
+          <a:xfrm>
+            <a:off x="5131208" y="1984119"/>
+            <a:ext cx="2492477" cy="369332"/>
+          </a:xfrm>
+          <a:prstGeom prst="rect">
+            <a:avLst/>
+          </a:prstGeom>
+        </p:spPr>
+        <p:style>
+          <a:lnRef idx="2">
+            <a:schemeClr val="accent5"/>
+          </a:lnRef>
+          <a:fillRef idx="1">
+            <a:schemeClr val="lt1"/>
+          </a:fillRef>
+          <a:effectRef idx="0">
+            <a:schemeClr val="accent5"/>
+          </a:effectRef>
+          <a:fontRef idx="minor">
+            <a:schemeClr val="dk1"/>
+          </a:fontRef>
+        </p:style>
+        <p:txBody>
+          <a:bodyPr wrap="square">
+            <a:spAutoFit/>
+          </a:bodyPr>
+          <a:lstStyle/>
+          <a:p>
+            <a:pPr algn="ctr"/>
+            <a:r>
+              <a:rPr lang="en-US" altLang="zh-CN" dirty="0" err="1">
+                <a:sym typeface="Wingdings" panose="05000000000000000000" pitchFamily="2" charset="2"/>
+              </a:rPr>
+              <a:t>Syscall</a:t>
+            </a:r>
+            <a:r>
+              <a:rPr lang="en-US" altLang="zh-CN" dirty="0">
+                <a:sym typeface="Wingdings" panose="05000000000000000000" pitchFamily="2" charset="2"/>
+              </a:rPr>
+              <a:t>: </a:t>
+            </a:r>
+            <a:r>
+              <a:rPr lang="en-US" altLang="zh-CN" dirty="0" err="1">
+                <a:sym typeface="Wingdings" panose="05000000000000000000" pitchFamily="2" charset="2"/>
+              </a:rPr>
+              <a:t>fsconfig</a:t>
+            </a:r>
+            <a:r>
+              <a:rPr lang="en-US" altLang="zh-CN" dirty="0">
+                <a:sym typeface="Wingdings" panose="05000000000000000000" pitchFamily="2" charset="2"/>
+              </a:rPr>
+              <a:t>()</a:t>
+            </a:r>
+            <a:endParaRPr lang="zh-CN" altLang="en-US" dirty="0"/>
+          </a:p>
+        </p:txBody>
+      </p:sp>
+      <p:sp>
+        <p:nvSpPr>
+          <p:cNvPr id="11" name="文本框 10">
+            <a:extLst>
+              <a:ext uri="{FF2B5EF4-FFF2-40B4-BE49-F238E27FC236}">
+                <a16:creationId xmlns:a16="http://schemas.microsoft.com/office/drawing/2014/main" id="{78849FD9-464B-71B5-8452-B8D8B9AC33D7}"/>
+              </a:ext>
+            </a:extLst>
+          </p:cNvPr>
+          <p:cNvSpPr txBox="1"/>
+          <p:nvPr/>
+        </p:nvSpPr>
+        <p:spPr>
+          <a:xfrm>
+            <a:off x="5139811" y="2817917"/>
+            <a:ext cx="2492477" cy="369332"/>
+          </a:xfrm>
+          <a:prstGeom prst="rect">
+            <a:avLst/>
+          </a:prstGeom>
+        </p:spPr>
+        <p:style>
+          <a:lnRef idx="2">
+            <a:schemeClr val="accent5"/>
+          </a:lnRef>
+          <a:fillRef idx="1">
+            <a:schemeClr val="lt1"/>
+          </a:fillRef>
+          <a:effectRef idx="0">
+            <a:schemeClr val="accent5"/>
+          </a:effectRef>
+          <a:fontRef idx="minor">
+            <a:schemeClr val="dk1"/>
+          </a:fontRef>
+        </p:style>
+        <p:txBody>
+          <a:bodyPr wrap="square">
+            <a:spAutoFit/>
+          </a:bodyPr>
+          <a:lstStyle/>
+          <a:p>
+            <a:r>
+              <a:rPr lang="fr-FR" altLang="zh-CN" dirty="0"/>
+              <a:t>vfs_parse_fs_param</a:t>
+            </a:r>
+          </a:p>
+        </p:txBody>
+      </p:sp>
+      <p:sp>
+        <p:nvSpPr>
+          <p:cNvPr id="12" name="文本框 11">
+            <a:extLst>
+              <a:ext uri="{FF2B5EF4-FFF2-40B4-BE49-F238E27FC236}">
+                <a16:creationId xmlns:a16="http://schemas.microsoft.com/office/drawing/2014/main" id="{84402A00-DF5C-4795-8561-B7BE8223D8DA}"/>
+              </a:ext>
+            </a:extLst>
+          </p:cNvPr>
+          <p:cNvSpPr txBox="1"/>
+          <p:nvPr/>
+        </p:nvSpPr>
+        <p:spPr>
+          <a:xfrm>
+            <a:off x="1174954" y="5494697"/>
+            <a:ext cx="2492477" cy="369332"/>
+          </a:xfrm>
+          <a:prstGeom prst="rect">
+            <a:avLst/>
+          </a:prstGeom>
+        </p:spPr>
+        <p:style>
+          <a:lnRef idx="2">
+            <a:schemeClr val="accent5"/>
+          </a:lnRef>
+          <a:fillRef idx="1">
+            <a:schemeClr val="lt1"/>
+          </a:fillRef>
+          <a:effectRef idx="0">
+            <a:schemeClr val="accent5"/>
+          </a:effectRef>
+          <a:fontRef idx="minor">
+            <a:schemeClr val="dk1"/>
+          </a:fontRef>
+        </p:style>
+        <p:txBody>
+          <a:bodyPr wrap="square">
+            <a:spAutoFit/>
+          </a:bodyPr>
+          <a:lstStyle/>
+          <a:p>
+            <a:pPr algn="ctr"/>
+            <a:r>
+              <a:rPr lang="en-US" altLang="zh-CN" dirty="0">
+                <a:sym typeface="Wingdings" panose="05000000000000000000" pitchFamily="2" charset="2"/>
+              </a:rPr>
+              <a:t>Parse param</a:t>
+            </a:r>
+            <a:endParaRPr lang="zh-CN" altLang="en-US" dirty="0"/>
+          </a:p>
+        </p:txBody>
+      </p:sp>
+      <p:sp>
+        <p:nvSpPr>
+          <p:cNvPr id="13" name="文本框 12">
+            <a:extLst>
+              <a:ext uri="{FF2B5EF4-FFF2-40B4-BE49-F238E27FC236}">
+                <a16:creationId xmlns:a16="http://schemas.microsoft.com/office/drawing/2014/main" id="{1BAAB389-31A0-74BD-98C1-8BA115009147}"/>
+              </a:ext>
+            </a:extLst>
+          </p:cNvPr>
+          <p:cNvSpPr txBox="1"/>
+          <p:nvPr/>
+        </p:nvSpPr>
+        <p:spPr>
+          <a:xfrm>
+            <a:off x="4481049" y="3969462"/>
+            <a:ext cx="3792796" cy="369332"/>
+          </a:xfrm>
+          <a:prstGeom prst="rect">
+            <a:avLst/>
+          </a:prstGeom>
+        </p:spPr>
+        <p:style>
+          <a:lnRef idx="2">
+            <a:schemeClr val="accent5"/>
+          </a:lnRef>
+          <a:fillRef idx="1">
+            <a:schemeClr val="lt1"/>
+          </a:fillRef>
+          <a:effectRef idx="0">
+            <a:schemeClr val="accent5"/>
+          </a:effectRef>
+          <a:fontRef idx="minor">
+            <a:schemeClr val="dk1"/>
+          </a:fontRef>
+        </p:style>
+        <p:txBody>
+          <a:bodyPr wrap="square">
+            <a:spAutoFit/>
+          </a:bodyPr>
+          <a:lstStyle/>
+          <a:p>
+            <a:pPr algn="ctr"/>
+            <a:r>
+              <a:rPr lang="en-US" altLang="zh-CN" dirty="0" err="1">
+                <a:sym typeface="Wingdings" panose="05000000000000000000" pitchFamily="2" charset="2"/>
+              </a:rPr>
+              <a:t>fs_context</a:t>
+            </a:r>
+            <a:r>
+              <a:rPr lang="en-US" altLang="zh-CN" dirty="0">
+                <a:sym typeface="Wingdings" panose="05000000000000000000" pitchFamily="2" charset="2"/>
+              </a:rPr>
+              <a:t>-&gt;ops-&gt;</a:t>
+            </a:r>
+            <a:r>
+              <a:rPr lang="en-US" altLang="zh-CN" dirty="0" err="1">
+                <a:sym typeface="Wingdings" panose="05000000000000000000" pitchFamily="2" charset="2"/>
+              </a:rPr>
+              <a:t>parase_param</a:t>
+            </a:r>
+            <a:endParaRPr lang="zh-CN" altLang="en-US" dirty="0"/>
+          </a:p>
+        </p:txBody>
+      </p:sp>
+      <p:sp>
+        <p:nvSpPr>
+          <p:cNvPr id="14" name="文本框 13">
+            <a:extLst>
+              <a:ext uri="{FF2B5EF4-FFF2-40B4-BE49-F238E27FC236}">
+                <a16:creationId xmlns:a16="http://schemas.microsoft.com/office/drawing/2014/main" id="{8096C020-E052-0590-F729-38F20EF5FE78}"/>
+              </a:ext>
+            </a:extLst>
+          </p:cNvPr>
+          <p:cNvSpPr txBox="1"/>
+          <p:nvPr/>
+        </p:nvSpPr>
+        <p:spPr>
+          <a:xfrm>
+            <a:off x="4992329" y="5463665"/>
+            <a:ext cx="2492477" cy="369332"/>
+          </a:xfrm>
+          <a:prstGeom prst="rect">
+            <a:avLst/>
+          </a:prstGeom>
+        </p:spPr>
+        <p:style>
+          <a:lnRef idx="2">
+            <a:schemeClr val="accent5"/>
+          </a:lnRef>
+          <a:fillRef idx="1">
+            <a:schemeClr val="lt1"/>
+          </a:fillRef>
+          <a:effectRef idx="0">
+            <a:schemeClr val="accent5"/>
+          </a:effectRef>
+          <a:fontRef idx="minor">
+            <a:schemeClr val="dk1"/>
+          </a:fontRef>
+        </p:style>
+        <p:txBody>
+          <a:bodyPr wrap="square">
+            <a:spAutoFit/>
+          </a:bodyPr>
+          <a:lstStyle/>
+          <a:p>
+            <a:pPr algn="ctr"/>
+            <a:r>
+              <a:rPr lang="en-US" altLang="zh-CN" dirty="0">
+                <a:sym typeface="Wingdings" panose="05000000000000000000" pitchFamily="2" charset="2"/>
+              </a:rPr>
+              <a:t>Parse param</a:t>
+            </a:r>
+            <a:endParaRPr lang="zh-CN" altLang="en-US" dirty="0"/>
+          </a:p>
+        </p:txBody>
+      </p:sp>
+      <p:sp>
+        <p:nvSpPr>
+          <p:cNvPr id="15" name="文本框 14">
+            <a:extLst>
+              <a:ext uri="{FF2B5EF4-FFF2-40B4-BE49-F238E27FC236}">
+                <a16:creationId xmlns:a16="http://schemas.microsoft.com/office/drawing/2014/main" id="{07A25D85-C441-1F2B-7A3C-2A3A52B03035}"/>
+              </a:ext>
+            </a:extLst>
+          </p:cNvPr>
+          <p:cNvSpPr txBox="1"/>
+          <p:nvPr/>
+        </p:nvSpPr>
+        <p:spPr>
+          <a:xfrm>
+            <a:off x="8273845" y="5494697"/>
+            <a:ext cx="2492477" cy="369332"/>
+          </a:xfrm>
+          <a:prstGeom prst="rect">
+            <a:avLst/>
+          </a:prstGeom>
+        </p:spPr>
+        <p:style>
+          <a:lnRef idx="2">
+            <a:schemeClr val="accent5"/>
+          </a:lnRef>
+          <a:fillRef idx="1">
+            <a:schemeClr val="lt1"/>
+          </a:fillRef>
+          <a:effectRef idx="0">
+            <a:schemeClr val="accent5"/>
+          </a:effectRef>
+          <a:fontRef idx="minor">
+            <a:schemeClr val="dk1"/>
+          </a:fontRef>
+        </p:style>
+        <p:txBody>
+          <a:bodyPr wrap="square">
+            <a:spAutoFit/>
+          </a:bodyPr>
+          <a:lstStyle/>
+          <a:p>
+            <a:pPr algn="ctr"/>
+            <a:r>
+              <a:rPr lang="en-US" altLang="zh-CN" dirty="0">
+                <a:sym typeface="Wingdings" panose="05000000000000000000" pitchFamily="2" charset="2"/>
+              </a:rPr>
+              <a:t>Parse param</a:t>
+            </a:r>
+            <a:endParaRPr lang="zh-CN" altLang="en-US" dirty="0"/>
+          </a:p>
+        </p:txBody>
+      </p:sp>
+      <p:cxnSp>
+        <p:nvCxnSpPr>
+          <p:cNvPr id="17" name="直接箭头连接符 16">
+            <a:extLst>
+              <a:ext uri="{FF2B5EF4-FFF2-40B4-BE49-F238E27FC236}">
+                <a16:creationId xmlns:a16="http://schemas.microsoft.com/office/drawing/2014/main" id="{359BB63E-A881-19C7-51C2-E1CF6F8B3900}"/>
+              </a:ext>
+            </a:extLst>
+          </p:cNvPr>
+          <p:cNvCxnSpPr>
+            <a:cxnSpLocks/>
+            <a:stCxn id="10" idx="2"/>
+          </p:cNvCxnSpPr>
+          <p:nvPr/>
+        </p:nvCxnSpPr>
+        <p:spPr>
+          <a:xfrm>
+            <a:off x="6377447" y="2353451"/>
+            <a:ext cx="0" cy="429249"/>
+          </a:xfrm>
+          <a:prstGeom prst="straightConnector1">
+            <a:avLst/>
+          </a:prstGeom>
+          <a:ln>
+            <a:tailEnd type="triangle"/>
+          </a:ln>
+        </p:spPr>
+        <p:style>
+          <a:lnRef idx="1">
+            <a:schemeClr val="accent1"/>
+          </a:lnRef>
+          <a:fillRef idx="0">
+            <a:schemeClr val="accent1"/>
+          </a:fillRef>
+          <a:effectRef idx="0">
+            <a:schemeClr val="accent1"/>
+          </a:effectRef>
+          <a:fontRef idx="minor">
+            <a:schemeClr val="tx1"/>
+          </a:fontRef>
+        </p:style>
+      </p:cxnSp>
+      <p:cxnSp>
+        <p:nvCxnSpPr>
+          <p:cNvPr id="20" name="直接箭头连接符 19">
+            <a:extLst>
+              <a:ext uri="{FF2B5EF4-FFF2-40B4-BE49-F238E27FC236}">
+                <a16:creationId xmlns:a16="http://schemas.microsoft.com/office/drawing/2014/main" id="{53539025-9013-088C-53A0-F0E2E09525E0}"/>
+              </a:ext>
+            </a:extLst>
+          </p:cNvPr>
+          <p:cNvCxnSpPr>
+            <a:cxnSpLocks/>
+          </p:cNvCxnSpPr>
+          <p:nvPr/>
+        </p:nvCxnSpPr>
+        <p:spPr>
+          <a:xfrm>
+            <a:off x="6386050" y="3182891"/>
+            <a:ext cx="0" cy="786571"/>
+          </a:xfrm>
+          <a:prstGeom prst="straightConnector1">
+            <a:avLst/>
+          </a:prstGeom>
+          <a:ln>
+            <a:tailEnd type="triangle"/>
+          </a:ln>
+        </p:spPr>
+        <p:style>
+          <a:lnRef idx="1">
+            <a:schemeClr val="accent1"/>
+          </a:lnRef>
+          <a:fillRef idx="0">
+            <a:schemeClr val="accent1"/>
+          </a:fillRef>
+          <a:effectRef idx="0">
+            <a:schemeClr val="accent1"/>
+          </a:effectRef>
+          <a:fontRef idx="minor">
+            <a:schemeClr val="tx1"/>
+          </a:fontRef>
+        </p:style>
+      </p:cxnSp>
+      <p:cxnSp>
+        <p:nvCxnSpPr>
+          <p:cNvPr id="24" name="直接箭头连接符 23">
+            <a:extLst>
+              <a:ext uri="{FF2B5EF4-FFF2-40B4-BE49-F238E27FC236}">
+                <a16:creationId xmlns:a16="http://schemas.microsoft.com/office/drawing/2014/main" id="{064B4C4F-87D6-E980-4935-F3E9CB7D52A0}"/>
+              </a:ext>
+            </a:extLst>
+          </p:cNvPr>
+          <p:cNvCxnSpPr>
+            <a:cxnSpLocks/>
+            <a:endCxn id="12" idx="0"/>
+          </p:cNvCxnSpPr>
+          <p:nvPr/>
+        </p:nvCxnSpPr>
+        <p:spPr>
+          <a:xfrm flipH="1">
+            <a:off x="2421193" y="4431126"/>
+            <a:ext cx="3167215" cy="1063571"/>
+          </a:xfrm>
+          <a:prstGeom prst="straightConnector1">
+            <a:avLst/>
+          </a:prstGeom>
+          <a:ln>
+            <a:tailEnd type="triangle"/>
+          </a:ln>
+        </p:spPr>
+        <p:style>
+          <a:lnRef idx="1">
+            <a:schemeClr val="accent1"/>
+          </a:lnRef>
+          <a:fillRef idx="0">
+            <a:schemeClr val="accent1"/>
+          </a:fillRef>
+          <a:effectRef idx="0">
+            <a:schemeClr val="accent1"/>
+          </a:effectRef>
+          <a:fontRef idx="minor">
+            <a:schemeClr val="tx1"/>
+          </a:fontRef>
+        </p:style>
+      </p:cxnSp>
+      <p:cxnSp>
+        <p:nvCxnSpPr>
+          <p:cNvPr id="27" name="直接箭头连接符 26">
+            <a:extLst>
+              <a:ext uri="{FF2B5EF4-FFF2-40B4-BE49-F238E27FC236}">
+                <a16:creationId xmlns:a16="http://schemas.microsoft.com/office/drawing/2014/main" id="{36B86E3E-71E8-3AE0-3642-5F1D7CC6A8A2}"/>
+              </a:ext>
+            </a:extLst>
+          </p:cNvPr>
+          <p:cNvCxnSpPr>
+            <a:cxnSpLocks/>
+          </p:cNvCxnSpPr>
+          <p:nvPr/>
+        </p:nvCxnSpPr>
+        <p:spPr>
+          <a:xfrm>
+            <a:off x="6377447" y="4434977"/>
+            <a:ext cx="0" cy="972765"/>
+          </a:xfrm>
+          <a:prstGeom prst="straightConnector1">
+            <a:avLst/>
+          </a:prstGeom>
+          <a:ln>
+            <a:tailEnd type="triangle"/>
+          </a:ln>
+        </p:spPr>
+        <p:style>
+          <a:lnRef idx="1">
+            <a:schemeClr val="accent1"/>
+          </a:lnRef>
+          <a:fillRef idx="0">
+            <a:schemeClr val="accent1"/>
+          </a:fillRef>
+          <a:effectRef idx="0">
+            <a:schemeClr val="accent1"/>
+          </a:effectRef>
+          <a:fontRef idx="minor">
+            <a:schemeClr val="tx1"/>
+          </a:fontRef>
+        </p:style>
+      </p:cxnSp>
+      <p:cxnSp>
+        <p:nvCxnSpPr>
+          <p:cNvPr id="30" name="直接箭头连接符 29">
+            <a:extLst>
+              <a:ext uri="{FF2B5EF4-FFF2-40B4-BE49-F238E27FC236}">
+                <a16:creationId xmlns:a16="http://schemas.microsoft.com/office/drawing/2014/main" id="{D9C814FA-B15D-8CC2-78BC-D95F4A240F2D}"/>
+              </a:ext>
+            </a:extLst>
+          </p:cNvPr>
+          <p:cNvCxnSpPr>
+            <a:cxnSpLocks/>
+          </p:cNvCxnSpPr>
+          <p:nvPr/>
+        </p:nvCxnSpPr>
+        <p:spPr>
+          <a:xfrm>
+            <a:off x="7420895" y="4403631"/>
+            <a:ext cx="2177848" cy="1088608"/>
+          </a:xfrm>
+          <a:prstGeom prst="straightConnector1">
+            <a:avLst/>
+          </a:prstGeom>
+          <a:ln>
+            <a:tailEnd type="triangle"/>
+          </a:ln>
+        </p:spPr>
+        <p:style>
+          <a:lnRef idx="1">
+            <a:schemeClr val="accent1"/>
+          </a:lnRef>
+          <a:fillRef idx="0">
+            <a:schemeClr val="accent1"/>
+          </a:fillRef>
+          <a:effectRef idx="0">
+            <a:schemeClr val="accent1"/>
+          </a:effectRef>
+          <a:fontRef idx="minor">
+            <a:schemeClr val="tx1"/>
+          </a:fontRef>
+        </p:style>
+      </p:cxnSp>
+      <p:sp>
+        <p:nvSpPr>
+          <p:cNvPr id="40" name="文本框 39">
+            <a:extLst>
+              <a:ext uri="{FF2B5EF4-FFF2-40B4-BE49-F238E27FC236}">
+                <a16:creationId xmlns:a16="http://schemas.microsoft.com/office/drawing/2014/main" id="{9715448A-6364-938C-03CE-79E6CAF92702}"/>
+              </a:ext>
+            </a:extLst>
+          </p:cNvPr>
+          <p:cNvSpPr txBox="1"/>
+          <p:nvPr/>
+        </p:nvSpPr>
+        <p:spPr>
+          <a:xfrm>
+            <a:off x="8015748" y="2818813"/>
+            <a:ext cx="2256504" cy="369332"/>
+          </a:xfrm>
+          <a:prstGeom prst="rect">
+            <a:avLst/>
+          </a:prstGeom>
+        </p:spPr>
+        <p:style>
+          <a:lnRef idx="2">
+            <a:schemeClr val="accent5"/>
+          </a:lnRef>
+          <a:fillRef idx="1">
+            <a:schemeClr val="lt1"/>
+          </a:fillRef>
+          <a:effectRef idx="0">
+            <a:schemeClr val="accent5"/>
+          </a:effectRef>
+          <a:fontRef idx="minor">
+            <a:schemeClr val="dk1"/>
+          </a:fontRef>
+        </p:style>
+        <p:txBody>
+          <a:bodyPr wrap="square">
+            <a:spAutoFit/>
+          </a:bodyPr>
+          <a:lstStyle/>
+          <a:p>
+            <a:r>
+              <a:rPr lang="fr-FR" altLang="zh-CN" dirty="0"/>
+              <a:t>vfs_parse_fs_string</a:t>
+            </a:r>
+          </a:p>
+        </p:txBody>
+      </p:sp>
+      <p:sp>
+        <p:nvSpPr>
+          <p:cNvPr id="41" name="文本框 40">
+            <a:extLst>
+              <a:ext uri="{FF2B5EF4-FFF2-40B4-BE49-F238E27FC236}">
+                <a16:creationId xmlns:a16="http://schemas.microsoft.com/office/drawing/2014/main" id="{B425D796-83F5-6D9A-A18D-5E2FA82D99E2}"/>
+              </a:ext>
+            </a:extLst>
+          </p:cNvPr>
+          <p:cNvSpPr txBox="1"/>
+          <p:nvPr/>
+        </p:nvSpPr>
+        <p:spPr>
+          <a:xfrm>
+            <a:off x="10766322" y="2820632"/>
+            <a:ext cx="1425678" cy="369332"/>
+          </a:xfrm>
+          <a:prstGeom prst="rect">
+            <a:avLst/>
+          </a:prstGeom>
+        </p:spPr>
+        <p:style>
+          <a:lnRef idx="2">
+            <a:schemeClr val="accent2"/>
+          </a:lnRef>
+          <a:fillRef idx="1">
+            <a:schemeClr val="lt1"/>
+          </a:fillRef>
+          <a:effectRef idx="0">
+            <a:schemeClr val="accent2"/>
+          </a:effectRef>
+          <a:fontRef idx="minor">
+            <a:schemeClr val="dk1"/>
+          </a:fontRef>
+        </p:style>
+        <p:txBody>
+          <a:bodyPr wrap="square">
+            <a:spAutoFit/>
+          </a:bodyPr>
+          <a:lstStyle/>
+          <a:p>
+            <a:r>
+              <a:rPr lang="fr-FR" altLang="zh-CN" dirty="0"/>
+              <a:t>other subsys</a:t>
+            </a:r>
+          </a:p>
+        </p:txBody>
+      </p:sp>
+      <p:cxnSp>
+        <p:nvCxnSpPr>
+          <p:cNvPr id="42" name="直接箭头连接符 41">
+            <a:extLst>
+              <a:ext uri="{FF2B5EF4-FFF2-40B4-BE49-F238E27FC236}">
+                <a16:creationId xmlns:a16="http://schemas.microsoft.com/office/drawing/2014/main" id="{E6C15717-0E38-7F7F-13CB-CAA1B54D3978}"/>
+              </a:ext>
+            </a:extLst>
+          </p:cNvPr>
+          <p:cNvCxnSpPr>
+            <a:cxnSpLocks/>
+            <a:stCxn id="41" idx="1"/>
+            <a:endCxn id="40" idx="3"/>
+          </p:cNvCxnSpPr>
+          <p:nvPr/>
+        </p:nvCxnSpPr>
+        <p:spPr>
+          <a:xfrm flipH="1">
+            <a:off x="10272252" y="3001757"/>
+            <a:ext cx="494070" cy="1722"/>
+          </a:xfrm>
+          <a:prstGeom prst="straightConnector1">
+            <a:avLst/>
+          </a:prstGeom>
+          <a:ln>
+            <a:tailEnd type="triangle"/>
+          </a:ln>
+        </p:spPr>
+        <p:style>
+          <a:lnRef idx="1">
+            <a:schemeClr val="accent1"/>
+          </a:lnRef>
+          <a:fillRef idx="0">
+            <a:schemeClr val="accent1"/>
+          </a:fillRef>
+          <a:effectRef idx="0">
+            <a:schemeClr val="accent1"/>
+          </a:effectRef>
+          <a:fontRef idx="minor">
+            <a:schemeClr val="tx1"/>
+          </a:fontRef>
+        </p:style>
+      </p:cxnSp>
+      <p:cxnSp>
+        <p:nvCxnSpPr>
+          <p:cNvPr id="47" name="直接箭头连接符 46">
+            <a:extLst>
+              <a:ext uri="{FF2B5EF4-FFF2-40B4-BE49-F238E27FC236}">
+                <a16:creationId xmlns:a16="http://schemas.microsoft.com/office/drawing/2014/main" id="{CCE8243F-34E3-545A-EF2E-22E7C260EF7D}"/>
+              </a:ext>
+            </a:extLst>
+          </p:cNvPr>
+          <p:cNvCxnSpPr>
+            <a:cxnSpLocks/>
+            <a:stCxn id="40" idx="1"/>
+            <a:endCxn id="11" idx="3"/>
+          </p:cNvCxnSpPr>
+          <p:nvPr/>
+        </p:nvCxnSpPr>
+        <p:spPr>
+          <a:xfrm flipH="1" flipV="1">
+            <a:off x="7632288" y="3002583"/>
+            <a:ext cx="383460" cy="896"/>
+          </a:xfrm>
+          <a:prstGeom prst="straightConnector1">
+            <a:avLst/>
+          </a:prstGeom>
+          <a:ln>
+            <a:tailEnd type="triangle"/>
+          </a:ln>
+        </p:spPr>
+        <p:style>
+          <a:lnRef idx="1">
+            <a:schemeClr val="accent1"/>
+          </a:lnRef>
+          <a:fillRef idx="0">
+            <a:schemeClr val="accent1"/>
+          </a:fillRef>
+          <a:effectRef idx="0">
+            <a:schemeClr val="accent1"/>
+          </a:effectRef>
+          <a:fontRef idx="minor">
+            <a:schemeClr val="tx1"/>
+          </a:fontRef>
+        </p:style>
+      </p:cxnSp>
+    </p:spTree>
+    <p:extLst>
+      <p:ext uri="{BB962C8B-B14F-4D97-AF65-F5344CB8AC3E}">
+        <p14:creationId xmlns:p14="http://schemas.microsoft.com/office/powerpoint/2010/main" val="1110824149"/>
+      </p:ext>
+    </p:extLst>
+  </p:cSld>
+  <p:clrMapOvr>
+    <a:masterClrMapping/>
+  </p:clrMapOvr>
+</p:sld>
+</file>
+
+<file path=ppt/slides/slide7.xml><?xml version="1.0" encoding="utf-8"?>
+<p:sld xmlns:a="http://schemas.openxmlformats.org/drawingml/2006/main" xmlns:r="http://schemas.openxmlformats.org/officeDocument/2006/relationships" xmlns:p="http://schemas.openxmlformats.org/presentationml/2006/main">
+  <p:cSld>
+    <p:spTree>
+      <p:nvGrpSpPr>
+        <p:cNvPr id="1" name="">
+          <a:extLst>
+            <a:ext uri="{FF2B5EF4-FFF2-40B4-BE49-F238E27FC236}">
+              <a16:creationId xmlns:a16="http://schemas.microsoft.com/office/drawing/2014/main" id="{A329F47A-C484-E8A6-6760-9A7810CE1BBB}"/>
+            </a:ext>
+          </a:extLst>
+        </p:cNvPr>
+        <p:cNvGrpSpPr/>
+        <p:nvPr/>
+      </p:nvGrpSpPr>
+      <p:grpSpPr>
+        <a:xfrm>
+          <a:off x="0" y="0"/>
+          <a:ext cx="0" cy="0"/>
+          <a:chOff x="0" y="0"/>
+          <a:chExt cx="0" cy="0"/>
+        </a:xfrm>
+      </p:grpSpPr>
+      <p:sp>
+        <p:nvSpPr>
+          <p:cNvPr id="7" name="文本框 6">
+            <a:extLst>
+              <a:ext uri="{FF2B5EF4-FFF2-40B4-BE49-F238E27FC236}">
+                <a16:creationId xmlns:a16="http://schemas.microsoft.com/office/drawing/2014/main" id="{B0544977-B794-8C84-C614-A1C57B096D3A}"/>
+              </a:ext>
+            </a:extLst>
+          </p:cNvPr>
+          <p:cNvSpPr txBox="1"/>
+          <p:nvPr/>
+        </p:nvSpPr>
+        <p:spPr>
+          <a:xfrm>
+            <a:off x="271308" y="1358782"/>
+            <a:ext cx="1426909" cy="365791"/>
+          </a:xfrm>
+          <a:prstGeom prst="rect">
+            <a:avLst/>
+          </a:prstGeom>
+        </p:spPr>
+        <p:style>
+          <a:lnRef idx="2">
+            <a:schemeClr val="accent5"/>
+          </a:lnRef>
+          <a:fillRef idx="1">
+            <a:schemeClr val="lt1"/>
+          </a:fillRef>
+          <a:effectRef idx="0">
+            <a:schemeClr val="accent5"/>
+          </a:effectRef>
+          <a:fontRef idx="minor">
+            <a:schemeClr val="dk1"/>
+          </a:fontRef>
+        </p:style>
+        <p:txBody>
+          <a:bodyPr wrap="square">
+            <a:spAutoFit/>
+          </a:bodyPr>
+          <a:lstStyle/>
+          <a:p>
+            <a:r>
+              <a:rPr lang="fr-FR" altLang="zh-CN" dirty="0"/>
+              <a:t>file_systems</a:t>
+            </a:r>
+          </a:p>
+        </p:txBody>
+      </p:sp>
+      <p:sp>
+        <p:nvSpPr>
+          <p:cNvPr id="19" name="文本框 18">
+            <a:extLst>
+              <a:ext uri="{FF2B5EF4-FFF2-40B4-BE49-F238E27FC236}">
+                <a16:creationId xmlns:a16="http://schemas.microsoft.com/office/drawing/2014/main" id="{A18B1C06-BBFE-E99E-EBE7-3CE74D7E50C0}"/>
+              </a:ext>
+            </a:extLst>
+          </p:cNvPr>
+          <p:cNvSpPr txBox="1"/>
+          <p:nvPr/>
+        </p:nvSpPr>
+        <p:spPr>
+          <a:xfrm>
+            <a:off x="2448540" y="1348489"/>
+            <a:ext cx="1003506" cy="376084"/>
+          </a:xfrm>
+          <a:prstGeom prst="rect">
+            <a:avLst/>
+          </a:prstGeom>
+        </p:spPr>
+        <p:style>
+          <a:lnRef idx="2">
+            <a:schemeClr val="accent5"/>
+          </a:lnRef>
+          <a:fillRef idx="1">
+            <a:schemeClr val="lt1"/>
+          </a:fillRef>
+          <a:effectRef idx="0">
+            <a:schemeClr val="accent5"/>
+          </a:effectRef>
+          <a:fontRef idx="minor">
+            <a:schemeClr val="dk1"/>
+          </a:fontRef>
+        </p:style>
+        <p:txBody>
+          <a:bodyPr wrap="square">
+            <a:spAutoFit/>
+          </a:bodyPr>
+          <a:lstStyle/>
+          <a:p>
+            <a:pPr algn="ctr"/>
+            <a:r>
+              <a:rPr lang="fr-FR" altLang="zh-CN" dirty="0"/>
+              <a:t>tmpfs</a:t>
+            </a:r>
+          </a:p>
+        </p:txBody>
+      </p:sp>
+      <p:sp>
+        <p:nvSpPr>
+          <p:cNvPr id="21" name="文本框 20">
+            <a:extLst>
+              <a:ext uri="{FF2B5EF4-FFF2-40B4-BE49-F238E27FC236}">
+                <a16:creationId xmlns:a16="http://schemas.microsoft.com/office/drawing/2014/main" id="{E34A1669-288A-00AB-9A94-1CED2D8CC2B0}"/>
+              </a:ext>
+            </a:extLst>
+          </p:cNvPr>
+          <p:cNvSpPr txBox="1"/>
+          <p:nvPr/>
+        </p:nvSpPr>
+        <p:spPr>
+          <a:xfrm>
+            <a:off x="4590741" y="1348489"/>
+            <a:ext cx="1003506" cy="376084"/>
+          </a:xfrm>
+          <a:prstGeom prst="rect">
+            <a:avLst/>
+          </a:prstGeom>
+        </p:spPr>
+        <p:style>
+          <a:lnRef idx="2">
+            <a:schemeClr val="accent5"/>
+          </a:lnRef>
+          <a:fillRef idx="1">
+            <a:schemeClr val="lt1"/>
+          </a:fillRef>
+          <a:effectRef idx="0">
+            <a:schemeClr val="accent5"/>
+          </a:effectRef>
+          <a:fontRef idx="minor">
+            <a:schemeClr val="dk1"/>
+          </a:fontRef>
+        </p:style>
+        <p:txBody>
+          <a:bodyPr wrap="square">
+            <a:spAutoFit/>
+          </a:bodyPr>
+          <a:lstStyle/>
+          <a:p>
+            <a:pPr algn="ctr"/>
+            <a:r>
+              <a:rPr lang="fr-FR" altLang="zh-CN" dirty="0"/>
+              <a:t>procfs</a:t>
+            </a:r>
+          </a:p>
+        </p:txBody>
+      </p:sp>
+      <p:sp>
+        <p:nvSpPr>
+          <p:cNvPr id="22" name="文本框 21">
+            <a:extLst>
+              <a:ext uri="{FF2B5EF4-FFF2-40B4-BE49-F238E27FC236}">
+                <a16:creationId xmlns:a16="http://schemas.microsoft.com/office/drawing/2014/main" id="{AD2F043C-2C14-D7F0-5710-5D26DB9E2071}"/>
+              </a:ext>
+            </a:extLst>
+          </p:cNvPr>
+          <p:cNvSpPr txBox="1"/>
+          <p:nvPr/>
+        </p:nvSpPr>
+        <p:spPr>
+          <a:xfrm>
+            <a:off x="6326442" y="1348489"/>
+            <a:ext cx="1003506" cy="376084"/>
+          </a:xfrm>
+          <a:prstGeom prst="rect">
+            <a:avLst/>
+          </a:prstGeom>
+        </p:spPr>
+        <p:style>
+          <a:lnRef idx="2">
+            <a:schemeClr val="accent5"/>
+          </a:lnRef>
+          <a:fillRef idx="1">
+            <a:schemeClr val="lt1"/>
+          </a:fillRef>
+          <a:effectRef idx="0">
+            <a:schemeClr val="accent5"/>
+          </a:effectRef>
+          <a:fontRef idx="minor">
+            <a:schemeClr val="dk1"/>
+          </a:fontRef>
+        </p:style>
+        <p:txBody>
+          <a:bodyPr wrap="square">
+            <a:spAutoFit/>
+          </a:bodyPr>
+          <a:lstStyle/>
+          <a:p>
+            <a:pPr algn="ctr"/>
+            <a:r>
+              <a:rPr lang="fr-FR" altLang="zh-CN" dirty="0"/>
+              <a:t>ext4</a:t>
+            </a:r>
+          </a:p>
+        </p:txBody>
+      </p:sp>
+      <p:sp>
+        <p:nvSpPr>
+          <p:cNvPr id="8" name="文本框 7">
+            <a:extLst>
+              <a:ext uri="{FF2B5EF4-FFF2-40B4-BE49-F238E27FC236}">
+                <a16:creationId xmlns:a16="http://schemas.microsoft.com/office/drawing/2014/main" id="{6FCD1F56-4CB5-ADB2-0C6F-F63E3D9E7674}"/>
+              </a:ext>
+            </a:extLst>
+          </p:cNvPr>
+          <p:cNvSpPr txBox="1"/>
+          <p:nvPr/>
+        </p:nvSpPr>
+        <p:spPr>
+          <a:xfrm>
+            <a:off x="2476189" y="2551837"/>
+            <a:ext cx="5399447" cy="1754326"/>
+          </a:xfrm>
+          <a:prstGeom prst="rect">
+            <a:avLst/>
+          </a:prstGeom>
+        </p:spPr>
+        <p:style>
+          <a:lnRef idx="2">
+            <a:schemeClr val="accent5"/>
+          </a:lnRef>
+          <a:fillRef idx="1">
+            <a:schemeClr val="lt1"/>
+          </a:fillRef>
+          <a:effectRef idx="0">
+            <a:schemeClr val="accent5"/>
+          </a:effectRef>
+          <a:fontRef idx="minor">
+            <a:schemeClr val="dk1"/>
+          </a:fontRef>
+        </p:style>
+        <p:txBody>
+          <a:bodyPr wrap="square">
+            <a:spAutoFit/>
+          </a:bodyPr>
+          <a:lstStyle/>
+          <a:p>
+            <a:r>
+              <a:rPr lang="fr-FR" altLang="zh-CN" dirty="0"/>
+              <a:t>struct file_system_type {</a:t>
+            </a:r>
+          </a:p>
+          <a:p>
+            <a:r>
+              <a:rPr lang="fr-FR" altLang="zh-CN" dirty="0"/>
+              <a:t> name = </a:t>
+            </a:r>
+            <a:r>
+              <a:rPr lang="zh-CN" altLang="en-US" dirty="0"/>
+              <a:t>“</a:t>
+            </a:r>
+            <a:r>
+              <a:rPr lang="fr-FR" altLang="zh-CN" dirty="0"/>
+              <a:t>tmpfs</a:t>
+            </a:r>
+            <a:r>
+              <a:rPr lang="zh-CN" altLang="en-US" dirty="0"/>
+              <a:t>”</a:t>
+            </a:r>
+            <a:r>
+              <a:rPr lang="en-US" altLang="zh-CN" dirty="0"/>
+              <a:t>,</a:t>
+            </a:r>
+          </a:p>
+          <a:p>
+            <a:r>
+              <a:rPr lang="en-US" altLang="zh-CN" dirty="0"/>
+              <a:t> </a:t>
+            </a:r>
+            <a:r>
+              <a:rPr lang="fr-FR" altLang="zh-CN" dirty="0"/>
+              <a:t>fs_flags = </a:t>
+            </a:r>
+            <a:r>
+              <a:rPr lang="en-US" altLang="zh-CN" dirty="0"/>
+              <a:t>FS_USERNS_MOUNT | FS_ALLOW_IDMAP</a:t>
+            </a:r>
+          </a:p>
+          <a:p>
+            <a:r>
+              <a:rPr lang="fr-FR" altLang="zh-CN" dirty="0"/>
+              <a:t> parameters = shmem_fs_parameters</a:t>
+            </a:r>
+          </a:p>
+          <a:p>
+            <a:r>
+              <a:rPr lang="fr-FR" altLang="zh-CN" dirty="0"/>
+              <a:t> init_fs_context = shmem_init_fs_context</a:t>
+            </a:r>
+          </a:p>
+          <a:p>
+            <a:r>
+              <a:rPr lang="fr-FR" altLang="zh-CN" dirty="0"/>
+              <a:t> fs_supers </a:t>
+            </a:r>
+          </a:p>
+        </p:txBody>
+      </p:sp>
+      <p:cxnSp>
+        <p:nvCxnSpPr>
+          <p:cNvPr id="9" name="直接箭头连接符 8">
+            <a:extLst>
+              <a:ext uri="{FF2B5EF4-FFF2-40B4-BE49-F238E27FC236}">
+                <a16:creationId xmlns:a16="http://schemas.microsoft.com/office/drawing/2014/main" id="{6383E312-55A9-03B1-23FC-C27AB18FF3F6}"/>
+              </a:ext>
+            </a:extLst>
+          </p:cNvPr>
+          <p:cNvCxnSpPr>
+            <a:cxnSpLocks/>
+          </p:cNvCxnSpPr>
+          <p:nvPr/>
+        </p:nvCxnSpPr>
+        <p:spPr>
+          <a:xfrm>
+            <a:off x="2856270" y="1727491"/>
+            <a:ext cx="0" cy="824344"/>
+          </a:xfrm>
+          <a:prstGeom prst="straightConnector1">
+            <a:avLst/>
+          </a:prstGeom>
+          <a:ln>
+            <a:tailEnd type="triangle"/>
+          </a:ln>
+        </p:spPr>
+        <p:style>
+          <a:lnRef idx="1">
+            <a:schemeClr val="accent1"/>
+          </a:lnRef>
+          <a:fillRef idx="0">
+            <a:schemeClr val="accent1"/>
+          </a:fillRef>
+          <a:effectRef idx="0">
+            <a:schemeClr val="accent1"/>
+          </a:effectRef>
+          <a:fontRef idx="minor">
+            <a:schemeClr val="tx1"/>
+          </a:fontRef>
+        </p:style>
+      </p:cxnSp>
+      <p:cxnSp>
+        <p:nvCxnSpPr>
+          <p:cNvPr id="11" name="直接箭头连接符 10">
+            <a:extLst>
+              <a:ext uri="{FF2B5EF4-FFF2-40B4-BE49-F238E27FC236}">
+                <a16:creationId xmlns:a16="http://schemas.microsoft.com/office/drawing/2014/main" id="{D223E904-519F-EB1A-F04F-5312C20C0E39}"/>
+              </a:ext>
+            </a:extLst>
+          </p:cNvPr>
+          <p:cNvCxnSpPr>
+            <a:cxnSpLocks/>
+          </p:cNvCxnSpPr>
+          <p:nvPr/>
+        </p:nvCxnSpPr>
+        <p:spPr>
+          <a:xfrm>
+            <a:off x="3760835" y="1449661"/>
+            <a:ext cx="422788" cy="0"/>
+          </a:xfrm>
+          <a:prstGeom prst="straightConnector1">
+            <a:avLst/>
+          </a:prstGeom>
+          <a:ln>
+            <a:tailEnd type="triangle"/>
+          </a:ln>
+        </p:spPr>
+        <p:style>
+          <a:lnRef idx="1">
+            <a:schemeClr val="accent1"/>
+          </a:lnRef>
+          <a:fillRef idx="0">
+            <a:schemeClr val="accent1"/>
+          </a:fillRef>
+          <a:effectRef idx="0">
+            <a:schemeClr val="accent1"/>
+          </a:effectRef>
+          <a:fontRef idx="minor">
+            <a:schemeClr val="tx1"/>
+          </a:fontRef>
+        </p:style>
+      </p:cxnSp>
+      <p:cxnSp>
+        <p:nvCxnSpPr>
+          <p:cNvPr id="13" name="直接箭头连接符 12">
+            <a:extLst>
+              <a:ext uri="{FF2B5EF4-FFF2-40B4-BE49-F238E27FC236}">
+                <a16:creationId xmlns:a16="http://schemas.microsoft.com/office/drawing/2014/main" id="{7B1423BD-55CD-F9CB-A1E0-FDEB3B85CD29}"/>
+              </a:ext>
+            </a:extLst>
+          </p:cNvPr>
+          <p:cNvCxnSpPr>
+            <a:cxnSpLocks/>
+          </p:cNvCxnSpPr>
+          <p:nvPr/>
+        </p:nvCxnSpPr>
+        <p:spPr>
+          <a:xfrm flipH="1">
+            <a:off x="3712286" y="1595000"/>
+            <a:ext cx="471337" cy="0"/>
+          </a:xfrm>
+          <a:prstGeom prst="straightConnector1">
+            <a:avLst/>
+          </a:prstGeom>
+          <a:ln>
+            <a:tailEnd type="triangle"/>
+          </a:ln>
+        </p:spPr>
+        <p:style>
+          <a:lnRef idx="1">
+            <a:schemeClr val="accent1"/>
+          </a:lnRef>
+          <a:fillRef idx="0">
+            <a:schemeClr val="accent1"/>
+          </a:fillRef>
+          <a:effectRef idx="0">
+            <a:schemeClr val="accent1"/>
+          </a:effectRef>
+          <a:fontRef idx="minor">
+            <a:schemeClr val="tx1"/>
+          </a:fontRef>
+        </p:style>
+      </p:cxnSp>
+      <p:sp>
+        <p:nvSpPr>
+          <p:cNvPr id="25" name="文本框 24">
+            <a:extLst>
+              <a:ext uri="{FF2B5EF4-FFF2-40B4-BE49-F238E27FC236}">
+                <a16:creationId xmlns:a16="http://schemas.microsoft.com/office/drawing/2014/main" id="{1DD6271C-74F5-9E77-FD56-91C6601431A0}"/>
+              </a:ext>
+            </a:extLst>
+          </p:cNvPr>
+          <p:cNvSpPr txBox="1"/>
+          <p:nvPr/>
+        </p:nvSpPr>
+        <p:spPr>
+          <a:xfrm>
+            <a:off x="8600455" y="3928376"/>
+            <a:ext cx="2460834" cy="369325"/>
+          </a:xfrm>
+          <a:prstGeom prst="rect">
+            <a:avLst/>
+          </a:prstGeom>
+        </p:spPr>
+        <p:style>
+          <a:lnRef idx="2">
+            <a:schemeClr val="accent5"/>
+          </a:lnRef>
+          <a:fillRef idx="1">
+            <a:schemeClr val="lt1"/>
+          </a:fillRef>
+          <a:effectRef idx="0">
+            <a:schemeClr val="accent5"/>
+          </a:effectRef>
+          <a:fontRef idx="minor">
+            <a:schemeClr val="dk1"/>
+          </a:fontRef>
+        </p:style>
+        <p:txBody>
+          <a:bodyPr wrap="square">
+            <a:spAutoFit/>
+          </a:bodyPr>
+          <a:lstStyle/>
+          <a:p>
+            <a:r>
+              <a:rPr lang="fr-FR" altLang="zh-CN" dirty="0"/>
+              <a:t>struct super_block {</a:t>
+            </a:r>
+            <a:r>
+              <a:rPr lang="en-US" altLang="zh-CN" dirty="0"/>
+              <a:t>}</a:t>
+            </a:r>
+            <a:endParaRPr lang="fr-FR" altLang="zh-CN" dirty="0"/>
+          </a:p>
+        </p:txBody>
+      </p:sp>
+      <p:cxnSp>
+        <p:nvCxnSpPr>
+          <p:cNvPr id="27" name="直接箭头连接符 26">
+            <a:extLst>
+              <a:ext uri="{FF2B5EF4-FFF2-40B4-BE49-F238E27FC236}">
+                <a16:creationId xmlns:a16="http://schemas.microsoft.com/office/drawing/2014/main" id="{93374890-C975-A00B-8D2F-0C2D32777D60}"/>
+              </a:ext>
+            </a:extLst>
+          </p:cNvPr>
+          <p:cNvCxnSpPr>
+            <a:cxnSpLocks/>
+          </p:cNvCxnSpPr>
+          <p:nvPr/>
+        </p:nvCxnSpPr>
+        <p:spPr>
+          <a:xfrm>
+            <a:off x="3800776" y="4142539"/>
+            <a:ext cx="4645134" cy="0"/>
+          </a:xfrm>
+          <a:prstGeom prst="straightConnector1">
+            <a:avLst/>
+          </a:prstGeom>
+          <a:ln>
+            <a:tailEnd type="triangle"/>
+          </a:ln>
+        </p:spPr>
+        <p:style>
+          <a:lnRef idx="1">
+            <a:schemeClr val="accent1"/>
+          </a:lnRef>
+          <a:fillRef idx="0">
+            <a:schemeClr val="accent1"/>
+          </a:fillRef>
+          <a:effectRef idx="0">
+            <a:schemeClr val="accent1"/>
+          </a:effectRef>
+          <a:fontRef idx="minor">
+            <a:schemeClr val="tx1"/>
+          </a:fontRef>
+        </p:style>
+      </p:cxnSp>
+      <p:sp>
+        <p:nvSpPr>
+          <p:cNvPr id="30" name="文本框 29">
+            <a:extLst>
+              <a:ext uri="{FF2B5EF4-FFF2-40B4-BE49-F238E27FC236}">
+                <a16:creationId xmlns:a16="http://schemas.microsoft.com/office/drawing/2014/main" id="{93A22C41-7025-0456-4BF2-39DE0721F5B9}"/>
+              </a:ext>
+            </a:extLst>
+          </p:cNvPr>
+          <p:cNvSpPr txBox="1"/>
+          <p:nvPr/>
+        </p:nvSpPr>
+        <p:spPr>
+          <a:xfrm>
+            <a:off x="8752855" y="4080776"/>
+            <a:ext cx="2460834" cy="369325"/>
+          </a:xfrm>
+          <a:prstGeom prst="rect">
+            <a:avLst/>
+          </a:prstGeom>
+        </p:spPr>
+        <p:style>
+          <a:lnRef idx="2">
+            <a:schemeClr val="accent5"/>
+          </a:lnRef>
+          <a:fillRef idx="1">
+            <a:schemeClr val="lt1"/>
+          </a:fillRef>
+          <a:effectRef idx="0">
+            <a:schemeClr val="accent5"/>
+          </a:effectRef>
+          <a:fontRef idx="minor">
+            <a:schemeClr val="dk1"/>
+          </a:fontRef>
+        </p:style>
+        <p:txBody>
+          <a:bodyPr wrap="square">
+            <a:spAutoFit/>
+          </a:bodyPr>
+          <a:lstStyle/>
+          <a:p>
+            <a:r>
+              <a:rPr lang="fr-FR" altLang="zh-CN" dirty="0"/>
+              <a:t>struct super_block {</a:t>
+            </a:r>
+            <a:r>
+              <a:rPr lang="en-US" altLang="zh-CN" dirty="0"/>
+              <a:t>}</a:t>
+            </a:r>
+            <a:endParaRPr lang="fr-FR" altLang="zh-CN" dirty="0"/>
+          </a:p>
+        </p:txBody>
+      </p:sp>
+      <p:sp>
+        <p:nvSpPr>
+          <p:cNvPr id="31" name="文本框 30">
+            <a:extLst>
+              <a:ext uri="{FF2B5EF4-FFF2-40B4-BE49-F238E27FC236}">
+                <a16:creationId xmlns:a16="http://schemas.microsoft.com/office/drawing/2014/main" id="{3313BCEA-570D-E884-392A-D4E832D7F9A2}"/>
+              </a:ext>
+            </a:extLst>
+          </p:cNvPr>
+          <p:cNvSpPr txBox="1"/>
+          <p:nvPr/>
+        </p:nvSpPr>
+        <p:spPr>
+          <a:xfrm>
+            <a:off x="8905255" y="4233176"/>
+            <a:ext cx="2460834" cy="369325"/>
+          </a:xfrm>
+          <a:prstGeom prst="rect">
+            <a:avLst/>
+          </a:prstGeom>
+        </p:spPr>
+        <p:style>
+          <a:lnRef idx="2">
+            <a:schemeClr val="accent5"/>
+          </a:lnRef>
+          <a:fillRef idx="1">
+            <a:schemeClr val="lt1"/>
+          </a:fillRef>
+          <a:effectRef idx="0">
+            <a:schemeClr val="accent5"/>
+          </a:effectRef>
+          <a:fontRef idx="minor">
+            <a:schemeClr val="dk1"/>
+          </a:fontRef>
+        </p:style>
+        <p:txBody>
+          <a:bodyPr wrap="square">
+            <a:spAutoFit/>
+          </a:bodyPr>
+          <a:lstStyle/>
+          <a:p>
+            <a:r>
+              <a:rPr lang="fr-FR" altLang="zh-CN" dirty="0"/>
+              <a:t>struct super_block {</a:t>
+            </a:r>
+            <a:r>
+              <a:rPr lang="en-US" altLang="zh-CN" dirty="0"/>
+              <a:t>}</a:t>
+            </a:r>
+            <a:endParaRPr lang="fr-FR" altLang="zh-CN" dirty="0"/>
+          </a:p>
+        </p:txBody>
+      </p:sp>
+      <p:sp>
+        <p:nvSpPr>
+          <p:cNvPr id="32" name="文本框 31">
+            <a:extLst>
+              <a:ext uri="{FF2B5EF4-FFF2-40B4-BE49-F238E27FC236}">
+                <a16:creationId xmlns:a16="http://schemas.microsoft.com/office/drawing/2014/main" id="{1E08F4AF-735B-73C3-9D6C-72E1E4775C32}"/>
+              </a:ext>
+            </a:extLst>
+          </p:cNvPr>
+          <p:cNvSpPr txBox="1"/>
+          <p:nvPr/>
+        </p:nvSpPr>
+        <p:spPr>
+          <a:xfrm>
+            <a:off x="9057655" y="4385576"/>
+            <a:ext cx="2460834" cy="369325"/>
+          </a:xfrm>
+          <a:prstGeom prst="rect">
+            <a:avLst/>
+          </a:prstGeom>
+        </p:spPr>
+        <p:style>
+          <a:lnRef idx="2">
+            <a:schemeClr val="accent5"/>
+          </a:lnRef>
+          <a:fillRef idx="1">
+            <a:schemeClr val="lt1"/>
+          </a:fillRef>
+          <a:effectRef idx="0">
+            <a:schemeClr val="accent5"/>
+          </a:effectRef>
+          <a:fontRef idx="minor">
+            <a:schemeClr val="dk1"/>
+          </a:fontRef>
+        </p:style>
+        <p:txBody>
+          <a:bodyPr wrap="square">
+            <a:spAutoFit/>
+          </a:bodyPr>
+          <a:lstStyle/>
+          <a:p>
+            <a:r>
+              <a:rPr lang="fr-FR" altLang="zh-CN" dirty="0"/>
+              <a:t>struct super_block {</a:t>
+            </a:r>
+            <a:r>
+              <a:rPr lang="en-US" altLang="zh-CN" dirty="0"/>
+              <a:t>}</a:t>
+            </a:r>
+            <a:endParaRPr lang="fr-FR" altLang="zh-CN" dirty="0"/>
+          </a:p>
+        </p:txBody>
+      </p:sp>
+      <p:cxnSp>
+        <p:nvCxnSpPr>
+          <p:cNvPr id="33" name="直接箭头连接符 32">
+            <a:extLst>
+              <a:ext uri="{FF2B5EF4-FFF2-40B4-BE49-F238E27FC236}">
+                <a16:creationId xmlns:a16="http://schemas.microsoft.com/office/drawing/2014/main" id="{3F7D6504-40BA-7D56-4970-E57A373D07B6}"/>
+              </a:ext>
+            </a:extLst>
+          </p:cNvPr>
+          <p:cNvCxnSpPr>
+            <a:cxnSpLocks/>
+          </p:cNvCxnSpPr>
+          <p:nvPr/>
+        </p:nvCxnSpPr>
+        <p:spPr>
+          <a:xfrm>
+            <a:off x="5667985" y="1449661"/>
+            <a:ext cx="422788" cy="0"/>
+          </a:xfrm>
+          <a:prstGeom prst="straightConnector1">
+            <a:avLst/>
+          </a:prstGeom>
+          <a:ln>
+            <a:tailEnd type="triangle"/>
+          </a:ln>
+        </p:spPr>
+        <p:style>
+          <a:lnRef idx="1">
+            <a:schemeClr val="accent1"/>
+          </a:lnRef>
+          <a:fillRef idx="0">
+            <a:schemeClr val="accent1"/>
+          </a:fillRef>
+          <a:effectRef idx="0">
+            <a:schemeClr val="accent1"/>
+          </a:effectRef>
+          <a:fontRef idx="minor">
+            <a:schemeClr val="tx1"/>
+          </a:fontRef>
+        </p:style>
+      </p:cxnSp>
+      <p:cxnSp>
+        <p:nvCxnSpPr>
+          <p:cNvPr id="35" name="直接箭头连接符 34">
+            <a:extLst>
+              <a:ext uri="{FF2B5EF4-FFF2-40B4-BE49-F238E27FC236}">
+                <a16:creationId xmlns:a16="http://schemas.microsoft.com/office/drawing/2014/main" id="{C4E47EFC-AA8F-2515-E75B-CF1B56ABEFAC}"/>
+              </a:ext>
+            </a:extLst>
+          </p:cNvPr>
+          <p:cNvCxnSpPr>
+            <a:cxnSpLocks/>
+          </p:cNvCxnSpPr>
+          <p:nvPr/>
+        </p:nvCxnSpPr>
+        <p:spPr>
+          <a:xfrm flipH="1">
+            <a:off x="5619436" y="1595000"/>
+            <a:ext cx="471337" cy="0"/>
+          </a:xfrm>
+          <a:prstGeom prst="straightConnector1">
+            <a:avLst/>
+          </a:prstGeom>
+          <a:ln>
+            <a:tailEnd type="triangle"/>
+          </a:ln>
+        </p:spPr>
+        <p:style>
+          <a:lnRef idx="1">
+            <a:schemeClr val="accent1"/>
+          </a:lnRef>
+          <a:fillRef idx="0">
+            <a:schemeClr val="accent1"/>
+          </a:fillRef>
+          <a:effectRef idx="0">
+            <a:schemeClr val="accent1"/>
+          </a:effectRef>
+          <a:fontRef idx="minor">
+            <a:schemeClr val="tx1"/>
+          </a:fontRef>
+        </p:style>
+      </p:cxnSp>
+      <p:cxnSp>
+        <p:nvCxnSpPr>
+          <p:cNvPr id="37" name="直接箭头连接符 36">
+            <a:extLst>
+              <a:ext uri="{FF2B5EF4-FFF2-40B4-BE49-F238E27FC236}">
+                <a16:creationId xmlns:a16="http://schemas.microsoft.com/office/drawing/2014/main" id="{5F3C484E-03E7-1AED-7277-229E856EA44F}"/>
+              </a:ext>
+            </a:extLst>
+          </p:cNvPr>
+          <p:cNvCxnSpPr>
+            <a:cxnSpLocks/>
+          </p:cNvCxnSpPr>
+          <p:nvPr/>
+        </p:nvCxnSpPr>
+        <p:spPr>
+          <a:xfrm>
+            <a:off x="1835256" y="1449661"/>
+            <a:ext cx="422788" cy="0"/>
+          </a:xfrm>
+          <a:prstGeom prst="straightConnector1">
+            <a:avLst/>
+          </a:prstGeom>
+          <a:ln>
+            <a:tailEnd type="triangle"/>
+          </a:ln>
+        </p:spPr>
+        <p:style>
+          <a:lnRef idx="1">
+            <a:schemeClr val="accent1"/>
+          </a:lnRef>
+          <a:fillRef idx="0">
+            <a:schemeClr val="accent1"/>
+          </a:fillRef>
+          <a:effectRef idx="0">
+            <a:schemeClr val="accent1"/>
+          </a:effectRef>
+          <a:fontRef idx="minor">
+            <a:schemeClr val="tx1"/>
+          </a:fontRef>
+        </p:style>
+      </p:cxnSp>
+      <p:cxnSp>
+        <p:nvCxnSpPr>
+          <p:cNvPr id="38" name="直接箭头连接符 37">
+            <a:extLst>
+              <a:ext uri="{FF2B5EF4-FFF2-40B4-BE49-F238E27FC236}">
+                <a16:creationId xmlns:a16="http://schemas.microsoft.com/office/drawing/2014/main" id="{344E61F5-7B1B-6C80-2095-5B471894BA89}"/>
+              </a:ext>
+            </a:extLst>
+          </p:cNvPr>
+          <p:cNvCxnSpPr>
+            <a:cxnSpLocks/>
+          </p:cNvCxnSpPr>
+          <p:nvPr/>
+        </p:nvCxnSpPr>
+        <p:spPr>
+          <a:xfrm flipH="1">
+            <a:off x="1786707" y="1595000"/>
+            <a:ext cx="471337" cy="0"/>
+          </a:xfrm>
+          <a:prstGeom prst="straightConnector1">
+            <a:avLst/>
+          </a:prstGeom>
+          <a:ln>
+            <a:tailEnd type="triangle"/>
+          </a:ln>
+        </p:spPr>
+        <p:style>
+          <a:lnRef idx="1">
+            <a:schemeClr val="accent1"/>
+          </a:lnRef>
+          <a:fillRef idx="0">
+            <a:schemeClr val="accent1"/>
+          </a:fillRef>
+          <a:effectRef idx="0">
+            <a:schemeClr val="accent1"/>
+          </a:effectRef>
+          <a:fontRef idx="minor">
+            <a:schemeClr val="tx1"/>
+          </a:fontRef>
+        </p:style>
+      </p:cxnSp>
+    </p:spTree>
+    <p:extLst>
+      <p:ext uri="{BB962C8B-B14F-4D97-AF65-F5344CB8AC3E}">
+        <p14:creationId xmlns:p14="http://schemas.microsoft.com/office/powerpoint/2010/main" val="4103016693"/>
+      </p:ext>
+    </p:extLst>
+  </p:cSld>
+  <p:clrMapOvr>
+    <a:masterClrMapping/>
+  </p:clrMapOvr>
+</p:sld>
+</file>
+
+<file path=ppt/slides/slide8.xml><?xml version="1.0" encoding="utf-8"?>
+<p:sld xmlns:a="http://schemas.openxmlformats.org/drawingml/2006/main" xmlns:r="http://schemas.openxmlformats.org/officeDocument/2006/relationships" xmlns:p="http://schemas.openxmlformats.org/presentationml/2006/main">
+  <p:cSld>
+    <p:spTree>
+      <p:nvGrpSpPr>
+        <p:cNvPr id="1" name="">
+          <a:extLst>
+            <a:ext uri="{FF2B5EF4-FFF2-40B4-BE49-F238E27FC236}">
+              <a16:creationId xmlns:a16="http://schemas.microsoft.com/office/drawing/2014/main" id="{31A02B38-98CF-A920-2E0E-E74521DA664F}"/>
+            </a:ext>
+          </a:extLst>
+        </p:cNvPr>
+        <p:cNvGrpSpPr/>
+        <p:nvPr/>
+      </p:nvGrpSpPr>
+      <p:grpSpPr>
+        <a:xfrm>
+          <a:off x="0" y="0"/>
+          <a:ext cx="0" cy="0"/>
+          <a:chOff x="0" y="0"/>
+          <a:chExt cx="0" cy="0"/>
+        </a:xfrm>
+      </p:grpSpPr>
+      <p:sp>
+        <p:nvSpPr>
+          <p:cNvPr id="3" name="文本框 2">
+            <a:extLst>
+              <a:ext uri="{FF2B5EF4-FFF2-40B4-BE49-F238E27FC236}">
+                <a16:creationId xmlns:a16="http://schemas.microsoft.com/office/drawing/2014/main" id="{B97645EB-D80A-A567-0406-641A5FDCA0E9}"/>
+              </a:ext>
+            </a:extLst>
+          </p:cNvPr>
+          <p:cNvSpPr txBox="1"/>
+          <p:nvPr/>
+        </p:nvSpPr>
+        <p:spPr>
+          <a:xfrm>
+            <a:off x="290052" y="566678"/>
+            <a:ext cx="4917360" cy="2862322"/>
+          </a:xfrm>
+          <a:prstGeom prst="rect">
+            <a:avLst/>
+          </a:prstGeom>
+        </p:spPr>
+        <p:style>
+          <a:lnRef idx="2">
+            <a:schemeClr val="accent5"/>
+          </a:lnRef>
+          <a:fillRef idx="1">
+            <a:schemeClr val="lt1"/>
+          </a:fillRef>
+          <a:effectRef idx="0">
+            <a:schemeClr val="accent5"/>
+          </a:effectRef>
+          <a:fontRef idx="minor">
+            <a:schemeClr val="dk1"/>
+          </a:fontRef>
+        </p:style>
+        <p:txBody>
+          <a:bodyPr wrap="square">
+            <a:spAutoFit/>
+          </a:bodyPr>
+          <a:lstStyle/>
+          <a:p>
+            <a:r>
+              <a:rPr lang="fr-FR" altLang="zh-CN" dirty="0"/>
+              <a:t> struct fs_context {</a:t>
+            </a:r>
+          </a:p>
+          <a:p>
+            <a:r>
+              <a:rPr lang="fr-FR" altLang="zh-CN" dirty="0"/>
+              <a:t>          const struct fs_context_operations *ops;</a:t>
+            </a:r>
+          </a:p>
+          <a:p>
+            <a:r>
+              <a:rPr lang="fr-FR" altLang="zh-CN" dirty="0"/>
+              <a:t>          struct file_system_type *fs_type;</a:t>
+            </a:r>
+          </a:p>
+          <a:p>
+            <a:r>
+              <a:rPr lang="fr-FR" altLang="zh-CN" dirty="0"/>
+              <a:t>          void      *fs_private;</a:t>
+            </a:r>
+          </a:p>
+          <a:p>
+            <a:r>
+              <a:rPr lang="fr-FR" altLang="zh-CN" dirty="0"/>
+              <a:t>          void     *sget_key;</a:t>
+            </a:r>
+          </a:p>
+          <a:p>
+            <a:r>
+              <a:rPr lang="fr-FR" altLang="zh-CN" dirty="0"/>
+              <a:t>          struct dentry   *root</a:t>
+            </a:r>
+          </a:p>
+          <a:p>
+            <a:r>
+              <a:rPr lang="fr-FR" altLang="zh-CN" dirty="0"/>
+              <a:t>          struct user_namespace   *user_ns;     </a:t>
+            </a:r>
+          </a:p>
+          <a:p>
+            <a:r>
+              <a:rPr lang="fr-FR" altLang="zh-CN" dirty="0"/>
+              <a:t>          unsigned int      sb_flags; </a:t>
+            </a:r>
+          </a:p>
+          <a:p>
+            <a:r>
+              <a:rPr lang="fr-FR" altLang="zh-CN" dirty="0"/>
+              <a:t>          unsigned int      sb_flags_mask;  </a:t>
+            </a:r>
+          </a:p>
+          <a:p>
+            <a:r>
+              <a:rPr lang="en-US" altLang="zh-CN" dirty="0"/>
+              <a:t>};</a:t>
+            </a:r>
+            <a:endParaRPr lang="fr-FR" altLang="zh-CN" dirty="0"/>
+          </a:p>
+        </p:txBody>
+      </p:sp>
+      <p:sp>
+        <p:nvSpPr>
+          <p:cNvPr id="4" name="文本框 3">
+            <a:extLst>
+              <a:ext uri="{FF2B5EF4-FFF2-40B4-BE49-F238E27FC236}">
+                <a16:creationId xmlns:a16="http://schemas.microsoft.com/office/drawing/2014/main" id="{0FB0C949-FD80-9435-A4FB-CD8E2A45CB6F}"/>
+              </a:ext>
+            </a:extLst>
+          </p:cNvPr>
+          <p:cNvSpPr txBox="1"/>
+          <p:nvPr/>
+        </p:nvSpPr>
+        <p:spPr>
+          <a:xfrm>
+            <a:off x="6984590" y="566678"/>
+            <a:ext cx="4917360" cy="923330"/>
+          </a:xfrm>
+          <a:prstGeom prst="rect">
+            <a:avLst/>
+          </a:prstGeom>
+        </p:spPr>
+        <p:style>
+          <a:lnRef idx="2">
+            <a:schemeClr val="accent5"/>
+          </a:lnRef>
+          <a:fillRef idx="1">
+            <a:schemeClr val="lt1"/>
+          </a:fillRef>
+          <a:effectRef idx="0">
+            <a:schemeClr val="accent5"/>
+          </a:effectRef>
+          <a:fontRef idx="minor">
+            <a:schemeClr val="dk1"/>
+          </a:fontRef>
+        </p:style>
+        <p:txBody>
+          <a:bodyPr wrap="square">
+            <a:spAutoFit/>
+          </a:bodyPr>
+          <a:lstStyle/>
+          <a:p>
+            <a:r>
+              <a:rPr lang="fr-FR" altLang="zh-CN" dirty="0"/>
+              <a:t> struct file_system_type  {</a:t>
+            </a:r>
+          </a:p>
+          <a:p>
+            <a:r>
+              <a:rPr lang="en-US" altLang="zh-CN" dirty="0"/>
+              <a:t>     struct </a:t>
+            </a:r>
+            <a:r>
+              <a:rPr lang="en-US" altLang="zh-CN" dirty="0" err="1"/>
+              <a:t>hlist_head</a:t>
+            </a:r>
+            <a:r>
+              <a:rPr lang="en-US" altLang="zh-CN" dirty="0"/>
+              <a:t> </a:t>
+            </a:r>
+            <a:r>
+              <a:rPr lang="en-US" altLang="zh-CN" dirty="0" err="1"/>
+              <a:t>fs_supers</a:t>
+            </a:r>
+            <a:r>
+              <a:rPr lang="en-US" altLang="zh-CN" dirty="0"/>
+              <a:t>;</a:t>
+            </a:r>
+          </a:p>
+          <a:p>
+            <a:r>
+              <a:rPr lang="en-US" altLang="zh-CN" dirty="0"/>
+              <a:t> };</a:t>
+            </a:r>
+            <a:endParaRPr lang="fr-FR" altLang="zh-CN" dirty="0"/>
+          </a:p>
+        </p:txBody>
+      </p:sp>
+      <p:cxnSp>
+        <p:nvCxnSpPr>
+          <p:cNvPr id="11" name="连接符: 肘形 10">
+            <a:extLst>
+              <a:ext uri="{FF2B5EF4-FFF2-40B4-BE49-F238E27FC236}">
+                <a16:creationId xmlns:a16="http://schemas.microsoft.com/office/drawing/2014/main" id="{E0016234-E07A-600F-9649-F120D3F58F91}"/>
+              </a:ext>
+            </a:extLst>
+          </p:cNvPr>
+          <p:cNvCxnSpPr>
+            <a:cxnSpLocks/>
+          </p:cNvCxnSpPr>
+          <p:nvPr/>
+        </p:nvCxnSpPr>
+        <p:spPr>
+          <a:xfrm flipV="1">
+            <a:off x="4454013" y="566678"/>
+            <a:ext cx="2530577" cy="731180"/>
+          </a:xfrm>
+          <a:prstGeom prst="bentConnector3">
+            <a:avLst/>
+          </a:prstGeom>
+          <a:ln>
+            <a:tailEnd type="triangle"/>
+          </a:ln>
+        </p:spPr>
+        <p:style>
+          <a:lnRef idx="1">
+            <a:schemeClr val="accent1"/>
+          </a:lnRef>
+          <a:fillRef idx="0">
+            <a:schemeClr val="accent1"/>
+          </a:fillRef>
+          <a:effectRef idx="0">
+            <a:schemeClr val="accent1"/>
+          </a:effectRef>
+          <a:fontRef idx="minor">
+            <a:schemeClr val="tx1"/>
+          </a:fontRef>
+        </p:style>
+      </p:cxnSp>
+      <p:sp>
+        <p:nvSpPr>
+          <p:cNvPr id="14" name="文本框 13">
+            <a:extLst>
+              <a:ext uri="{FF2B5EF4-FFF2-40B4-BE49-F238E27FC236}">
+                <a16:creationId xmlns:a16="http://schemas.microsoft.com/office/drawing/2014/main" id="{654A42EC-2682-6462-DF61-BCD2BDCF60A7}"/>
+              </a:ext>
+            </a:extLst>
+          </p:cNvPr>
+          <p:cNvSpPr txBox="1"/>
+          <p:nvPr/>
+        </p:nvSpPr>
+        <p:spPr>
+          <a:xfrm>
+            <a:off x="290052" y="4189865"/>
+            <a:ext cx="4917360" cy="1754326"/>
+          </a:xfrm>
+          <a:prstGeom prst="rect">
+            <a:avLst/>
+          </a:prstGeom>
+        </p:spPr>
+        <p:style>
+          <a:lnRef idx="2">
+            <a:schemeClr val="accent5"/>
+          </a:lnRef>
+          <a:fillRef idx="1">
+            <a:schemeClr val="lt1"/>
+          </a:fillRef>
+          <a:effectRef idx="0">
+            <a:schemeClr val="accent5"/>
+          </a:effectRef>
+          <a:fontRef idx="minor">
+            <a:schemeClr val="dk1"/>
+          </a:fontRef>
+        </p:style>
+        <p:txBody>
+          <a:bodyPr wrap="square">
+            <a:spAutoFit/>
+          </a:bodyPr>
+          <a:lstStyle/>
+          <a:p>
+            <a:r>
+              <a:rPr lang="fr-FR" altLang="zh-CN" dirty="0"/>
+              <a:t> struct fs_context {</a:t>
+            </a:r>
+          </a:p>
+          <a:p>
+            <a:r>
+              <a:rPr lang="fr-FR" altLang="zh-CN" dirty="0"/>
+              <a:t>       void     *sget_key;</a:t>
+            </a:r>
+          </a:p>
+          <a:p>
+            <a:r>
+              <a:rPr lang="fr-FR" altLang="zh-CN" dirty="0"/>
+              <a:t>       struct dentry   *root</a:t>
+            </a:r>
+          </a:p>
+          <a:p>
+            <a:r>
+              <a:rPr lang="fr-FR" altLang="zh-CN" dirty="0"/>
+              <a:t>       unsigned int      sb_flags; </a:t>
+            </a:r>
+          </a:p>
+          <a:p>
+            <a:r>
+              <a:rPr lang="fr-FR" altLang="zh-CN" dirty="0"/>
+              <a:t>       unsigned int      sb_flags_mask;  </a:t>
+            </a:r>
+          </a:p>
+          <a:p>
+            <a:r>
+              <a:rPr lang="en-US" altLang="zh-CN" dirty="0"/>
+              <a:t>};</a:t>
+            </a:r>
+            <a:endParaRPr lang="fr-FR" altLang="zh-CN" dirty="0"/>
+          </a:p>
+        </p:txBody>
+      </p:sp>
+    </p:spTree>
+    <p:extLst>
+      <p:ext uri="{BB962C8B-B14F-4D97-AF65-F5344CB8AC3E}">
+        <p14:creationId xmlns:p14="http://schemas.microsoft.com/office/powerpoint/2010/main" val="1822042190"/>
+      </p:ext>
+    </p:extLst>
+  </p:cSld>
+  <p:clrMapOvr>
+    <a:masterClrMapping/>
+  </p:clrMapOvr>
+</p:sld>
+</file>
+
+<file path=ppt/slides/slide9.xml><?xml version="1.0" encoding="utf-8"?>
+<p:sld xmlns:a="http://schemas.openxmlformats.org/drawingml/2006/main" xmlns:r="http://schemas.openxmlformats.org/officeDocument/2006/relationships" xmlns:p="http://schemas.openxmlformats.org/presentationml/2006/main">
+  <p:cSld>
+    <p:spTree>
+      <p:nvGrpSpPr>
+        <p:cNvPr id="1" name="">
+          <a:extLst>
+            <a:ext uri="{FF2B5EF4-FFF2-40B4-BE49-F238E27FC236}">
+              <a16:creationId xmlns:a16="http://schemas.microsoft.com/office/drawing/2014/main" id="{0822434B-EE71-DF65-F969-8D787BF1DE90}"/>
+            </a:ext>
+          </a:extLst>
+        </p:cNvPr>
+        <p:cNvGrpSpPr/>
+        <p:nvPr/>
+      </p:nvGrpSpPr>
+      <p:grpSpPr>
+        <a:xfrm>
+          <a:off x="0" y="0"/>
+          <a:ext cx="0" cy="0"/>
+          <a:chOff x="0" y="0"/>
+          <a:chExt cx="0" cy="0"/>
+        </a:xfrm>
+      </p:grpSpPr>
+      <p:sp>
+        <p:nvSpPr>
+          <p:cNvPr id="19" name="文本框 18">
+            <a:extLst>
+              <a:ext uri="{FF2B5EF4-FFF2-40B4-BE49-F238E27FC236}">
+                <a16:creationId xmlns:a16="http://schemas.microsoft.com/office/drawing/2014/main" id="{2E158D7B-D678-DCB6-1EB4-C17E5EFE53EB}"/>
+              </a:ext>
+            </a:extLst>
+          </p:cNvPr>
+          <p:cNvSpPr txBox="1"/>
+          <p:nvPr/>
+        </p:nvSpPr>
+        <p:spPr>
+          <a:xfrm>
+            <a:off x="290052" y="566678"/>
+            <a:ext cx="4917360" cy="2862322"/>
+          </a:xfrm>
+          <a:prstGeom prst="rect">
+            <a:avLst/>
+          </a:prstGeom>
+        </p:spPr>
+        <p:style>
+          <a:lnRef idx="2">
+            <a:schemeClr val="accent5"/>
+          </a:lnRef>
+          <a:fillRef idx="1">
+            <a:schemeClr val="lt1"/>
+          </a:fillRef>
+          <a:effectRef idx="0">
+            <a:schemeClr val="accent5"/>
+          </a:effectRef>
+          <a:fontRef idx="minor">
+            <a:schemeClr val="dk1"/>
+          </a:fontRef>
+        </p:style>
+        <p:txBody>
+          <a:bodyPr wrap="square">
+            <a:spAutoFit/>
+          </a:bodyPr>
+          <a:lstStyle/>
+          <a:p>
+            <a:r>
+              <a:rPr lang="fr-FR" altLang="zh-CN" dirty="0"/>
+              <a:t> struct super_block {</a:t>
+            </a:r>
+          </a:p>
+          <a:p>
+            <a:r>
+              <a:rPr lang="fr-FR" altLang="zh-CN" dirty="0"/>
+              <a:t>          const struct fs_context_operations *ops;</a:t>
+            </a:r>
+          </a:p>
+          <a:p>
+            <a:r>
+              <a:rPr lang="fr-FR" altLang="zh-CN" dirty="0"/>
+              <a:t>          struct file_system_type *fs_type;</a:t>
+            </a:r>
+          </a:p>
+          <a:p>
+            <a:r>
+              <a:rPr lang="fr-FR" altLang="zh-CN" dirty="0"/>
+              <a:t>          void      *fs_private;</a:t>
+            </a:r>
+          </a:p>
+          <a:p>
+            <a:r>
+              <a:rPr lang="fr-FR" altLang="zh-CN" dirty="0"/>
+              <a:t>          void     *sget_key;</a:t>
+            </a:r>
+          </a:p>
+          <a:p>
+            <a:r>
+              <a:rPr lang="fr-FR" altLang="zh-CN" dirty="0"/>
+              <a:t>          struct dentry   *root</a:t>
+            </a:r>
+          </a:p>
+          <a:p>
+            <a:r>
+              <a:rPr lang="fr-FR" altLang="zh-CN" dirty="0"/>
+              <a:t>          struct user_namespace   *user_ns;     </a:t>
+            </a:r>
+          </a:p>
+          <a:p>
+            <a:r>
+              <a:rPr lang="fr-FR" altLang="zh-CN" dirty="0"/>
+              <a:t>          unsigned int      sb_flags; </a:t>
+            </a:r>
+          </a:p>
+          <a:p>
+            <a:r>
+              <a:rPr lang="fr-FR" altLang="zh-CN" dirty="0"/>
+              <a:t>          unsigned int      sb_flags_mask;  </a:t>
+            </a:r>
+          </a:p>
+          <a:p>
+            <a:r>
+              <a:rPr lang="en-US" altLang="zh-CN" dirty="0"/>
+              <a:t>};</a:t>
+            </a:r>
+            <a:endParaRPr lang="fr-FR" altLang="zh-CN" dirty="0"/>
+          </a:p>
+        </p:txBody>
+      </p:sp>
+    </p:spTree>
+    <p:extLst>
+      <p:ext uri="{BB962C8B-B14F-4D97-AF65-F5344CB8AC3E}">
+        <p14:creationId xmlns:p14="http://schemas.microsoft.com/office/powerpoint/2010/main" val="599037016"/>
       </p:ext>
     </p:extLst>
   </p:cSld>
